--- a/Courses/Software-Sciences/Module-2-DS-and-Algo/01.1-Arrays-Basics/01.1-Arrays-Basics.pptx
+++ b/Courses/Software-Sciences/Module-2-DS-and-Algo/01.1-Arrays-Basics/01.1-Arrays-Basics.pptx
@@ -5,10 +5,10 @@
     <p:sldMasterId id="2147483675" r:id="rId1"/>
   </p:sldMasterIdLst>
   <p:notesMasterIdLst>
-    <p:notesMasterId r:id="rId29"/>
+    <p:notesMasterId r:id="rId28"/>
   </p:notesMasterIdLst>
   <p:handoutMasterIdLst>
-    <p:handoutMasterId r:id="rId30"/>
+    <p:handoutMasterId r:id="rId29"/>
   </p:handoutMasterIdLst>
   <p:sldIdLst>
     <p:sldId id="402" r:id="rId2"/>
@@ -24,20 +24,19 @@
     <p:sldId id="481" r:id="rId12"/>
     <p:sldId id="482" r:id="rId13"/>
     <p:sldId id="483" r:id="rId14"/>
-    <p:sldId id="484" r:id="rId15"/>
+    <p:sldId id="489" r:id="rId15"/>
     <p:sldId id="485" r:id="rId16"/>
     <p:sldId id="486" r:id="rId17"/>
     <p:sldId id="487" r:id="rId18"/>
     <p:sldId id="488" r:id="rId19"/>
-    <p:sldId id="489" r:id="rId20"/>
-    <p:sldId id="490" r:id="rId21"/>
-    <p:sldId id="491" r:id="rId22"/>
-    <p:sldId id="539" r:id="rId23"/>
-    <p:sldId id="540" r:id="rId24"/>
-    <p:sldId id="541" r:id="rId25"/>
-    <p:sldId id="349" r:id="rId26"/>
-    <p:sldId id="401" r:id="rId27"/>
-    <p:sldId id="582" r:id="rId28"/>
+    <p:sldId id="490" r:id="rId20"/>
+    <p:sldId id="491" r:id="rId21"/>
+    <p:sldId id="539" r:id="rId22"/>
+    <p:sldId id="540" r:id="rId23"/>
+    <p:sldId id="541" r:id="rId24"/>
+    <p:sldId id="349" r:id="rId25"/>
+    <p:sldId id="401" r:id="rId26"/>
+    <p:sldId id="582" r:id="rId27"/>
   </p:sldIdLst>
   <p:sldSz cx="12192000" cy="6858000"/>
   <p:notesSz cx="6858000" cy="9144000"/>
@@ -156,18 +155,17 @@
             <p14:sldId id="472"/>
           </p14:sldIdLst>
         </p14:section>
-        <p14:section name="Четене на масиви от конзолата" id="{6C937A98-260C-4C25-9B7A-68DBE7F65D6A}">
+        <p14:section name="Четене и отпечатване на масиви" id="{6C937A98-260C-4C25-9B7A-68DBE7F65D6A}">
           <p14:sldIdLst>
             <p14:sldId id="480"/>
             <p14:sldId id="481"/>
             <p14:sldId id="482"/>
             <p14:sldId id="483"/>
-            <p14:sldId id="484"/>
+            <p14:sldId id="489"/>
             <p14:sldId id="485"/>
             <p14:sldId id="486"/>
             <p14:sldId id="487"/>
             <p14:sldId id="488"/>
-            <p14:sldId id="489"/>
             <p14:sldId id="490"/>
             <p14:sldId id="491"/>
           </p14:sldIdLst>
@@ -313,7 +311,7 @@
           <a:p>
             <a:fld id="{4E087215-0C8F-4762-A664-737A353EC9A4}" type="datetimeFigureOut">
               <a:rPr lang="bg-BG" smtClean="0"/>
-              <a:t>6.07.23 г.</a:t>
+              <a:t>16.08.23 г.</a:t>
             </a:fld>
             <a:endParaRPr lang="bg-BG" dirty="0"/>
           </a:p>
@@ -504,7 +502,7 @@
           <a:p>
             <a:fld id="{72D84649-876A-46C9-8472-14CB09C070D8}" type="datetimeFigureOut">
               <a:rPr lang="en-US" smtClean="0"/>
-              <a:t>7/6/23</a:t>
+              <a:t>8/16/23</a:t>
             </a:fld>
             <a:endParaRPr lang="en-US" dirty="0"/>
           </a:p>
@@ -1240,7 +1238,7 @@
           <a:bodyPr/>
           <a:lstStyle/>
           <a:p>
-            <a:endParaRPr lang="en-BG"/>
+            <a:endParaRPr lang="en-BG" dirty="0"/>
           </a:p>
         </p:txBody>
       </p:sp>
@@ -1356,18 +1354,18 @@
           <a:bodyPr/>
           <a:lstStyle/>
           <a:p>
-            <a:endParaRPr lang="en-US" dirty="0"/>
+            <a:endParaRPr lang="en-BG" dirty="0"/>
           </a:p>
         </p:txBody>
       </p:sp>
       <p:sp>
         <p:nvSpPr>
-          <p:cNvPr id="5" name="Slide Number Placeholder 4"/>
+          <p:cNvPr id="4" name="Slide Number Placeholder 3"/>
           <p:cNvSpPr>
             <a:spLocks noGrp="1"/>
           </p:cNvSpPr>
           <p:nvPr>
-            <p:ph type="sldNum" sz="quarter" idx="11"/>
+            <p:ph type="sldNum" sz="quarter" idx="5"/>
           </p:nvPr>
         </p:nvSpPr>
         <p:spPr/>
@@ -1375,10 +1373,9 @@
           <a:bodyPr/>
           <a:lstStyle/>
           <a:p>
-            <a:fld id="{3EBA5BD7-F043-4D1B-AA17-CD412FC534DE}" type="slidenum">
+            <a:fld id="{2BF067CD-8E6B-4360-9AA8-C5DF2A48A6D1}" type="slidenum">
               <a:rPr lang="en-US" smtClean="0"/>
-              <a:pPr/>
-              <a:t>25</a:t>
+              <a:t>13</a:t>
             </a:fld>
             <a:endParaRPr lang="en-US" dirty="0"/>
           </a:p>
@@ -1386,13 +1383,7 @@
       </p:sp>
       <p:sp>
         <p:nvSpPr>
-          <p:cNvPr id="7" name="Footer Placeholder 7">
-            <a:extLst>
-              <a:ext uri="{FF2B5EF4-FFF2-40B4-BE49-F238E27FC236}">
-                <a16:creationId xmlns:a16="http://schemas.microsoft.com/office/drawing/2014/main" id="{6752A242-821B-40D6-8F80-C9ABBFE6298D}"/>
-              </a:ext>
-            </a:extLst>
-          </p:cNvPr>
+          <p:cNvPr id="5" name="Footer Placeholder 4"/>
           <p:cNvSpPr>
             <a:spLocks noGrp="1"/>
           </p:cNvSpPr>
@@ -1400,44 +1391,33 @@
             <p:ph type="ftr" sz="quarter" idx="4"/>
           </p:nvPr>
         </p:nvSpPr>
-        <p:spPr>
-          <a:xfrm>
-            <a:off x="-1" y="8847000"/>
-            <a:ext cx="6488999" cy="297000"/>
-          </a:xfrm>
-          <a:prstGeom prst="rect">
-            <a:avLst/>
-          </a:prstGeom>
-        </p:spPr>
+        <p:spPr/>
         <p:txBody>
-          <a:bodyPr vert="horz" lIns="91440" tIns="45720" rIns="91440" bIns="45720" rtlCol="0" anchor="b"/>
-          <a:lstStyle>
-            <a:lvl1pPr algn="l">
-              <a:defRPr sz="1100"/>
-            </a:lvl1pPr>
-          </a:lstStyle>
-          <a:p>
-            <a:r>
-              <a:rPr lang="en-US" dirty="0"/>
+          <a:bodyPr/>
+          <a:lstStyle/>
+          <a:p>
+            <a:r>
+              <a:rPr lang="en-US"/>
               <a:t>© SoftUni – </a:t>
             </a:r>
             <a:r>
-              <a:rPr lang="en-US" u="sng" dirty="0">
+              <a:rPr lang="en-US" u="sng">
                 <a:hlinkClick r:id="rId3"/>
               </a:rPr>
               <a:t>https://softuni.org</a:t>
             </a:r>
             <a:r>
-              <a:rPr lang="en-US" dirty="0"/>
+              <a:rPr lang="en-US"/>
               <a:t>. Copyrighted document. Unauthorized copy or reproduction is not permitted.</a:t>
             </a:r>
+            <a:endParaRPr lang="en-US" dirty="0"/>
           </a:p>
         </p:txBody>
       </p:sp>
     </p:spTree>
     <p:extLst>
       <p:ext uri="{BB962C8B-B14F-4D97-AF65-F5344CB8AC3E}">
-        <p14:creationId xmlns:p14="http://schemas.microsoft.com/office/powerpoint/2010/main" val="1298159744"/>
+        <p14:creationId xmlns:p14="http://schemas.microsoft.com/office/powerpoint/2010/main" val="1494441678"/>
       </p:ext>
     </p:extLst>
   </p:cSld>
@@ -1497,129 +1477,23 @@
       </p:sp>
       <p:sp>
         <p:nvSpPr>
-          <p:cNvPr id="7" name="Slide Number Placeholder 5">
-            <a:extLst>
-              <a:ext uri="{FF2B5EF4-FFF2-40B4-BE49-F238E27FC236}">
-                <a16:creationId xmlns:a16="http://schemas.microsoft.com/office/drawing/2014/main" id="{5049B984-F964-47FF-8179-0A3007CE21CD}"/>
-              </a:ext>
-            </a:extLst>
-          </p:cNvPr>
-          <p:cNvSpPr txBox="1">
-            <a:spLocks/>
+          <p:cNvPr id="5" name="Slide Number Placeholder 4"/>
+          <p:cNvSpPr>
+            <a:spLocks noGrp="1"/>
           </p:cNvSpPr>
-          <p:nvPr/>
+          <p:nvPr>
+            <p:ph type="sldNum" sz="quarter" idx="11"/>
+          </p:nvPr>
         </p:nvSpPr>
-        <p:spPr>
-          <a:xfrm>
-            <a:off x="6488999" y="8847000"/>
-            <a:ext cx="367414" cy="297000"/>
-          </a:xfrm>
-          <a:prstGeom prst="rect">
-            <a:avLst/>
-          </a:prstGeom>
-        </p:spPr>
+        <p:spPr/>
         <p:txBody>
-          <a:bodyPr vert="horz" lIns="91440" tIns="45720" rIns="91440" bIns="45720" rtlCol="0" anchor="b"/>
-          <a:lstStyle>
-            <a:defPPr>
-              <a:defRPr lang="en-US"/>
-            </a:defPPr>
-            <a:lvl1pPr marL="0" algn="r" defTabSz="914400" rtl="0" eaLnBrk="1" latinLnBrk="0" hangingPunct="1">
-              <a:defRPr sz="1200" kern="1200">
-                <a:solidFill>
-                  <a:schemeClr val="tx1"/>
-                </a:solidFill>
-                <a:latin typeface="+mn-lt"/>
-                <a:ea typeface="+mn-ea"/>
-                <a:cs typeface="+mn-cs"/>
-              </a:defRPr>
-            </a:lvl1pPr>
-            <a:lvl2pPr marL="457200" algn="l" defTabSz="914400" rtl="0" eaLnBrk="1" latinLnBrk="0" hangingPunct="1">
-              <a:defRPr sz="1800" kern="1200">
-                <a:solidFill>
-                  <a:schemeClr val="tx1"/>
-                </a:solidFill>
-                <a:latin typeface="+mn-lt"/>
-                <a:ea typeface="+mn-ea"/>
-                <a:cs typeface="+mn-cs"/>
-              </a:defRPr>
-            </a:lvl2pPr>
-            <a:lvl3pPr marL="914400" algn="l" defTabSz="914400" rtl="0" eaLnBrk="1" latinLnBrk="0" hangingPunct="1">
-              <a:defRPr sz="1800" kern="1200">
-                <a:solidFill>
-                  <a:schemeClr val="tx1"/>
-                </a:solidFill>
-                <a:latin typeface="+mn-lt"/>
-                <a:ea typeface="+mn-ea"/>
-                <a:cs typeface="+mn-cs"/>
-              </a:defRPr>
-            </a:lvl3pPr>
-            <a:lvl4pPr marL="1371600" algn="l" defTabSz="914400" rtl="0" eaLnBrk="1" latinLnBrk="0" hangingPunct="1">
-              <a:defRPr sz="1800" kern="1200">
-                <a:solidFill>
-                  <a:schemeClr val="tx1"/>
-                </a:solidFill>
-                <a:latin typeface="+mn-lt"/>
-                <a:ea typeface="+mn-ea"/>
-                <a:cs typeface="+mn-cs"/>
-              </a:defRPr>
-            </a:lvl4pPr>
-            <a:lvl5pPr marL="1828800" algn="l" defTabSz="914400" rtl="0" eaLnBrk="1" latinLnBrk="0" hangingPunct="1">
-              <a:defRPr sz="1800" kern="1200">
-                <a:solidFill>
-                  <a:schemeClr val="tx1"/>
-                </a:solidFill>
-                <a:latin typeface="+mn-lt"/>
-                <a:ea typeface="+mn-ea"/>
-                <a:cs typeface="+mn-cs"/>
-              </a:defRPr>
-            </a:lvl5pPr>
-            <a:lvl6pPr marL="2286000" algn="l" defTabSz="914400" rtl="0" eaLnBrk="1" latinLnBrk="0" hangingPunct="1">
-              <a:defRPr sz="1800" kern="1200">
-                <a:solidFill>
-                  <a:schemeClr val="tx1"/>
-                </a:solidFill>
-                <a:latin typeface="+mn-lt"/>
-                <a:ea typeface="+mn-ea"/>
-                <a:cs typeface="+mn-cs"/>
-              </a:defRPr>
-            </a:lvl6pPr>
-            <a:lvl7pPr marL="2743200" algn="l" defTabSz="914400" rtl="0" eaLnBrk="1" latinLnBrk="0" hangingPunct="1">
-              <a:defRPr sz="1800" kern="1200">
-                <a:solidFill>
-                  <a:schemeClr val="tx1"/>
-                </a:solidFill>
-                <a:latin typeface="+mn-lt"/>
-                <a:ea typeface="+mn-ea"/>
-                <a:cs typeface="+mn-cs"/>
-              </a:defRPr>
-            </a:lvl7pPr>
-            <a:lvl8pPr marL="3200400" algn="l" defTabSz="914400" rtl="0" eaLnBrk="1" latinLnBrk="0" hangingPunct="1">
-              <a:defRPr sz="1800" kern="1200">
-                <a:solidFill>
-                  <a:schemeClr val="tx1"/>
-                </a:solidFill>
-                <a:latin typeface="+mn-lt"/>
-                <a:ea typeface="+mn-ea"/>
-                <a:cs typeface="+mn-cs"/>
-              </a:defRPr>
-            </a:lvl8pPr>
-            <a:lvl9pPr marL="3657600" algn="l" defTabSz="914400" rtl="0" eaLnBrk="1" latinLnBrk="0" hangingPunct="1">
-              <a:defRPr sz="1800" kern="1200">
-                <a:solidFill>
-                  <a:schemeClr val="tx1"/>
-                </a:solidFill>
-                <a:latin typeface="+mn-lt"/>
-                <a:ea typeface="+mn-ea"/>
-                <a:cs typeface="+mn-cs"/>
-              </a:defRPr>
-            </a:lvl9pPr>
-          </a:lstStyle>
+          <a:bodyPr/>
+          <a:lstStyle/>
           <a:p>
             <a:fld id="{3EBA5BD7-F043-4D1B-AA17-CD412FC534DE}" type="slidenum">
               <a:rPr lang="en-US" smtClean="0"/>
               <a:pPr/>
-              <a:t>26</a:t>
+              <a:t>24</a:t>
             </a:fld>
             <a:endParaRPr lang="en-US" dirty="0"/>
           </a:p>
@@ -1627,10 +1501,10 @@
       </p:sp>
       <p:sp>
         <p:nvSpPr>
-          <p:cNvPr id="6" name="Footer Placeholder 7">
+          <p:cNvPr id="7" name="Footer Placeholder 7">
             <a:extLst>
               <a:ext uri="{FF2B5EF4-FFF2-40B4-BE49-F238E27FC236}">
-                <a16:creationId xmlns:a16="http://schemas.microsoft.com/office/drawing/2014/main" id="{9CFE5E97-8D68-4134-8407-17031A0C4EE4}"/>
+                <a16:creationId xmlns:a16="http://schemas.microsoft.com/office/drawing/2014/main" id="{6752A242-821B-40D6-8F80-C9ABBFE6298D}"/>
               </a:ext>
             </a:extLst>
           </p:cNvPr>
@@ -1678,7 +1552,7 @@
     </p:spTree>
     <p:extLst>
       <p:ext uri="{BB962C8B-B14F-4D97-AF65-F5344CB8AC3E}">
-        <p14:creationId xmlns:p14="http://schemas.microsoft.com/office/powerpoint/2010/main" val="93676303"/>
+        <p14:creationId xmlns:p14="http://schemas.microsoft.com/office/powerpoint/2010/main" val="1298159744"/>
       </p:ext>
     </p:extLst>
   </p:cSld>
@@ -1738,6 +1612,247 @@
       </p:sp>
       <p:sp>
         <p:nvSpPr>
+          <p:cNvPr id="7" name="Slide Number Placeholder 5">
+            <a:extLst>
+              <a:ext uri="{FF2B5EF4-FFF2-40B4-BE49-F238E27FC236}">
+                <a16:creationId xmlns:a16="http://schemas.microsoft.com/office/drawing/2014/main" id="{5049B984-F964-47FF-8179-0A3007CE21CD}"/>
+              </a:ext>
+            </a:extLst>
+          </p:cNvPr>
+          <p:cNvSpPr txBox="1">
+            <a:spLocks/>
+          </p:cNvSpPr>
+          <p:nvPr/>
+        </p:nvSpPr>
+        <p:spPr>
+          <a:xfrm>
+            <a:off x="6488999" y="8847000"/>
+            <a:ext cx="367414" cy="297000"/>
+          </a:xfrm>
+          <a:prstGeom prst="rect">
+            <a:avLst/>
+          </a:prstGeom>
+        </p:spPr>
+        <p:txBody>
+          <a:bodyPr vert="horz" lIns="91440" tIns="45720" rIns="91440" bIns="45720" rtlCol="0" anchor="b"/>
+          <a:lstStyle>
+            <a:defPPr>
+              <a:defRPr lang="en-US"/>
+            </a:defPPr>
+            <a:lvl1pPr marL="0" algn="r" defTabSz="914400" rtl="0" eaLnBrk="1" latinLnBrk="0" hangingPunct="1">
+              <a:defRPr sz="1200" kern="1200">
+                <a:solidFill>
+                  <a:schemeClr val="tx1"/>
+                </a:solidFill>
+                <a:latin typeface="+mn-lt"/>
+                <a:ea typeface="+mn-ea"/>
+                <a:cs typeface="+mn-cs"/>
+              </a:defRPr>
+            </a:lvl1pPr>
+            <a:lvl2pPr marL="457200" algn="l" defTabSz="914400" rtl="0" eaLnBrk="1" latinLnBrk="0" hangingPunct="1">
+              <a:defRPr sz="1800" kern="1200">
+                <a:solidFill>
+                  <a:schemeClr val="tx1"/>
+                </a:solidFill>
+                <a:latin typeface="+mn-lt"/>
+                <a:ea typeface="+mn-ea"/>
+                <a:cs typeface="+mn-cs"/>
+              </a:defRPr>
+            </a:lvl2pPr>
+            <a:lvl3pPr marL="914400" algn="l" defTabSz="914400" rtl="0" eaLnBrk="1" latinLnBrk="0" hangingPunct="1">
+              <a:defRPr sz="1800" kern="1200">
+                <a:solidFill>
+                  <a:schemeClr val="tx1"/>
+                </a:solidFill>
+                <a:latin typeface="+mn-lt"/>
+                <a:ea typeface="+mn-ea"/>
+                <a:cs typeface="+mn-cs"/>
+              </a:defRPr>
+            </a:lvl3pPr>
+            <a:lvl4pPr marL="1371600" algn="l" defTabSz="914400" rtl="0" eaLnBrk="1" latinLnBrk="0" hangingPunct="1">
+              <a:defRPr sz="1800" kern="1200">
+                <a:solidFill>
+                  <a:schemeClr val="tx1"/>
+                </a:solidFill>
+                <a:latin typeface="+mn-lt"/>
+                <a:ea typeface="+mn-ea"/>
+                <a:cs typeface="+mn-cs"/>
+              </a:defRPr>
+            </a:lvl4pPr>
+            <a:lvl5pPr marL="1828800" algn="l" defTabSz="914400" rtl="0" eaLnBrk="1" latinLnBrk="0" hangingPunct="1">
+              <a:defRPr sz="1800" kern="1200">
+                <a:solidFill>
+                  <a:schemeClr val="tx1"/>
+                </a:solidFill>
+                <a:latin typeface="+mn-lt"/>
+                <a:ea typeface="+mn-ea"/>
+                <a:cs typeface="+mn-cs"/>
+              </a:defRPr>
+            </a:lvl5pPr>
+            <a:lvl6pPr marL="2286000" algn="l" defTabSz="914400" rtl="0" eaLnBrk="1" latinLnBrk="0" hangingPunct="1">
+              <a:defRPr sz="1800" kern="1200">
+                <a:solidFill>
+                  <a:schemeClr val="tx1"/>
+                </a:solidFill>
+                <a:latin typeface="+mn-lt"/>
+                <a:ea typeface="+mn-ea"/>
+                <a:cs typeface="+mn-cs"/>
+              </a:defRPr>
+            </a:lvl6pPr>
+            <a:lvl7pPr marL="2743200" algn="l" defTabSz="914400" rtl="0" eaLnBrk="1" latinLnBrk="0" hangingPunct="1">
+              <a:defRPr sz="1800" kern="1200">
+                <a:solidFill>
+                  <a:schemeClr val="tx1"/>
+                </a:solidFill>
+                <a:latin typeface="+mn-lt"/>
+                <a:ea typeface="+mn-ea"/>
+                <a:cs typeface="+mn-cs"/>
+              </a:defRPr>
+            </a:lvl7pPr>
+            <a:lvl8pPr marL="3200400" algn="l" defTabSz="914400" rtl="0" eaLnBrk="1" latinLnBrk="0" hangingPunct="1">
+              <a:defRPr sz="1800" kern="1200">
+                <a:solidFill>
+                  <a:schemeClr val="tx1"/>
+                </a:solidFill>
+                <a:latin typeface="+mn-lt"/>
+                <a:ea typeface="+mn-ea"/>
+                <a:cs typeface="+mn-cs"/>
+              </a:defRPr>
+            </a:lvl8pPr>
+            <a:lvl9pPr marL="3657600" algn="l" defTabSz="914400" rtl="0" eaLnBrk="1" latinLnBrk="0" hangingPunct="1">
+              <a:defRPr sz="1800" kern="1200">
+                <a:solidFill>
+                  <a:schemeClr val="tx1"/>
+                </a:solidFill>
+                <a:latin typeface="+mn-lt"/>
+                <a:ea typeface="+mn-ea"/>
+                <a:cs typeface="+mn-cs"/>
+              </a:defRPr>
+            </a:lvl9pPr>
+          </a:lstStyle>
+          <a:p>
+            <a:fld id="{3EBA5BD7-F043-4D1B-AA17-CD412FC534DE}" type="slidenum">
+              <a:rPr lang="en-US" smtClean="0"/>
+              <a:pPr/>
+              <a:t>25</a:t>
+            </a:fld>
+            <a:endParaRPr lang="en-US" dirty="0"/>
+          </a:p>
+        </p:txBody>
+      </p:sp>
+      <p:sp>
+        <p:nvSpPr>
+          <p:cNvPr id="6" name="Footer Placeholder 7">
+            <a:extLst>
+              <a:ext uri="{FF2B5EF4-FFF2-40B4-BE49-F238E27FC236}">
+                <a16:creationId xmlns:a16="http://schemas.microsoft.com/office/drawing/2014/main" id="{9CFE5E97-8D68-4134-8407-17031A0C4EE4}"/>
+              </a:ext>
+            </a:extLst>
+          </p:cNvPr>
+          <p:cNvSpPr>
+            <a:spLocks noGrp="1"/>
+          </p:cNvSpPr>
+          <p:nvPr>
+            <p:ph type="ftr" sz="quarter" idx="4"/>
+          </p:nvPr>
+        </p:nvSpPr>
+        <p:spPr>
+          <a:xfrm>
+            <a:off x="-1" y="8847000"/>
+            <a:ext cx="6488999" cy="297000"/>
+          </a:xfrm>
+          <a:prstGeom prst="rect">
+            <a:avLst/>
+          </a:prstGeom>
+        </p:spPr>
+        <p:txBody>
+          <a:bodyPr vert="horz" lIns="91440" tIns="45720" rIns="91440" bIns="45720" rtlCol="0" anchor="b"/>
+          <a:lstStyle>
+            <a:lvl1pPr algn="l">
+              <a:defRPr sz="1100"/>
+            </a:lvl1pPr>
+          </a:lstStyle>
+          <a:p>
+            <a:r>
+              <a:rPr lang="en-US" dirty="0"/>
+              <a:t>© SoftUni – </a:t>
+            </a:r>
+            <a:r>
+              <a:rPr lang="en-US" u="sng" dirty="0">
+                <a:hlinkClick r:id="rId3"/>
+              </a:rPr>
+              <a:t>https://softuni.org</a:t>
+            </a:r>
+            <a:r>
+              <a:rPr lang="en-US" dirty="0"/>
+              <a:t>. Copyrighted document. Unauthorized copy or reproduction is not permitted.</a:t>
+            </a:r>
+          </a:p>
+        </p:txBody>
+      </p:sp>
+    </p:spTree>
+    <p:extLst>
+      <p:ext uri="{BB962C8B-B14F-4D97-AF65-F5344CB8AC3E}">
+        <p14:creationId xmlns:p14="http://schemas.microsoft.com/office/powerpoint/2010/main" val="93676303"/>
+      </p:ext>
+    </p:extLst>
+  </p:cSld>
+  <p:clrMapOvr>
+    <a:masterClrMapping/>
+  </p:clrMapOvr>
+</p:notes>
+</file>
+
+<file path=ppt/notesSlides/notesSlide8.xml><?xml version="1.0" encoding="utf-8"?>
+<p:notes xmlns:a="http://schemas.openxmlformats.org/drawingml/2006/main" xmlns:r="http://schemas.openxmlformats.org/officeDocument/2006/relationships" xmlns:p="http://schemas.openxmlformats.org/presentationml/2006/main">
+  <p:cSld>
+    <p:spTree>
+      <p:nvGrpSpPr>
+        <p:cNvPr id="1" name=""/>
+        <p:cNvGrpSpPr/>
+        <p:nvPr/>
+      </p:nvGrpSpPr>
+      <p:grpSpPr>
+        <a:xfrm>
+          <a:off x="0" y="0"/>
+          <a:ext cx="0" cy="0"/>
+          <a:chOff x="0" y="0"/>
+          <a:chExt cx="0" cy="0"/>
+        </a:xfrm>
+      </p:grpSpPr>
+      <p:sp>
+        <p:nvSpPr>
+          <p:cNvPr id="2" name="Slide Image Placeholder 1"/>
+          <p:cNvSpPr>
+            <a:spLocks noGrp="1" noRot="1" noChangeAspect="1"/>
+          </p:cNvSpPr>
+          <p:nvPr>
+            <p:ph type="sldImg"/>
+          </p:nvPr>
+        </p:nvSpPr>
+        <p:spPr/>
+      </p:sp>
+      <p:sp>
+        <p:nvSpPr>
+          <p:cNvPr id="3" name="Notes Placeholder 2"/>
+          <p:cNvSpPr>
+            <a:spLocks noGrp="1"/>
+          </p:cNvSpPr>
+          <p:nvPr>
+            <p:ph type="body" idx="1"/>
+          </p:nvPr>
+        </p:nvSpPr>
+        <p:spPr/>
+        <p:txBody>
+          <a:bodyPr/>
+          <a:lstStyle/>
+          <a:p>
+            <a:endParaRPr lang="en-US" dirty="0"/>
+          </a:p>
+        </p:txBody>
+      </p:sp>
+      <p:sp>
+        <p:nvSpPr>
           <p:cNvPr id="6" name="Slide Number Placeholder 5">
             <a:extLst>
               <a:ext uri="{FF2B5EF4-FFF2-40B4-BE49-F238E27FC236}">
@@ -1860,7 +1975,7 @@
             <a:fld id="{3EBA5BD7-F043-4D1B-AA17-CD412FC534DE}" type="slidenum">
               <a:rPr lang="en-US" smtClean="0"/>
               <a:pPr/>
-              <a:t>27</a:t>
+              <a:t>26</a:t>
             </a:fld>
             <a:endParaRPr lang="en-US" dirty="0"/>
           </a:p>
@@ -8422,7 +8537,12 @@
             <p:ph type="subTitle" idx="1"/>
           </p:nvPr>
         </p:nvSpPr>
-        <p:spPr/>
+        <p:spPr>
+          <a:xfrm>
+            <a:off x="554182" y="1258272"/>
+            <a:ext cx="11083636" cy="655588"/>
+          </a:xfrm>
+        </p:spPr>
         <p:txBody>
           <a:bodyPr>
             <a:normAutofit/>
@@ -8430,16 +8550,13 @@
           <a:lstStyle/>
           <a:p>
             <a:r>
-              <a:rPr lang="bg-BG" sz="3550" dirty="0">
+              <a:rPr lang="bg-BG" sz="3600" dirty="0">
                 <a:ea typeface="+mn-lt"/>
                 <a:cs typeface="+mn-lt"/>
               </a:rPr>
-              <a:t>Съвкупност от елементи с определена дължина</a:t>
-            </a:r>
-            <a:endParaRPr lang="bg-BG" dirty="0"/>
-          </a:p>
-          <a:p>
-            <a:endParaRPr lang="bg-BG" sz="3550" dirty="0">
+              <a:t>Същност и базови операции с масиви </a:t>
+            </a:r>
+            <a:endParaRPr lang="bg-BG" sz="3600" dirty="0">
               <a:ea typeface="Calibri"/>
               <a:cs typeface="Calibri"/>
             </a:endParaRPr>
@@ -8464,10 +8581,9 @@
           <a:lstStyle/>
           <a:p>
             <a:r>
-              <a:rPr lang="bg-BG" sz="4750" dirty="0"/>
+              <a:rPr lang="bg-BG" sz="4800" dirty="0"/>
               <a:t>Масиви</a:t>
             </a:r>
-            <a:endParaRPr lang="bg-BG" dirty="0"/>
           </a:p>
         </p:txBody>
       </p:sp>
@@ -9300,7 +9416,10 @@
           <a:lstStyle/>
           <a:p>
             <a:r>
-              <a:rPr lang="en-BG" dirty="0"/>
+              <a:rPr lang="en-BG" dirty="0">
+                <a:latin typeface="Consolas" panose="020B0609020204030204" pitchFamily="49" charset="0"/>
+                <a:cs typeface="Consolas" panose="020B0609020204030204" pitchFamily="49" charset="0"/>
+              </a:rPr>
               <a:t>For</a:t>
             </a:r>
             <a:r>
@@ -9309,9 +9428,19 @@
             </a:r>
             <a:r>
               <a:rPr lang="en-US" dirty="0"/>
-              <a:t> string.Join()</a:t>
-            </a:r>
-            <a:endParaRPr lang="en-BG" dirty="0"/>
+              <a:t> </a:t>
+            </a:r>
+            <a:r>
+              <a:rPr lang="en-US" dirty="0">
+                <a:latin typeface="Consolas" panose="020B0609020204030204" pitchFamily="49" charset="0"/>
+                <a:cs typeface="Consolas" panose="020B0609020204030204" pitchFamily="49" charset="0"/>
+              </a:rPr>
+              <a:t>string.Join()</a:t>
+            </a:r>
+            <a:endParaRPr lang="en-BG" dirty="0">
+              <a:latin typeface="Consolas" panose="020B0609020204030204" pitchFamily="49" charset="0"/>
+              <a:cs typeface="Consolas" panose="020B0609020204030204" pitchFamily="49" charset="0"/>
+            </a:endParaRPr>
           </a:p>
         </p:txBody>
       </p:sp>
@@ -9343,7 +9472,7 @@
           <a:p>
             <a:r>
               <a:rPr lang="bg-BG" dirty="0"/>
-              <a:t>Четене и отпечатване на масив</a:t>
+              <a:t>Четене и отпечатване на масиви</a:t>
             </a:r>
           </a:p>
         </p:txBody>
@@ -9668,8 +9797,12 @@
               </a:spcBef>
             </a:pPr>
             <a:r>
+              <a:rPr lang="bg-BG" sz="3600" dirty="0"/>
+              <a:t>С</a:t>
+            </a:r>
+            <a:r>
               <a:rPr lang="en-US" sz="3600" dirty="0"/>
-              <a:t>След това създаваме масив с дължина</a:t>
+              <a:t>ъздаваме масив с дължина</a:t>
             </a:r>
             <a:r>
               <a:rPr lang="en-US" sz="3600" dirty="0">
@@ -9694,7 +9827,7 @@
             </a:r>
             <a:r>
               <a:rPr lang="en-US" sz="3600" dirty="0"/>
-              <a:t> и</a:t>
+              <a:t>,</a:t>
             </a:r>
             <a:r>
               <a:rPr lang="en-US" sz="3600" dirty="0">
@@ -9705,49 +9838,35 @@
               <a:t> </a:t>
             </a:r>
             <a:r>
-              <a:rPr lang="en-US" sz="3600" dirty="0"/>
-              <a:t>четем неговите </a:t>
-            </a:r>
-            <a:r>
-              <a:rPr lang="en-US" sz="3600" b="1" dirty="0">
+              <a:rPr lang="bg-BG" sz="3600" dirty="0"/>
+              <a:t>четем въведените от потребителя </a:t>
+            </a:r>
+            <a:r>
+              <a:rPr lang="bg-BG" sz="3600" b="1" dirty="0">
                 <a:solidFill>
                   <a:schemeClr val="bg1"/>
                 </a:solidFill>
-                <a:latin typeface="Calibri" panose="020F0502020204030204" pitchFamily="34" charset="0"/>
-                <a:cs typeface="Calibri" panose="020F0502020204030204" pitchFamily="34" charset="0"/>
               </a:rPr>
               <a:t>елементи</a:t>
             </a:r>
             <a:r>
-              <a:rPr lang="en-US" sz="3600" dirty="0"/>
+              <a:rPr lang="bg-BG" sz="3600" b="1" dirty="0"/>
               <a:t> </a:t>
             </a:r>
             <a:r>
               <a:rPr lang="bg-BG" sz="3600" dirty="0"/>
-              <a:t>с помощта на </a:t>
-            </a:r>
-            <a:r>
-              <a:rPr lang="en-US" sz="3600" b="1" dirty="0">
+              <a:t>и ги </a:t>
+            </a:r>
+            <a:r>
+              <a:rPr lang="bg-BG" sz="3600" b="1" dirty="0">
                 <a:solidFill>
                   <a:schemeClr val="bg1"/>
                 </a:solidFill>
-                <a:latin typeface="Consolas" panose="020B0609020204030204" pitchFamily="49" charset="0"/>
-                <a:cs typeface="Consolas" panose="020B0609020204030204" pitchFamily="49" charset="0"/>
-              </a:rPr>
-              <a:t>for</a:t>
-            </a:r>
-            <a:r>
-              <a:rPr lang="bg-BG" sz="3600" b="1" dirty="0">
-                <a:solidFill>
-                  <a:schemeClr val="bg1"/>
-                </a:solidFill>
-                <a:latin typeface="Calibri" panose="020F0502020204030204" pitchFamily="34" charset="0"/>
-                <a:cs typeface="Calibri" panose="020F0502020204030204" pitchFamily="34" charset="0"/>
-              </a:rPr>
-              <a:t>-цикъл</a:t>
-            </a:r>
-            <a:r>
-              <a:rPr lang="en-US" sz="3600" dirty="0"/>
+              </a:rPr>
+              <a:t>запазваме</a:t>
+            </a:r>
+            <a:r>
+              <a:rPr lang="bg-BG" sz="3600" dirty="0"/>
               <a:t>:</a:t>
             </a:r>
             <a:endParaRPr lang="en-US" sz="3600" dirty="0">
@@ -9813,7 +9932,7 @@
         <p:spPr bwMode="auto">
           <a:xfrm>
             <a:off x="765820" y="1934785"/>
-            <a:ext cx="7772400" cy="648997"/>
+            <a:ext cx="8307060" cy="648997"/>
           </a:xfrm>
           <a:prstGeom prst="rect">
             <a:avLst/>
@@ -9910,7 +10029,7 @@
         <p:spPr bwMode="auto">
           <a:xfrm>
             <a:off x="765820" y="3971441"/>
-            <a:ext cx="8857314" cy="2680322"/>
+            <a:ext cx="8307060" cy="2680322"/>
           </a:xfrm>
           <a:prstGeom prst="rect">
             <a:avLst/>
@@ -10578,7 +10697,7 @@
         </p:nvSpPr>
         <p:spPr>
           <a:xfrm>
-            <a:off x="190451" y="1196126"/>
+            <a:off x="190451" y="1155486"/>
             <a:ext cx="11808021" cy="5185625"/>
           </a:xfrm>
           <a:prstGeom prst="rect">
@@ -10755,11 +10874,7 @@
             </a:lvl9pPr>
           </a:lstStyle>
           <a:p>
-            <a:pPr marL="457200" indent="-457200">
-              <a:lnSpc>
-                <a:spcPct val="90000"/>
-              </a:lnSpc>
-            </a:pPr>
+            <a:pPr marL="457200" indent="-457200"/>
             <a:r>
               <a:rPr lang="en-US" sz="3600" dirty="0"/>
               <a:t>Масивите могат да</a:t>
@@ -10813,22 +10928,14 @@
             </a:endParaRPr>
           </a:p>
           <a:p>
-            <a:pPr marL="360045" indent="-360045">
-              <a:lnSpc>
-                <a:spcPct val="90000"/>
-              </a:lnSpc>
-            </a:pPr>
+            <a:pPr marL="360045" indent="-360045"/>
             <a:endParaRPr lang="en-US" dirty="0">
               <a:ea typeface="Calibri"/>
               <a:cs typeface="Calibri"/>
             </a:endParaRPr>
           </a:p>
           <a:p>
-            <a:pPr marL="360045" indent="-360045">
-              <a:lnSpc>
-                <a:spcPct val="90000"/>
-              </a:lnSpc>
-            </a:pPr>
+            <a:pPr marL="360045" indent="-360045"/>
             <a:endParaRPr lang="en-US" dirty="0">
               <a:ea typeface="Calibri"/>
               <a:cs typeface="Calibri"/>
@@ -10836,9 +10943,6 @@
           </a:p>
           <a:p>
             <a:pPr marL="0" indent="0">
-              <a:lnSpc>
-                <a:spcPct val="90000"/>
-              </a:lnSpc>
               <a:buFont typeface="Wingdings" panose="05000000000000000000" pitchFamily="2" charset="2"/>
               <a:buNone/>
             </a:pPr>
@@ -10870,13 +10974,25 @@
         </p:spPr>
         <p:txBody>
           <a:bodyPr>
-            <a:normAutofit fontScale="90000"/>
+            <a:normAutofit/>
           </a:bodyPr>
           <a:lstStyle/>
           <a:p>
             <a:r>
+              <a:rPr lang="bg-BG" sz="3950" dirty="0"/>
+              <a:t>Прочитане</a:t>
+            </a:r>
+            <a:r>
               <a:rPr lang="en-US" sz="3950" dirty="0"/>
-              <a:t>Четене на стойностите на масива от един ред  </a:t>
+              <a:t> на </a:t>
+            </a:r>
+            <a:r>
+              <a:rPr lang="bg-BG" sz="3950" dirty="0"/>
+              <a:t>елементите </a:t>
+            </a:r>
+            <a:r>
+              <a:rPr lang="en-US" sz="3950" dirty="0"/>
+              <a:t>от един ред  </a:t>
             </a:r>
             <a:endParaRPr lang="bg-BG" dirty="0"/>
           </a:p>
@@ -10898,7 +11014,7 @@
         </p:nvSpPr>
         <p:spPr bwMode="auto">
           <a:xfrm>
-            <a:off x="836612" y="3036693"/>
+            <a:off x="836612" y="3158613"/>
             <a:ext cx="8077200" cy="3572874"/>
           </a:xfrm>
           <a:prstGeom prst="rect">
@@ -10936,7 +11052,7 @@
               <a:rPr lang="en-US" sz="2800" b="1" noProof="1">
                 <a:latin typeface="Consolas" pitchFamily="49" charset="0"/>
               </a:rPr>
-              <a:t>string values = Console.ReadLine();</a:t>
+              <a:t>string input = Console.ReadLine();</a:t>
             </a:r>
           </a:p>
           <a:p>
@@ -10961,7 +11077,7 @@
               <a:rPr lang="en-US" sz="2800" b="1" noProof="1">
                 <a:latin typeface="Consolas" pitchFamily="49" charset="0"/>
               </a:rPr>
-              <a:t>items = values.</a:t>
+              <a:t>items = input.</a:t>
             </a:r>
             <a:r>
               <a:rPr lang="en-US" sz="2800" b="1" noProof="1">
@@ -11067,7 +11183,7 @@
         </p:nvSpPr>
         <p:spPr bwMode="auto">
           <a:xfrm>
-            <a:off x="836612" y="2305510"/>
+            <a:off x="836612" y="2427430"/>
             <a:ext cx="8077200" cy="648997"/>
           </a:xfrm>
           <a:prstGeom prst="rect">
@@ -11126,13 +11242,13 @@
         </p:nvSpPr>
         <p:spPr bwMode="auto">
           <a:xfrm>
-            <a:off x="8034381" y="2526381"/>
-            <a:ext cx="3319090" cy="1653905"/>
+            <a:off x="7843520" y="3147547"/>
+            <a:ext cx="4327724" cy="1225779"/>
           </a:xfrm>
           <a:prstGeom prst="wedgeRoundRectCallout">
             <a:avLst>
-              <a:gd name="adj1" fmla="val -75145"/>
-              <a:gd name="adj2" fmla="val 35082"/>
+              <a:gd name="adj1" fmla="val -64707"/>
+              <a:gd name="adj2" fmla="val 26793"/>
               <a:gd name="adj3" fmla="val 16667"/>
             </a:avLst>
           </a:prstGeom>
@@ -11178,45 +11294,20 @@
           <a:p>
             <a:pPr algn="ctr"/>
             <a:r>
-              <a:rPr lang="en-US" sz="3200" b="1" noProof="1">
+              <a:rPr lang="en-US" sz="3000" b="1" noProof="1">
                 <a:solidFill>
                   <a:schemeClr val="bg1">
                     <a:lumMod val="60000"/>
                     <a:lumOff val="40000"/>
                   </a:schemeClr>
                 </a:solidFill>
-              </a:rPr>
-              <a:t>Split( ) </a:t>
-            </a:r>
-            <a:r>
-              <a:rPr lang="en-US" sz="3200" b="1" noProof="1">
-                <a:solidFill>
-                  <a:schemeClr val="bg2"/>
-                </a:solidFill>
-              </a:rPr>
-              <a:t>разделя чрез </a:t>
-            </a:r>
-            <a:r>
-              <a:rPr lang="bg-BG" sz="3200" b="1" noProof="1">
-                <a:solidFill>
-                  <a:schemeClr val="bg2"/>
-                </a:solidFill>
-              </a:rPr>
-              <a:t>интервал</a:t>
-            </a:r>
-            <a:r>
-              <a:rPr lang="en-US" sz="3200" b="1" noProof="1">
-                <a:solidFill>
-                  <a:schemeClr val="bg2"/>
-                </a:solidFill>
-              </a:rPr>
-              <a:t> в </a:t>
-            </a:r>
-            <a:br>
-              <a:rPr lang="en-US" sz="3200" b="1" noProof="1"/>
-            </a:br>
-            <a:r>
-              <a:rPr lang="en-US" sz="3200" b="1" noProof="1">
+                <a:latin typeface="Consolas" panose="020B0609020204030204" pitchFamily="49" charset="0"/>
+                <a:cs typeface="Consolas" panose="020B0609020204030204" pitchFamily="49" charset="0"/>
+              </a:rPr>
+              <a:t>Split</a:t>
+            </a:r>
+            <a:r>
+              <a:rPr lang="en-US" sz="3000" b="1" noProof="1">
                 <a:solidFill>
                   <a:schemeClr val="bg1">
                     <a:lumMod val="60000"/>
@@ -11224,8 +11315,60 @@
                   </a:schemeClr>
                 </a:solidFill>
               </a:rPr>
-              <a:t> string[]</a:t>
-            </a:r>
+              <a:t>( ) </a:t>
+            </a:r>
+            <a:r>
+              <a:rPr lang="en-US" sz="3000" b="1" noProof="1">
+                <a:solidFill>
+                  <a:schemeClr val="bg2"/>
+                </a:solidFill>
+              </a:rPr>
+              <a:t>разделя </a:t>
+            </a:r>
+            <a:r>
+              <a:rPr lang="bg-BG" sz="3000" b="1" noProof="1">
+                <a:solidFill>
+                  <a:schemeClr val="bg2"/>
+                </a:solidFill>
+              </a:rPr>
+              <a:t>стринга </a:t>
+            </a:r>
+            <a:r>
+              <a:rPr lang="en-US" sz="3000" b="1" noProof="1">
+                <a:solidFill>
+                  <a:schemeClr val="bg2"/>
+                </a:solidFill>
+                <a:latin typeface="Consolas" pitchFamily="49" charset="0"/>
+              </a:rPr>
+              <a:t>input</a:t>
+            </a:r>
+            <a:r>
+              <a:rPr lang="en-US" sz="3000" b="1" noProof="1">
+                <a:solidFill>
+                  <a:schemeClr val="bg2"/>
+                </a:solidFill>
+              </a:rPr>
+              <a:t> в </a:t>
+            </a:r>
+            <a:r>
+              <a:rPr lang="bg-BG" sz="3000" b="1" noProof="1">
+                <a:solidFill>
+                  <a:schemeClr val="bg1">
+                    <a:lumMod val="60000"/>
+                    <a:lumOff val="40000"/>
+                  </a:schemeClr>
+                </a:solidFill>
+              </a:rPr>
+              <a:t>масив</a:t>
+            </a:r>
+            <a:endParaRPr lang="en-US" sz="3000" b="1" noProof="1">
+              <a:solidFill>
+                <a:schemeClr val="bg1">
+                  <a:lumMod val="60000"/>
+                  <a:lumOff val="40000"/>
+                </a:schemeClr>
+              </a:solidFill>
+            </a:endParaRPr>
           </a:p>
         </p:txBody>
       </p:sp>
@@ -12004,11 +12147,18 @@
               <a:t>Съкратено </a:t>
             </a:r>
             <a:r>
+              <a:rPr lang="en-US" sz="3950" dirty="0" err="1">
+                <a:ea typeface="+mj-lt"/>
+                <a:cs typeface="+mj-lt"/>
+              </a:rPr>
+              <a:t>четене</a:t>
+            </a:r>
+            <a:r>
               <a:rPr lang="en-US" sz="3950" dirty="0">
                 <a:ea typeface="+mj-lt"/>
                 <a:cs typeface="+mj-lt"/>
               </a:rPr>
-              <a:t>четене на масив от един ред</a:t>
+              <a:t> на масив</a:t>
             </a:r>
             <a:endParaRPr lang="en-US" sz="3950" dirty="0"/>
           </a:p>
@@ -12162,7 +12312,7 @@
         </p:nvSpPr>
         <p:spPr bwMode="auto">
           <a:xfrm>
-            <a:off x="784892" y="2158138"/>
+            <a:off x="784892" y="2026058"/>
             <a:ext cx="9677400" cy="1818548"/>
           </a:xfrm>
           <a:prstGeom prst="rect">
@@ -12200,7 +12350,7 @@
               <a:rPr lang="en-US" sz="2800" b="1" noProof="1">
                 <a:latin typeface="Consolas" pitchFamily="49" charset="0"/>
               </a:rPr>
-              <a:t>var inputLine = Console.ReadLine()</a:t>
+              <a:t>var input = Console.ReadLine()</a:t>
             </a:r>
             <a:r>
               <a:rPr lang="bg-BG" sz="2800" b="1" noProof="1">
@@ -12237,7 +12387,7 @@
               <a:rPr lang="en-US" sz="2800" b="1" noProof="1">
                 <a:latin typeface="Consolas" pitchFamily="49" charset="0"/>
               </a:rPr>
-              <a:t>inputLine.Split('</a:t>
+              <a:t>input.Split('</a:t>
             </a:r>
             <a:r>
               <a:rPr lang="bg-BG" sz="2800" b="1" noProof="1">
@@ -12316,13 +12466,13 @@
         </p:nvSpPr>
         <p:spPr bwMode="auto">
           <a:xfrm>
-            <a:off x="9331952" y="5082596"/>
-            <a:ext cx="2730955" cy="723176"/>
+            <a:off x="9198336" y="5295316"/>
+            <a:ext cx="2592826" cy="723176"/>
           </a:xfrm>
           <a:prstGeom prst="wedgeRoundRectCallout">
             <a:avLst>
-              <a:gd name="adj1" fmla="val -88935"/>
-              <a:gd name="adj2" fmla="val -11487"/>
+              <a:gd name="adj1" fmla="val -50141"/>
+              <a:gd name="adj2" fmla="val -15702"/>
               <a:gd name="adj3" fmla="val 16667"/>
             </a:avLst>
           </a:prstGeom>
@@ -12431,8 +12581,8 @@
         </p:nvSpPr>
         <p:spPr bwMode="auto">
           <a:xfrm>
-            <a:off x="8245290" y="1344957"/>
-            <a:ext cx="3161818" cy="1370256"/>
+            <a:off x="8197094" y="1640435"/>
+            <a:ext cx="3594068" cy="1004415"/>
           </a:xfrm>
           <a:prstGeom prst="flowChartAlternateProcess">
             <a:avLst/>
@@ -12853,10 +13003,10 @@
       </p:grpSpPr>
       <p:sp>
         <p:nvSpPr>
-          <p:cNvPr id="11" name="Rectangle 3">
+          <p:cNvPr id="12" name="Rectangle 3">
             <a:extLst>
               <a:ext uri="{FF2B5EF4-FFF2-40B4-BE49-F238E27FC236}">
-                <a16:creationId xmlns:a16="http://schemas.microsoft.com/office/drawing/2014/main" id="{51472965-591F-422F-91EA-C4D034ACF554}"/>
+                <a16:creationId xmlns:a16="http://schemas.microsoft.com/office/drawing/2014/main" id="{E6034EAC-749D-42DD-A3F7-F25E08AFB6FC}"/>
               </a:ext>
             </a:extLst>
           </p:cNvPr>
@@ -12867,8 +13017,8 @@
         </p:nvSpPr>
         <p:spPr>
           <a:xfrm>
-            <a:off x="190353" y="1196124"/>
-            <a:ext cx="11815018" cy="5561125"/>
+            <a:off x="190451" y="1196126"/>
+            <a:ext cx="11808021" cy="5185625"/>
           </a:xfrm>
           <a:prstGeom prst="rect">
             <a:avLst/>
@@ -13050,65 +13200,81 @@
               <a:lnSpc>
                 <a:spcPct val="100000"/>
               </a:lnSpc>
+              <a:spcBef>
+                <a:spcPct val="0"/>
+              </a:spcBef>
+              <a:spcAft>
+                <a:spcPts val="0"/>
+              </a:spcAft>
             </a:pPr>
             <a:r>
-              <a:rPr lang="en-US" sz="3200" dirty="0"/>
-              <a:t>За да </a:t>
-            </a:r>
-            <a:r>
-              <a:rPr lang="en-US" sz="3200" b="1" dirty="0">
-                <a:solidFill>
-                  <a:schemeClr val="bg1"/>
-                </a:solidFill>
-              </a:rPr>
-              <a:t>принтираме</a:t>
-            </a:r>
-            <a:r>
-              <a:rPr lang="en-US" sz="3200" dirty="0"/>
-              <a:t> всички </a:t>
-            </a:r>
-            <a:r>
-              <a:rPr lang="bg-BG" sz="3200" dirty="0"/>
-              <a:t>елементи </a:t>
-            </a:r>
-            <a:r>
-              <a:rPr lang="en-US" sz="3200" dirty="0"/>
-              <a:t>на масива, може да използваме</a:t>
-            </a:r>
-            <a:r>
-              <a:rPr lang="en-US" sz="3200" dirty="0">
-                <a:solidFill>
-                  <a:srgbClr val="234465"/>
-                </a:solidFill>
-              </a:rPr>
-              <a:t> </a:t>
-            </a:r>
-            <a:r>
-              <a:rPr lang="en-US" sz="3200" b="1" dirty="0">
+              <a:rPr lang="en-US" sz="3600" dirty="0"/>
+              <a:t>Чрез </a:t>
+            </a:r>
+            <a:r>
+              <a:rPr lang="en-US" sz="3600" b="1" dirty="0">
                 <a:solidFill>
                   <a:schemeClr val="bg1"/>
                 </a:solidFill>
                 <a:latin typeface="Consolas" panose="020B0609020204030204" pitchFamily="49" charset="0"/>
                 <a:cs typeface="Consolas" panose="020B0609020204030204" pitchFamily="49" charset="0"/>
               </a:rPr>
-              <a:t>for</a:t>
-            </a:r>
-            <a:r>
-              <a:rPr lang="en-US" sz="3200" b="1" dirty="0">
-                <a:solidFill>
-                  <a:schemeClr val="bg1"/>
-                </a:solidFill>
-              </a:rPr>
-              <a:t>-цикъл</a:t>
-            </a:r>
-            <a:r>
-              <a:rPr lang="en-US" sz="3200" dirty="0"/>
-              <a:t> </a:t>
-            </a:r>
-            <a:endParaRPr lang="en-US" sz="3200" dirty="0">
-              <a:solidFill>
-                <a:srgbClr val="1A334C"/>
-              </a:solidFill>
+              <a:t>for-цикъл</a:t>
+            </a:r>
+            <a:r>
+              <a:rPr lang="en-US" sz="3600" dirty="0"/>
+              <a:t>:</a:t>
+            </a:r>
+          </a:p>
+          <a:p>
+            <a:pPr marL="360045" indent="-360045">
+              <a:lnSpc>
+                <a:spcPct val="100000"/>
+              </a:lnSpc>
+              <a:spcBef>
+                <a:spcPct val="0"/>
+              </a:spcBef>
+              <a:spcAft>
+                <a:spcPts val="0"/>
+              </a:spcAft>
+            </a:pPr>
+            <a:endParaRPr lang="en-US" sz="3600" dirty="0">
+              <a:ea typeface="Calibri"/>
+              <a:cs typeface="Calibri"/>
+            </a:endParaRPr>
+          </a:p>
+          <a:p>
+            <a:pPr marL="360045" indent="-360045">
+              <a:lnSpc>
+                <a:spcPct val="100000"/>
+              </a:lnSpc>
+              <a:spcBef>
+                <a:spcPct val="0"/>
+              </a:spcBef>
+              <a:spcAft>
+                <a:spcPts val="0"/>
+              </a:spcAft>
+            </a:pPr>
+            <a:endParaRPr lang="en-US" sz="3600" dirty="0">
+              <a:ea typeface="Calibri"/>
+              <a:cs typeface="Calibri"/>
+            </a:endParaRPr>
+          </a:p>
+          <a:p>
+            <a:pPr marL="360045" indent="-360045">
+              <a:lnSpc>
+                <a:spcPct val="100000"/>
+              </a:lnSpc>
+              <a:spcBef>
+                <a:spcPct val="0"/>
+              </a:spcBef>
+              <a:spcAft>
+                <a:spcPts val="0"/>
+              </a:spcAft>
+            </a:pPr>
+            <a:endParaRPr lang="en-US" sz="3600" dirty="0">
+              <a:ea typeface="Calibri"/>
+              <a:cs typeface="Calibri"/>
             </a:endParaRPr>
           </a:p>
           <a:p>
@@ -13116,32 +13282,74 @@
               <a:lnSpc>
                 <a:spcPct val="100000"/>
               </a:lnSpc>
+              <a:spcAft>
+                <a:spcPts val="0"/>
+              </a:spcAft>
             </a:pPr>
             <a:r>
-              <a:rPr lang="en-US" sz="3200" dirty="0">
-                <a:ea typeface="+mn-lt"/>
-                <a:cs typeface="+mn-lt"/>
-              </a:rPr>
-              <a:t>Разделяме елементите с интервал или нов ред:</a:t>
-            </a:r>
-            <a:endParaRPr lang="en-US" sz="3200" dirty="0">
-              <a:solidFill>
-                <a:schemeClr val="tx2">
-                  <a:lumMod val="75000"/>
-                </a:schemeClr>
-              </a:solidFill>
-              <a:ea typeface="Calibri"/>
-              <a:cs typeface="Calibri"/>
-            </a:endParaRPr>
+              <a:rPr lang="en-US" sz="3600" dirty="0">
+                <a:solidFill>
+                  <a:srgbClr val="234465"/>
+                </a:solidFill>
+                <a:latin typeface="Calibri"/>
+                <a:ea typeface="Calibri"/>
+                <a:cs typeface="Calibri"/>
+              </a:rPr>
+              <a:t>Чрез </a:t>
+            </a:r>
+            <a:r>
+              <a:rPr lang="en-US" sz="3200" b="1" noProof="1">
+                <a:solidFill>
+                  <a:schemeClr val="bg1"/>
+                </a:solidFill>
+                <a:latin typeface="Consolas"/>
+              </a:rPr>
+              <a:t>string</a:t>
+            </a:r>
+            <a:r>
+              <a:rPr lang="en-US" sz="3200" b="1" noProof="1">
+                <a:solidFill>
+                  <a:schemeClr val="bg1"/>
+                </a:solidFill>
+                <a:latin typeface="Consolas"/>
+                <a:cs typeface="Consolas" panose="020B0609020204030204" pitchFamily="49" charset="0"/>
+              </a:rPr>
+              <a:t>.Join(</a:t>
+            </a:r>
+            <a:r>
+              <a:rPr lang="en-US" sz="3200" b="1" noProof="1">
+                <a:solidFill>
+                  <a:schemeClr val="bg1"/>
+                </a:solidFill>
+                <a:latin typeface="Calibri" panose="020F0502020204030204" pitchFamily="34" charset="0"/>
+                <a:cs typeface="Calibri" panose="020F0502020204030204" pitchFamily="34" charset="0"/>
+              </a:rPr>
+              <a:t>разделител, масив</a:t>
+            </a:r>
+            <a:r>
+              <a:rPr lang="en-US" sz="3200" b="1" noProof="1">
+                <a:solidFill>
+                  <a:schemeClr val="bg1"/>
+                </a:solidFill>
+                <a:latin typeface="Consolas"/>
+                <a:cs typeface="Consolas" panose="020B0609020204030204" pitchFamily="49" charset="0"/>
+              </a:rPr>
+              <a:t>)</a:t>
+            </a:r>
+            <a:r>
+              <a:rPr lang="en-US" sz="3200" dirty="0"/>
+              <a:t>:</a:t>
+            </a:r>
+            <a:endParaRPr lang="en-US" sz="3600" dirty="0"/>
           </a:p>
         </p:txBody>
       </p:sp>
       <p:sp>
         <p:nvSpPr>
-          <p:cNvPr id="12" name="Rectangle 2">
+          <p:cNvPr id="13" name="Rectangle 2">
             <a:extLst>
               <a:ext uri="{FF2B5EF4-FFF2-40B4-BE49-F238E27FC236}">
-                <a16:creationId xmlns:a16="http://schemas.microsoft.com/office/drawing/2014/main" id="{A26C1436-9ECB-4B45-8A3E-0897D1735018}"/>
+                <a16:creationId xmlns:a16="http://schemas.microsoft.com/office/drawing/2014/main" id="{235A0379-AB85-4067-AEF8-33669D3FC6CF}"/>
               </a:ext>
             </a:extLst>
           </p:cNvPr>
@@ -13159,29 +13367,29 @@
           </a:xfrm>
         </p:spPr>
         <p:txBody>
-          <a:bodyPr/>
+          <a:bodyPr vert="horz" lIns="108000" tIns="36000" rIns="108000" bIns="36000" rtlCol="0" anchor="ctr" anchorCtr="0">
+            <a:noAutofit/>
+          </a:bodyPr>
           <a:lstStyle/>
           <a:p>
             <a:r>
-              <a:rPr lang="en-US" sz="3950" dirty="0">
-                <a:ea typeface="+mj-lt"/>
-                <a:cs typeface="+mj-lt"/>
-              </a:rPr>
-              <a:t>Отпечатване на масив на конзолата</a:t>
-            </a:r>
-            <a:endParaRPr lang="bg-BG" sz="3950" dirty="0">
-              <a:ea typeface="Calibri"/>
-              <a:cs typeface="Calibri"/>
-            </a:endParaRPr>
+              <a:rPr lang="bg-BG" sz="4000" dirty="0"/>
+              <a:t>Отпечатване на</a:t>
+            </a:r>
+            <a:r>
+              <a:rPr lang="en-US" sz="4000" dirty="0"/>
+              <a:t> масив</a:t>
+            </a:r>
+            <a:endParaRPr lang="en-US" sz="4000" noProof="1"/>
           </a:p>
         </p:txBody>
       </p:sp>
       <p:sp>
         <p:nvSpPr>
-          <p:cNvPr id="13" name="Rectangle 4">
+          <p:cNvPr id="14" name="Rectangle 4">
             <a:extLst>
               <a:ext uri="{FF2B5EF4-FFF2-40B4-BE49-F238E27FC236}">
-                <a16:creationId xmlns:a16="http://schemas.microsoft.com/office/drawing/2014/main" id="{CEE7FCDF-C3C0-4124-B1FC-29F7BE0E69B7}"/>
+                <a16:creationId xmlns:a16="http://schemas.microsoft.com/office/drawing/2014/main" id="{974AF2BF-FA9D-4084-9DE5-DD16AB687B32}"/>
               </a:ext>
             </a:extLst>
           </p:cNvPr>
@@ -13192,8 +13400,8 @@
         </p:nvSpPr>
         <p:spPr bwMode="auto">
           <a:xfrm>
-            <a:off x="750909" y="2944127"/>
-            <a:ext cx="9984157" cy="3711373"/>
+            <a:off x="765820" y="4149080"/>
+            <a:ext cx="10522807" cy="2157102"/>
           </a:xfrm>
           <a:prstGeom prst="rect">
             <a:avLst/>
@@ -13206,9 +13414,7 @@
           </a:solidFill>
           <a:ln w="12700">
             <a:solidFill>
-              <a:schemeClr val="tx1">
-                <a:lumMod val="50000"/>
-              </a:schemeClr>
+              <a:schemeClr val="accent5"/>
             </a:solidFill>
           </a:ln>
         </p:spPr>
@@ -13218,325 +13424,223 @@
           </a:bodyPr>
           <a:lstStyle/>
           <a:p>
-            <a:pPr defTabSz="1218438" latinLnBrk="1">
+            <a:pPr defTabSz="1218804" latinLnBrk="1">
               <a:spcBef>
-                <a:spcPts val="300"/>
+                <a:spcPts val="600"/>
               </a:spcBef>
               <a:spcAft>
-                <a:spcPts val="300"/>
+                <a:spcPts val="600"/>
               </a:spcAft>
             </a:pPr>
             <a:r>
-              <a:rPr lang="en-US" sz="2400" b="1" noProof="1">
+              <a:rPr lang="en-US" sz="2350" b="1" noProof="1">
                 <a:latin typeface="Consolas"/>
               </a:rPr>
-              <a:t>string[]</a:t>
-            </a:r>
-            <a:r>
-              <a:rPr lang="en-US" sz="2400" b="1" noProof="1">
-                <a:solidFill>
-                  <a:schemeClr val="tx1">
-                    <a:lumMod val="75000"/>
-                  </a:schemeClr>
-                </a:solidFill>
-                <a:latin typeface="Consolas"/>
-              </a:rPr>
-              <a:t> </a:t>
-            </a:r>
-            <a:r>
-              <a:rPr lang="en-US" sz="2400" b="1" noProof="1">
-                <a:solidFill>
-                  <a:schemeClr val="bg1"/>
-                </a:solidFill>
-                <a:latin typeface="Consolas"/>
-              </a:rPr>
-              <a:t>arr</a:t>
-            </a:r>
-            <a:r>
-              <a:rPr lang="en-US" sz="2400" b="1" noProof="1">
-                <a:solidFill>
-                  <a:schemeClr val="tx1">
-                    <a:lumMod val="75000"/>
-                  </a:schemeClr>
-                </a:solidFill>
-                <a:latin typeface="Consolas"/>
-              </a:rPr>
-              <a:t> </a:t>
-            </a:r>
-            <a:r>
-              <a:rPr lang="en-US" sz="2400" b="1" noProof="1">
-                <a:latin typeface="Consolas"/>
-              </a:rPr>
-              <a:t>=</a:t>
-            </a:r>
-            <a:r>
-              <a:rPr lang="en-US" sz="2400" b="1" noProof="1">
-                <a:solidFill>
-                  <a:schemeClr val="tx1">
-                    <a:lumMod val="75000"/>
-                  </a:schemeClr>
-                </a:solidFill>
-                <a:latin typeface="Consolas"/>
-              </a:rPr>
-              <a:t> </a:t>
-            </a:r>
-            <a:r>
-              <a:rPr lang="en-US" sz="2400" b="1" noProof="1">
-                <a:solidFill>
-                  <a:schemeClr val="bg1"/>
-                </a:solidFill>
-                <a:latin typeface="Consolas"/>
-              </a:rPr>
-              <a:t>{</a:t>
-            </a:r>
-            <a:r>
-              <a:rPr lang="en-US" sz="2400" b="1" noProof="1">
-                <a:latin typeface="Consolas"/>
-              </a:rPr>
-              <a:t>"one", "two"</a:t>
-            </a:r>
-            <a:r>
-              <a:rPr lang="en-US" sz="2400" b="1" noProof="1">
-                <a:solidFill>
-                  <a:schemeClr val="bg1"/>
-                </a:solidFill>
-                <a:latin typeface="Consolas"/>
-              </a:rPr>
-              <a:t>}</a:t>
-            </a:r>
-            <a:r>
-              <a:rPr lang="en-US" sz="2400" b="1" noProof="1">
-                <a:latin typeface="Consolas"/>
-              </a:rPr>
-              <a:t>;</a:t>
-            </a:r>
-            <a:endParaRPr lang="bg-BG" sz="2400" b="1" noProof="1">
-              <a:latin typeface="Consolas"/>
-            </a:endParaRPr>
-          </a:p>
-          <a:p>
-            <a:pPr defTabSz="1218438" latinLnBrk="1">
+              <a:t>int[] arr = { 1, 2, 3 };</a:t>
+            </a:r>
+          </a:p>
+          <a:p>
+            <a:pPr defTabSz="1218804" latinLnBrk="1">
               <a:spcBef>
-                <a:spcPts val="300"/>
+                <a:spcPts val="600"/>
               </a:spcBef>
               <a:spcAft>
-                <a:spcPts val="300"/>
+                <a:spcPts val="600"/>
               </a:spcAft>
             </a:pPr>
             <a:r>
-              <a:rPr lang="bg-BG" sz="2400" b="1" i="1" noProof="1">
+              <a:rPr lang="en-US" sz="2350" b="1" noProof="1">
+                <a:latin typeface="Consolas"/>
+              </a:rPr>
+              <a:t>Console.WriteLine(</a:t>
+            </a:r>
+            <a:r>
+              <a:rPr lang="en-US" sz="2350" b="1" noProof="1">
+                <a:solidFill>
+                  <a:schemeClr val="bg1"/>
+                </a:solidFill>
+                <a:latin typeface="Consolas"/>
+              </a:rPr>
+              <a:t>string.Join(", ", arr)</a:t>
+            </a:r>
+            <a:r>
+              <a:rPr lang="en-US" sz="2350" b="1" noProof="1">
+                <a:latin typeface="Consolas"/>
+              </a:rPr>
+              <a:t>); </a:t>
+            </a:r>
+            <a:r>
+              <a:rPr lang="en-US" sz="2350" b="1" i="1" noProof="1">
                 <a:solidFill>
                   <a:schemeClr val="accent2"/>
                 </a:solidFill>
                 <a:latin typeface="Consolas"/>
               </a:rPr>
-              <a:t>// == </a:t>
-            </a:r>
-            <a:r>
-              <a:rPr lang="en-GB" sz="2400" b="1" i="1" noProof="1">
-                <a:solidFill>
-                  <a:schemeClr val="accent2"/>
-                </a:solidFill>
-                <a:latin typeface="Consolas"/>
-              </a:rPr>
-              <a:t>new string [2] {"one", "two"};</a:t>
-            </a:r>
-            <a:endParaRPr lang="en-US" sz="2400" b="1" i="1" noProof="1">
-              <a:solidFill>
-                <a:schemeClr val="accent2"/>
-              </a:solidFill>
-              <a:latin typeface="Consolas"/>
-            </a:endParaRPr>
-          </a:p>
-          <a:p>
-            <a:pPr defTabSz="1218438" latinLnBrk="1">
+              <a:t>// 1, 2, 3</a:t>
+            </a:r>
+          </a:p>
+          <a:p>
+            <a:pPr defTabSz="1218804" latinLnBrk="1">
               <a:spcBef>
-                <a:spcPts val="300"/>
+                <a:spcPts val="600"/>
               </a:spcBef>
               <a:spcAft>
-                <a:spcPts val="300"/>
+                <a:spcPts val="600"/>
               </a:spcAft>
             </a:pPr>
             <a:r>
-              <a:rPr lang="en-US" sz="2400" b="1" i="1" noProof="1">
-                <a:solidFill>
-                  <a:schemeClr val="accent2"/>
-                </a:solidFill>
+              <a:rPr lang="en-US" sz="2350" b="1" noProof="1">
                 <a:latin typeface="Consolas"/>
               </a:rPr>
-              <a:t>// Обработване на елементите на масива</a:t>
-            </a:r>
-          </a:p>
-          <a:p>
-            <a:pPr defTabSz="1218438" latinLnBrk="1">
+              <a:t>string[] strings = { "one", "two" };</a:t>
+            </a:r>
+          </a:p>
+          <a:p>
+            <a:pPr defTabSz="1218804" latinLnBrk="1">
               <a:spcBef>
-                <a:spcPts val="300"/>
+                <a:spcPts val="600"/>
               </a:spcBef>
               <a:spcAft>
-                <a:spcPts val="300"/>
+                <a:spcPts val="600"/>
               </a:spcAft>
             </a:pPr>
             <a:r>
-              <a:rPr lang="en-US" sz="2400" b="1" noProof="1">
+              <a:rPr lang="en-US" sz="2350" b="1" noProof="1">
                 <a:latin typeface="Consolas"/>
               </a:rPr>
-              <a:t>for (int index = 0; index &lt; arr.</a:t>
-            </a:r>
-            <a:r>
-              <a:rPr lang="en-US" sz="2400" b="1" noProof="1">
+              <a:t>Console.WriteLine(</a:t>
+            </a:r>
+            <a:r>
+              <a:rPr lang="en-US" sz="2350" b="1" noProof="1">
                 <a:solidFill>
                   <a:schemeClr val="bg1"/>
                 </a:solidFill>
                 <a:latin typeface="Consolas"/>
               </a:rPr>
-              <a:t>Length</a:t>
-            </a:r>
-            <a:r>
-              <a:rPr lang="en-US" sz="2400" b="1" noProof="1">
+              <a:t>string.Join(" - ", strings)</a:t>
+            </a:r>
+            <a:r>
+              <a:rPr lang="en-US" sz="2350" b="1" noProof="1">
                 <a:latin typeface="Consolas"/>
               </a:rPr>
-              <a:t>; index++)</a:t>
-            </a:r>
-            <a:endParaRPr lang="bg-BG" sz="2400" b="1" noProof="1">
-              <a:latin typeface="Consolas"/>
-            </a:endParaRPr>
-          </a:p>
-          <a:p>
-            <a:pPr defTabSz="1218438" latinLnBrk="1">
-              <a:spcBef>
-                <a:spcPts val="300"/>
-              </a:spcBef>
-              <a:spcAft>
-                <a:spcPts val="300"/>
-              </a:spcAft>
-            </a:pPr>
-            <a:r>
-              <a:rPr lang="en-US" sz="2400" b="1" noProof="1">
+              <a:t>); </a:t>
+            </a:r>
+            <a:r>
+              <a:rPr lang="en-US" sz="2350" b="1" i="1" noProof="1">
+                <a:solidFill>
+                  <a:schemeClr val="accent2"/>
+                </a:solidFill>
                 <a:latin typeface="Consolas"/>
               </a:rPr>
-              <a:t>{</a:t>
-            </a:r>
-            <a:r>
-              <a:rPr lang="en-US" sz="2400" b="1" noProof="1">
-                <a:solidFill>
-                  <a:schemeClr val="tx1">
-                    <a:lumMod val="75000"/>
-                  </a:schemeClr>
-                </a:solidFill>
-                <a:latin typeface="Consolas"/>
-              </a:rPr>
-              <a:t> </a:t>
-            </a:r>
-          </a:p>
-          <a:p>
-            <a:pPr defTabSz="1218438" latinLnBrk="1">
-              <a:spcBef>
-                <a:spcPts val="300"/>
-              </a:spcBef>
-              <a:spcAft>
-                <a:spcPts val="300"/>
-              </a:spcAft>
-            </a:pPr>
-            <a:r>
-              <a:rPr lang="bg-BG" sz="2400" b="1" i="1" noProof="1">
-                <a:solidFill>
-                  <a:schemeClr val="accent2"/>
-                </a:solidFill>
-                <a:latin typeface="Consolas"/>
-              </a:rPr>
-              <a:t>  </a:t>
-            </a:r>
-            <a:r>
-              <a:rPr lang="en-US" sz="2400" b="1" i="1" noProof="1">
-                <a:solidFill>
-                  <a:schemeClr val="accent2"/>
-                </a:solidFill>
-                <a:latin typeface="Consolas"/>
-              </a:rPr>
-              <a:t>//Принтираме всеки елемент на нов ред</a:t>
-            </a:r>
-          </a:p>
-          <a:p>
-            <a:pPr defTabSz="1218438" latinLnBrk="1">
-              <a:spcBef>
-                <a:spcPts val="300"/>
-              </a:spcBef>
-              <a:spcAft>
-                <a:spcPts val="300"/>
-              </a:spcAft>
-            </a:pPr>
-            <a:r>
-              <a:rPr lang="en-US" sz="2400" b="1" noProof="1">
-                <a:solidFill>
-                  <a:schemeClr val="tx1">
-                    <a:lumMod val="75000"/>
-                  </a:schemeClr>
-                </a:solidFill>
-                <a:latin typeface="Consolas"/>
-              </a:rPr>
-              <a:t>  </a:t>
-            </a:r>
-            <a:r>
-              <a:rPr lang="en-US" sz="2400" b="1" noProof="1">
-                <a:latin typeface="Consolas"/>
-              </a:rPr>
-              <a:t>Console.WriteLine("arr[{0}] = {1}", index, </a:t>
-            </a:r>
-            <a:r>
-              <a:rPr lang="en-US" sz="2400" b="1" noProof="1">
-                <a:solidFill>
-                  <a:schemeClr val="bg1"/>
-                </a:solidFill>
-                <a:latin typeface="Consolas"/>
-              </a:rPr>
-              <a:t>arr[</a:t>
-            </a:r>
-            <a:r>
-              <a:rPr lang="en-US" sz="2400" b="1" noProof="1">
-                <a:latin typeface="Consolas"/>
-              </a:rPr>
-              <a:t>index</a:t>
-            </a:r>
-            <a:r>
-              <a:rPr lang="en-US" sz="2400" b="1" noProof="1">
-                <a:solidFill>
-                  <a:schemeClr val="bg1"/>
-                </a:solidFill>
-                <a:latin typeface="Consolas"/>
-              </a:rPr>
-              <a:t>]</a:t>
-            </a:r>
-            <a:r>
-              <a:rPr lang="en-US" sz="2400" b="1" noProof="1">
-                <a:latin typeface="Consolas"/>
-              </a:rPr>
-              <a:t>);</a:t>
-            </a:r>
-          </a:p>
-          <a:p>
-            <a:pPr defTabSz="1218438" latinLnBrk="1">
-              <a:spcBef>
-                <a:spcPts val="300"/>
-              </a:spcBef>
-              <a:spcAft>
-                <a:spcPts val="300"/>
-              </a:spcAft>
-            </a:pPr>
-            <a:r>
-              <a:rPr lang="en-US" sz="2400" b="1" noProof="1">
-                <a:latin typeface="Consolas"/>
-              </a:rPr>
-              <a:t>}</a:t>
+              <a:t>// едно - две</a:t>
             </a:r>
           </a:p>
         </p:txBody>
       </p:sp>
       <p:sp>
         <p:nvSpPr>
-          <p:cNvPr id="14" name="Slide Number">
+          <p:cNvPr id="15" name="Rectangle 4">
             <a:extLst>
               <a:ext uri="{FF2B5EF4-FFF2-40B4-BE49-F238E27FC236}">
-                <a16:creationId xmlns:a16="http://schemas.microsoft.com/office/drawing/2014/main" id="{28D36A5D-ACEA-42F2-81F4-9EC6E3299730}"/>
+                <a16:creationId xmlns:a16="http://schemas.microsoft.com/office/drawing/2014/main" id="{12695F77-53AC-4A06-9D5E-63B11C44963A}"/>
+              </a:ext>
+            </a:extLst>
+          </p:cNvPr>
+          <p:cNvSpPr>
+            <a:spLocks noChangeArrowheads="1"/>
+          </p:cNvSpPr>
+          <p:nvPr/>
+        </p:nvSpPr>
+        <p:spPr bwMode="auto">
+          <a:xfrm>
+            <a:off x="765820" y="1844824"/>
+            <a:ext cx="6789007" cy="1633882"/>
+          </a:xfrm>
+          <a:prstGeom prst="rect">
+            <a:avLst/>
+          </a:prstGeom>
+          <a:solidFill>
+            <a:schemeClr val="accent6">
+              <a:lumMod val="75000"/>
+              <a:alpha val="15000"/>
+            </a:schemeClr>
+          </a:solidFill>
+          <a:ln w="12700">
+            <a:solidFill>
+              <a:schemeClr val="accent5"/>
+            </a:solidFill>
+          </a:ln>
+        </p:spPr>
+        <p:txBody>
+          <a:bodyPr vert="horz" wrap="square" lIns="144000" tIns="108000" rIns="144000" bIns="108000" rtlCol="0">
+            <a:spAutoFit/>
+          </a:bodyPr>
+          <a:lstStyle/>
+          <a:p>
+            <a:pPr defTabSz="1218804" latinLnBrk="1">
+              <a:spcBef>
+                <a:spcPts val="600"/>
+              </a:spcBef>
+              <a:spcAft>
+                <a:spcPts val="600"/>
+              </a:spcAft>
+            </a:pPr>
+            <a:r>
+              <a:rPr lang="en-US" sz="2399" b="1" noProof="1">
+                <a:latin typeface="Consolas" pitchFamily="49" charset="0"/>
+              </a:rPr>
+              <a:t>int[] arr = { 10, 20, 30, 40, 50};</a:t>
+            </a:r>
+          </a:p>
+          <a:p>
+            <a:pPr defTabSz="1218804" latinLnBrk="1">
+              <a:spcBef>
+                <a:spcPts val="600"/>
+              </a:spcBef>
+              <a:spcAft>
+                <a:spcPts val="600"/>
+              </a:spcAft>
+            </a:pPr>
+            <a:r>
+              <a:rPr lang="nn-NO" sz="2399" b="1" noProof="1">
+                <a:latin typeface="Consolas" pitchFamily="49" charset="0"/>
+              </a:rPr>
+              <a:t>for (int i = 0; i &lt; arr.Length; i++) {</a:t>
+            </a:r>
+          </a:p>
+          <a:p>
+            <a:pPr defTabSz="1218804" latinLnBrk="1">
+              <a:spcBef>
+                <a:spcPts val="600"/>
+              </a:spcBef>
+              <a:spcAft>
+                <a:spcPts val="600"/>
+              </a:spcAft>
+            </a:pPr>
+            <a:r>
+              <a:rPr lang="bg-BG" sz="2399" b="1" noProof="1">
+                <a:latin typeface="Consolas" pitchFamily="49" charset="0"/>
+              </a:rPr>
+              <a:t>  </a:t>
+            </a:r>
+            <a:r>
+              <a:rPr lang="nn-NO" sz="2399" b="1" noProof="1">
+                <a:latin typeface="Consolas" pitchFamily="49" charset="0"/>
+              </a:rPr>
+              <a:t>Console.WriteLine(arr[i]); }</a:t>
+            </a:r>
+            <a:endParaRPr lang="en-US" sz="2399" b="1" noProof="1">
+              <a:latin typeface="Consolas" pitchFamily="49" charset="0"/>
+            </a:endParaRPr>
+          </a:p>
+        </p:txBody>
+      </p:sp>
+      <p:sp>
+        <p:nvSpPr>
+          <p:cNvPr id="16" name="Slide Number">
+            <a:extLst>
+              <a:ext uri="{FF2B5EF4-FFF2-40B4-BE49-F238E27FC236}">
+                <a16:creationId xmlns:a16="http://schemas.microsoft.com/office/drawing/2014/main" id="{1E3B0E99-BF32-4658-AB84-62AD798C1DDB}"/>
               </a:ext>
             </a:extLst>
           </p:cNvPr>
@@ -13664,14 +13768,21 @@
     </p:spTree>
     <p:extLst>
       <p:ext uri="{BB962C8B-B14F-4D97-AF65-F5344CB8AC3E}">
-        <p14:creationId xmlns:p14="http://schemas.microsoft.com/office/powerpoint/2010/main" val="706833704"/>
+        <p14:creationId xmlns:p14="http://schemas.microsoft.com/office/powerpoint/2010/main" val="2122981807"/>
       </p:ext>
     </p:extLst>
   </p:cSld>
   <p:clrMapOvr>
     <a:masterClrMapping/>
   </p:clrMapOvr>
-  <p:transition/>
+  <mc:AlternateContent xmlns:mc="http://schemas.openxmlformats.org/markup-compatibility/2006" xmlns:p14="http://schemas.microsoft.com/office/powerpoint/2010/main">
+    <mc:Choice Requires="p14">
+      <p:transition spd="slow" p14:dur="2000" advClick="0" advTm="5000"/>
+    </mc:Choice>
+    <mc:Fallback xmlns="">
+      <p:transition spd="slow" advClick="0" advTm="5000"/>
+    </mc:Fallback>
+  </mc:AlternateContent>
   <p:timing>
     <p:tnLst>
       <p:par>
@@ -13693,7 +13804,7 @@
                             </p:stCondLst>
                             <p:childTnLst>
                               <p:par>
-                                <p:cTn id="5" presetID="1" presetClass="entr" presetSubtype="0" fill="hold" nodeType="clickEffect">
+                                <p:cTn id="5" presetID="1" presetClass="entr" presetSubtype="0" fill="hold" grpId="0" nodeType="clickEffect">
                                   <p:stCondLst>
                                     <p:cond delay="0"/>
                                   </p:stCondLst>
@@ -13706,9 +13817,9 @@
                                           </p:stCondLst>
                                         </p:cTn>
                                         <p:tgtEl>
-                                          <p:spTgt spid="11">
+                                          <p:spTgt spid="12">
                                             <p:txEl>
-                                              <p:pRg st="1" end="1"/>
+                                              <p:pRg st="4" end="4"/>
                                             </p:txEl>
                                           </p:spTgt>
                                         </p:tgtEl>
@@ -13737,273 +13848,7 @@
                                           </p:stCondLst>
                                         </p:cTn>
                                         <p:tgtEl>
-                                          <p:spTgt spid="13"/>
-                                        </p:tgtEl>
-                                        <p:attrNameLst>
-                                          <p:attrName>style.visibility</p:attrName>
-                                        </p:attrNameLst>
-                                      </p:cBhvr>
-                                      <p:to>
-                                        <p:strVal val="visible"/>
-                                      </p:to>
-                                    </p:set>
-                                  </p:childTnLst>
-                                </p:cTn>
-                              </p:par>
-                              <p:par>
-                                <p:cTn id="9" presetID="1" presetClass="entr" presetSubtype="0" fill="hold" nodeType="withEffect">
-                                  <p:stCondLst>
-                                    <p:cond delay="0"/>
-                                  </p:stCondLst>
-                                  <p:childTnLst>
-                                    <p:set>
-                                      <p:cBhvr>
-                                        <p:cTn id="10" dur="1" fill="hold">
-                                          <p:stCondLst>
-                                            <p:cond delay="0"/>
-                                          </p:stCondLst>
-                                        </p:cTn>
-                                        <p:tgtEl>
-                                          <p:spTgt spid="13">
-                                            <p:txEl>
-                                              <p:pRg st="0" end="0"/>
-                                            </p:txEl>
-                                          </p:spTgt>
-                                        </p:tgtEl>
-                                        <p:attrNameLst>
-                                          <p:attrName>style.visibility</p:attrName>
-                                        </p:attrNameLst>
-                                      </p:cBhvr>
-                                      <p:to>
-                                        <p:strVal val="visible"/>
-                                      </p:to>
-                                    </p:set>
-                                  </p:childTnLst>
-                                </p:cTn>
-                              </p:par>
-                              <p:par>
-                                <p:cTn id="11" presetID="1" presetClass="entr" presetSubtype="0" fill="hold" nodeType="withEffect">
-                                  <p:stCondLst>
-                                    <p:cond delay="0"/>
-                                  </p:stCondLst>
-                                  <p:childTnLst>
-                                    <p:set>
-                                      <p:cBhvr>
-                                        <p:cTn id="12" dur="1" fill="hold">
-                                          <p:stCondLst>
-                                            <p:cond delay="0"/>
-                                          </p:stCondLst>
-                                        </p:cTn>
-                                        <p:tgtEl>
-                                          <p:spTgt spid="13">
-                                            <p:txEl>
-                                              <p:pRg st="1" end="1"/>
-                                            </p:txEl>
-                                          </p:spTgt>
-                                        </p:tgtEl>
-                                        <p:attrNameLst>
-                                          <p:attrName>style.visibility</p:attrName>
-                                        </p:attrNameLst>
-                                      </p:cBhvr>
-                                      <p:to>
-                                        <p:strVal val="visible"/>
-                                      </p:to>
-                                    </p:set>
-                                  </p:childTnLst>
-                                </p:cTn>
-                              </p:par>
-                            </p:childTnLst>
-                          </p:cTn>
-                        </p:par>
-                      </p:childTnLst>
-                    </p:cTn>
-                  </p:par>
-                  <p:par>
-                    <p:cTn id="13" fill="hold">
-                      <p:stCondLst>
-                        <p:cond delay="indefinite"/>
-                      </p:stCondLst>
-                      <p:childTnLst>
-                        <p:par>
-                          <p:cTn id="14" fill="hold">
-                            <p:stCondLst>
-                              <p:cond delay="0"/>
-                            </p:stCondLst>
-                            <p:childTnLst>
-                              <p:par>
-                                <p:cTn id="15" presetID="1" presetClass="entr" presetSubtype="0" fill="hold" nodeType="clickEffect">
-                                  <p:stCondLst>
-                                    <p:cond delay="0"/>
-                                  </p:stCondLst>
-                                  <p:childTnLst>
-                                    <p:set>
-                                      <p:cBhvr>
-                                        <p:cTn id="16" dur="1" fill="hold">
-                                          <p:stCondLst>
-                                            <p:cond delay="0"/>
-                                          </p:stCondLst>
-                                        </p:cTn>
-                                        <p:tgtEl>
-                                          <p:spTgt spid="13">
-                                            <p:txEl>
-                                              <p:pRg st="2" end="2"/>
-                                            </p:txEl>
-                                          </p:spTgt>
-                                        </p:tgtEl>
-                                        <p:attrNameLst>
-                                          <p:attrName>style.visibility</p:attrName>
-                                        </p:attrNameLst>
-                                      </p:cBhvr>
-                                      <p:to>
-                                        <p:strVal val="visible"/>
-                                      </p:to>
-                                    </p:set>
-                                  </p:childTnLst>
-                                </p:cTn>
-                              </p:par>
-                              <p:par>
-                                <p:cTn id="17" presetID="1" presetClass="entr" presetSubtype="0" fill="hold" nodeType="withEffect">
-                                  <p:stCondLst>
-                                    <p:cond delay="0"/>
-                                  </p:stCondLst>
-                                  <p:childTnLst>
-                                    <p:set>
-                                      <p:cBhvr>
-                                        <p:cTn id="18" dur="1" fill="hold">
-                                          <p:stCondLst>
-                                            <p:cond delay="0"/>
-                                          </p:stCondLst>
-                                        </p:cTn>
-                                        <p:tgtEl>
-                                          <p:spTgt spid="13">
-                                            <p:txEl>
-                                              <p:pRg st="3" end="3"/>
-                                            </p:txEl>
-                                          </p:spTgt>
-                                        </p:tgtEl>
-                                        <p:attrNameLst>
-                                          <p:attrName>style.visibility</p:attrName>
-                                        </p:attrNameLst>
-                                      </p:cBhvr>
-                                      <p:to>
-                                        <p:strVal val="visible"/>
-                                      </p:to>
-                                    </p:set>
-                                  </p:childTnLst>
-                                </p:cTn>
-                              </p:par>
-                              <p:par>
-                                <p:cTn id="19" presetID="1" presetClass="entr" presetSubtype="0" fill="hold" nodeType="withEffect">
-                                  <p:stCondLst>
-                                    <p:cond delay="0"/>
-                                  </p:stCondLst>
-                                  <p:childTnLst>
-                                    <p:set>
-                                      <p:cBhvr>
-                                        <p:cTn id="20" dur="1" fill="hold">
-                                          <p:stCondLst>
-                                            <p:cond delay="0"/>
-                                          </p:stCondLst>
-                                        </p:cTn>
-                                        <p:tgtEl>
-                                          <p:spTgt spid="13">
-                                            <p:txEl>
-                                              <p:pRg st="4" end="4"/>
-                                            </p:txEl>
-                                          </p:spTgt>
-                                        </p:tgtEl>
-                                        <p:attrNameLst>
-                                          <p:attrName>style.visibility</p:attrName>
-                                        </p:attrNameLst>
-                                      </p:cBhvr>
-                                      <p:to>
-                                        <p:strVal val="visible"/>
-                                      </p:to>
-                                    </p:set>
-                                  </p:childTnLst>
-                                </p:cTn>
-                              </p:par>
-                              <p:par>
-                                <p:cTn id="21" presetID="1" presetClass="entr" presetSubtype="0" fill="hold" nodeType="withEffect">
-                                  <p:stCondLst>
-                                    <p:cond delay="0"/>
-                                  </p:stCondLst>
-                                  <p:childTnLst>
-                                    <p:set>
-                                      <p:cBhvr>
-                                        <p:cTn id="22" dur="1" fill="hold">
-                                          <p:stCondLst>
-                                            <p:cond delay="0"/>
-                                          </p:stCondLst>
-                                        </p:cTn>
-                                        <p:tgtEl>
-                                          <p:spTgt spid="13">
-                                            <p:txEl>
-                                              <p:pRg st="5" end="5"/>
-                                            </p:txEl>
-                                          </p:spTgt>
-                                        </p:tgtEl>
-                                        <p:attrNameLst>
-                                          <p:attrName>style.visibility</p:attrName>
-                                        </p:attrNameLst>
-                                      </p:cBhvr>
-                                      <p:to>
-                                        <p:strVal val="visible"/>
-                                      </p:to>
-                                    </p:set>
-                                  </p:childTnLst>
-                                </p:cTn>
-                              </p:par>
-                              <p:par>
-                                <p:cTn id="23" presetID="1" presetClass="entr" presetSubtype="0" fill="hold" nodeType="withEffect">
-                                  <p:stCondLst>
-                                    <p:cond delay="0"/>
-                                  </p:stCondLst>
-                                  <p:childTnLst>
-                                    <p:set>
-                                      <p:cBhvr>
-                                        <p:cTn id="24" dur="1" fill="hold">
-                                          <p:stCondLst>
-                                            <p:cond delay="0"/>
-                                          </p:stCondLst>
-                                        </p:cTn>
-                                        <p:tgtEl>
-                                          <p:spTgt spid="13">
-                                            <p:txEl>
-                                              <p:pRg st="7" end="7"/>
-                                            </p:txEl>
-                                          </p:spTgt>
-                                        </p:tgtEl>
-                                        <p:attrNameLst>
-                                          <p:attrName>style.visibility</p:attrName>
-                                        </p:attrNameLst>
-                                      </p:cBhvr>
-                                      <p:to>
-                                        <p:strVal val="visible"/>
-                                      </p:to>
-                                    </p:set>
-                                  </p:childTnLst>
-                                </p:cTn>
-                              </p:par>
-                              <p:par>
-                                <p:cTn id="25" presetID="1" presetClass="entr" presetSubtype="0" fill="hold" nodeType="withEffect">
-                                  <p:stCondLst>
-                                    <p:cond delay="0"/>
-                                  </p:stCondLst>
-                                  <p:childTnLst>
-                                    <p:set>
-                                      <p:cBhvr>
-                                        <p:cTn id="26" dur="1" fill="hold">
-                                          <p:stCondLst>
-                                            <p:cond delay="0"/>
-                                          </p:stCondLst>
-                                        </p:cTn>
-                                        <p:tgtEl>
-                                          <p:spTgt spid="13">
-                                            <p:txEl>
-                                              <p:pRg st="6" end="6"/>
-                                            </p:txEl>
-                                          </p:spTgt>
+                                          <p:spTgt spid="14"/>
                                         </p:tgtEl>
                                         <p:attrNameLst>
                                           <p:attrName>style.visibility</p:attrName>
@@ -14044,7 +13889,8 @@
       </p:par>
     </p:tnLst>
     <p:bldLst>
-      <p:bldP spid="13" grpId="0" animBg="1"/>
+      <p:bldP spid="12" grpId="0" uiExpand="1" build="p"/>
+      <p:bldP spid="14" grpId="0" animBg="1"/>
     </p:bldLst>
   </p:timing>
 </p:sld>
@@ -14108,19 +13954,23 @@
             </a:r>
             <a:r>
               <a:rPr lang="en-US" sz="3600" dirty="0"/>
-              <a:t>реда с числа), </a:t>
-            </a:r>
-            <a:r>
-              <a:rPr lang="en-US" sz="3600" b="1" dirty="0">
-                <a:solidFill>
-                  <a:schemeClr val="bg1"/>
-                </a:solidFill>
-              </a:rPr>
-              <a:t>обърнете </a:t>
+              <a:t>реда с </a:t>
+            </a:r>
+            <a:r>
+              <a:rPr lang="bg-BG" sz="3600" dirty="0"/>
+              <a:t>цели </a:t>
             </a:r>
             <a:r>
               <a:rPr lang="en-US" sz="3600" dirty="0"/>
-              <a:t>го и</a:t>
+              <a:t>числа)</a:t>
+            </a:r>
+            <a:r>
+              <a:rPr lang="bg-BG" sz="3600" dirty="0"/>
+              <a:t> </a:t>
+            </a:r>
+            <a:r>
+              <a:rPr lang="en-US" sz="3600" dirty="0"/>
+              <a:t>и</a:t>
             </a:r>
             <a:br>
               <a:rPr lang="en-US" sz="3600" dirty="0"/>
@@ -14138,19 +13988,39 @@
               <a:t> </a:t>
             </a:r>
             <a:r>
-              <a:rPr lang="bg-BG" sz="3600" dirty="0"/>
+              <a:rPr lang="bg-BG" sz="3600" b="1" dirty="0">
+                <a:solidFill>
+                  <a:schemeClr val="bg1"/>
+                </a:solidFill>
+              </a:rPr>
               <a:t>обратен</a:t>
             </a:r>
             <a:r>
+              <a:rPr lang="en-US" sz="3600" b="1" dirty="0">
+                <a:solidFill>
+                  <a:schemeClr val="bg1"/>
+                </a:solidFill>
+              </a:rPr>
+              <a:t> ред</a:t>
+            </a:r>
+            <a:r>
               <a:rPr lang="en-US" sz="3600" dirty="0"/>
-              <a:t> ред, разделени с</a:t>
+              <a:t>, разделени с</a:t>
             </a:r>
             <a:br>
               <a:rPr lang="en-US" sz="3600" dirty="0"/>
             </a:br>
             <a:r>
+              <a:rPr lang="en-US" sz="3600" b="1" dirty="0">
+                <a:solidFill>
+                  <a:schemeClr val="bg1"/>
+                </a:solidFill>
+              </a:rPr>
+              <a:t>интервал</a:t>
+            </a:r>
+            <a:r>
               <a:rPr lang="en-US" sz="3600" dirty="0"/>
-              <a:t>интервал:</a:t>
+              <a:t>:</a:t>
             </a:r>
             <a:endParaRPr lang="en-US" sz="3600" dirty="0">
               <a:ea typeface="Calibri"/>
@@ -14177,11 +14047,11 @@
           <a:lstStyle/>
           <a:p>
             <a:r>
-              <a:rPr lang="en-US" sz="3950" dirty="0"/>
+              <a:rPr lang="bg-BG" sz="3950" dirty="0"/>
               <a:t>Задача: </a:t>
             </a:r>
             <a:r>
-              <a:rPr lang="en-US" sz="3950" dirty="0">
+              <a:rPr lang="bg-BG" sz="3950" dirty="0">
                 <a:ea typeface="+mj-lt"/>
                 <a:cs typeface="+mj-lt"/>
               </a:rPr>
@@ -15079,7 +14949,25 @@
                 </a:solidFill>
                 <a:latin typeface="Consolas"/>
               </a:rPr>
-              <a:t>// Прочитане на масива (n на брой реда от числа)</a:t>
+              <a:t>// Прочитане на масива (n на брой реда от </a:t>
+            </a:r>
+            <a:r>
+              <a:rPr lang="bg-BG" sz="2400" b="1" i="1" noProof="1">
+                <a:solidFill>
+                  <a:schemeClr val="accent2"/>
+                </a:solidFill>
+                <a:latin typeface="Consolas"/>
+              </a:rPr>
+              <a:t>цели </a:t>
+            </a:r>
+            <a:r>
+              <a:rPr lang="en-US" sz="2400" b="1" i="1" noProof="1">
+                <a:solidFill>
+                  <a:schemeClr val="accent2"/>
+                </a:solidFill>
+                <a:latin typeface="Consolas"/>
+              </a:rPr>
+              <a:t>числа)</a:t>
             </a:r>
             <a:endParaRPr lang="en-US" sz="2400" noProof="1">
               <a:solidFill>
@@ -15202,7 +15090,43 @@
                 </a:solidFill>
                 <a:latin typeface="Consolas"/>
               </a:rPr>
-              <a:t>n-1</a:t>
+              <a:t>n</a:t>
+            </a:r>
+            <a:r>
+              <a:rPr lang="bg-BG" sz="2400" b="1" noProof="1">
+                <a:solidFill>
+                  <a:schemeClr val="bg1"/>
+                </a:solidFill>
+                <a:latin typeface="Consolas"/>
+              </a:rPr>
+              <a:t> </a:t>
+            </a:r>
+            <a:r>
+              <a:rPr lang="en-US" sz="2400" b="1" noProof="1">
+                <a:solidFill>
+                  <a:schemeClr val="bg1"/>
+                </a:solidFill>
+                <a:latin typeface="Consolas"/>
+              </a:rPr>
+              <a:t>-</a:t>
+            </a:r>
+            <a:r>
+              <a:rPr lang="bg-BG" sz="2400" b="1" noProof="1">
+                <a:solidFill>
+                  <a:schemeClr val="bg1"/>
+                </a:solidFill>
+                <a:latin typeface="Consolas"/>
+              </a:rPr>
+              <a:t> </a:t>
+            </a:r>
+            <a:r>
+              <a:rPr lang="en-US" sz="2400" b="1" noProof="1">
+                <a:solidFill>
+                  <a:schemeClr val="bg1"/>
+                </a:solidFill>
+                <a:latin typeface="Consolas"/>
+              </a:rPr>
+              <a:t>1</a:t>
             </a:r>
             <a:r>
               <a:rPr lang="en-US" sz="2400" b="1" noProof="1">
@@ -15839,16 +15763,44 @@
               <a:t> </a:t>
             </a:r>
             <a:r>
+              <a:rPr lang="bg-BG" sz="3200" b="1" dirty="0">
+                <a:solidFill>
+                  <a:schemeClr val="bg1"/>
+                </a:solidFill>
+              </a:rPr>
+              <a:t>стринг</a:t>
+            </a:r>
+            <a:r>
               <a:rPr lang="en-US" sz="3200" b="1" dirty="0">
                 <a:solidFill>
                   <a:schemeClr val="bg1"/>
                 </a:solidFill>
               </a:rPr>
-              <a:t>масив от реални числа </a:t>
+              <a:t> </a:t>
+            </a:r>
+            <a:r>
+              <a:rPr lang="bg-BG" sz="3200" b="1" dirty="0">
+                <a:solidFill>
+                  <a:schemeClr val="bg1"/>
+                </a:solidFill>
+              </a:rPr>
+              <a:t>с</a:t>
+            </a:r>
+            <a:r>
+              <a:rPr lang="en-US" sz="3200" b="1" dirty="0">
+                <a:solidFill>
+                  <a:schemeClr val="bg1"/>
+                </a:solidFill>
+              </a:rPr>
+              <a:t> реални числа</a:t>
+            </a:r>
+            <a:r>
+              <a:rPr lang="bg-BG" sz="3200" dirty="0"/>
+              <a:t>, </a:t>
             </a:r>
             <a:r>
               <a:rPr lang="en-US" sz="3200" dirty="0"/>
-              <a:t>(разделени с интервал),</a:t>
+              <a:t>разделени с интервал,</a:t>
             </a:r>
             <a:r>
               <a:rPr lang="en-US" sz="3200" dirty="0">
@@ -15873,7 +15825,7 @@
               <a:t>с </a:t>
             </a:r>
             <a:r>
-              <a:rPr lang="en-US" sz="3200" b="1" dirty="0" err="1">
+              <a:rPr lang="en-US" sz="3200" b="1" dirty="0">
                 <a:solidFill>
                   <a:schemeClr val="bg1"/>
                 </a:solidFill>
@@ -15938,7 +15890,15 @@
           <a:p>
             <a:r>
               <a:rPr lang="en-US" sz="3950" dirty="0"/>
-              <a:t>Задача: Закръглени числа</a:t>
+              <a:t>Задача: </a:t>
+            </a:r>
+            <a:r>
+              <a:rPr lang="bg-BG" sz="3950" dirty="0"/>
+              <a:t>Закръгляне на</a:t>
+            </a:r>
+            <a:r>
+              <a:rPr lang="en-US" sz="3950" dirty="0"/>
+              <a:t> числа</a:t>
             </a:r>
             <a:endParaRPr lang="en-US" sz="3950" dirty="0">
               <a:ea typeface="Calibri"/>
@@ -16519,7 +16479,7 @@
                                           </p:stCondLst>
                                         </p:cTn>
                                         <p:tgtEl>
-                                          <p:spTgt spid="16"/>
+                                          <p:spTgt spid="13"/>
                                         </p:tgtEl>
                                         <p:attrNameLst>
                                           <p:attrName>style.visibility</p:attrName>
@@ -16546,7 +16506,7 @@
                                           </p:stCondLst>
                                         </p:cTn>
                                         <p:tgtEl>
-                                          <p:spTgt spid="14"/>
+                                          <p:spTgt spid="16"/>
                                         </p:tgtEl>
                                         <p:attrNameLst>
                                           <p:attrName>style.visibility</p:attrName>
@@ -16573,7 +16533,52 @@
                                           </p:stCondLst>
                                         </p:cTn>
                                         <p:tgtEl>
-                                          <p:spTgt spid="15"/>
+                                          <p:spTgt spid="14"/>
+                                        </p:tgtEl>
+                                        <p:attrNameLst>
+                                          <p:attrName>style.visibility</p:attrName>
+                                        </p:attrNameLst>
+                                      </p:cBhvr>
+                                      <p:to>
+                                        <p:strVal val="visible"/>
+                                      </p:to>
+                                    </p:set>
+                                  </p:childTnLst>
+                                </p:cTn>
+                              </p:par>
+                            </p:childTnLst>
+                          </p:cTn>
+                        </p:par>
+                      </p:childTnLst>
+                    </p:cTn>
+                  </p:par>
+                  <p:par>
+                    <p:cTn id="11" fill="hold">
+                      <p:stCondLst>
+                        <p:cond delay="indefinite"/>
+                      </p:stCondLst>
+                      <p:childTnLst>
+                        <p:par>
+                          <p:cTn id="12" fill="hold">
+                            <p:stCondLst>
+                              <p:cond delay="0"/>
+                            </p:stCondLst>
+                            <p:childTnLst>
+                              <p:par>
+                                <p:cTn id="13" presetID="1" presetClass="entr" presetSubtype="0" fill="hold" grpId="0" nodeType="clickEffect">
+                                  <p:stCondLst>
+                                    <p:cond delay="0"/>
+                                  </p:stCondLst>
+                                  <p:childTnLst>
+                                    <p:set>
+                                      <p:cBhvr>
+                                        <p:cTn id="14" dur="1" fill="hold">
+                                          <p:stCondLst>
+                                            <p:cond delay="0"/>
+                                          </p:stCondLst>
+                                        </p:cTn>
+                                        <p:tgtEl>
+                                          <p:spTgt spid="24"/>
                                         </p:tgtEl>
                                         <p:attrNameLst>
                                           <p:attrName>style.visibility</p:attrName>
@@ -16587,20 +16592,47 @@
                                 </p:cTn>
                               </p:par>
                               <p:par>
-                                <p:cTn id="11" presetID="1" presetClass="entr" presetSubtype="0" fill="hold" grpId="0" nodeType="withEffect">
+                                <p:cTn id="15" presetID="1" presetClass="entr" presetSubtype="0" fill="hold" grpId="0" nodeType="withEffect">
                                   <p:stCondLst>
                                     <p:cond delay="0"/>
                                   </p:stCondLst>
                                   <p:childTnLst>
                                     <p:set>
                                       <p:cBhvr>
-                                        <p:cTn id="12" dur="1" fill="hold">
+                                        <p:cTn id="16" dur="1" fill="hold">
                                           <p:stCondLst>
                                             <p:cond delay="0"/>
                                           </p:stCondLst>
                                         </p:cTn>
                                         <p:tgtEl>
                                           <p:spTgt spid="25"/>
+                                        </p:tgtEl>
+                                        <p:attrNameLst>
+                                          <p:attrName>style.visibility</p:attrName>
+                                        </p:attrNameLst>
+                                      </p:cBhvr>
+                                      <p:to>
+                                        <p:strVal val="visible"/>
+                                      </p:to>
+                                    </p:set>
+                                  </p:childTnLst>
+                                </p:cTn>
+                              </p:par>
+                              <p:par>
+                                <p:cTn id="17" presetID="1" presetClass="entr" presetSubtype="0" fill="hold" grpId="0" nodeType="withEffect">
+                                  <p:stCondLst>
+                                    <p:cond delay="0"/>
+                                  </p:stCondLst>
+                                  <p:childTnLst>
+                                    <p:set>
+                                      <p:cBhvr>
+                                        <p:cTn id="18" dur="1" fill="hold">
+                                          <p:stCondLst>
+                                            <p:cond delay="0"/>
+                                          </p:stCondLst>
+                                        </p:cTn>
+                                        <p:tgtEl>
+                                          <p:spTgt spid="15"/>
                                         </p:tgtEl>
                                         <p:attrNameLst>
                                           <p:attrName>style.visibility</p:attrName>
@@ -16641,7 +16673,9 @@
       </p:par>
     </p:tnLst>
     <p:bldLst>
+      <p:bldP spid="13" grpId="0" animBg="1"/>
       <p:bldP spid="14" grpId="0" animBg="1"/>
+      <p:bldP spid="24" grpId="0" animBg="1"/>
       <p:bldP spid="25" grpId="0" animBg="1"/>
       <p:bldP spid="15" grpId="0" animBg="1"/>
       <p:bldP spid="16" grpId="0" animBg="1"/>
@@ -16862,73 +16896,15 @@
             </a:lvl9pPr>
           </a:lstStyle>
           <a:p>
-            <a:pPr marL="360045" indent="-360045">
+            <a:pPr marL="0" indent="0">
               <a:lnSpc>
                 <a:spcPct val="100000"/>
               </a:lnSpc>
               <a:buClr>
                 <a:schemeClr val="tx1"/>
               </a:buClr>
+              <a:buNone/>
             </a:pPr>
-            <a:r>
-              <a:rPr lang="bg-BG" sz="3100" dirty="0"/>
-              <a:t>Напишете програма, която</a:t>
-            </a:r>
-            <a:r>
-              <a:rPr lang="en-US" sz="3100" dirty="0"/>
-              <a:t> </a:t>
-            </a:r>
-            <a:r>
-              <a:rPr lang="en-US" sz="3100" dirty="0">
-                <a:ea typeface="+mn-lt"/>
-                <a:cs typeface="+mn-lt"/>
-              </a:rPr>
-              <a:t>закръгля всяка стойност </a:t>
-            </a:r>
-            <a:r>
-              <a:rPr lang="bg-BG" sz="3100" dirty="0">
-                <a:ea typeface="+mn-lt"/>
-                <a:cs typeface="+mn-lt"/>
-              </a:rPr>
-              <a:t> от масив </a:t>
-            </a:r>
-            <a:r>
-              <a:rPr lang="en-US" sz="3100" dirty="0">
-                <a:ea typeface="+mn-lt"/>
-                <a:cs typeface="+mn-lt"/>
-              </a:rPr>
-              <a:t>до </a:t>
-            </a:r>
-            <a:r>
-              <a:rPr lang="en-US" sz="3100" b="1" dirty="0">
-                <a:solidFill>
-                  <a:schemeClr val="bg1"/>
-                </a:solidFill>
-                <a:ea typeface="+mn-lt"/>
-                <a:cs typeface="+mn-lt"/>
-              </a:rPr>
-              <a:t>най-близкото </a:t>
-            </a:r>
-            <a:r>
-              <a:rPr lang="bg-BG" sz="3100" b="1" dirty="0">
-                <a:solidFill>
-                  <a:schemeClr val="bg1"/>
-                </a:solidFill>
-                <a:ea typeface="+mn-lt"/>
-                <a:cs typeface="+mn-lt"/>
-              </a:rPr>
-              <a:t>цяло </a:t>
-            </a:r>
-            <a:r>
-              <a:rPr lang="en-US" sz="3100" b="1" dirty="0">
-                <a:solidFill>
-                  <a:schemeClr val="bg1"/>
-                </a:solidFill>
-                <a:ea typeface="+mn-lt"/>
-                <a:cs typeface="+mn-lt"/>
-              </a:rPr>
-              <a:t>число</a:t>
-            </a:r>
             <a:endParaRPr lang="en-US" sz="3100" b="1" dirty="0">
               <a:solidFill>
                 <a:schemeClr val="bg1"/>
@@ -16972,7 +16948,21 @@
                 <a:ea typeface="+mj-lt"/>
                 <a:cs typeface="+mj-lt"/>
               </a:rPr>
-              <a:t>Закръглени числа</a:t>
+              <a:t>Закръгл</a:t>
+            </a:r>
+            <a:r>
+              <a:rPr lang="bg-BG" sz="3950" dirty="0">
+                <a:ea typeface="+mj-lt"/>
+                <a:cs typeface="+mj-lt"/>
+              </a:rPr>
+              <a:t>яне на</a:t>
+            </a:r>
+            <a:r>
+              <a:rPr lang="en-US" sz="3950" dirty="0">
+                <a:ea typeface="+mj-lt"/>
+                <a:cs typeface="+mj-lt"/>
+              </a:rPr>
+              <a:t> числа</a:t>
             </a:r>
             <a:endParaRPr lang="en-US" sz="3950" dirty="0"/>
           </a:p>
@@ -16994,8 +16984,8 @@
         </p:nvSpPr>
         <p:spPr bwMode="auto">
           <a:xfrm>
-            <a:off x="655950" y="2226823"/>
-            <a:ext cx="10876829" cy="3942206"/>
+            <a:off x="1154380" y="1672597"/>
+            <a:ext cx="9879970" cy="3942206"/>
           </a:xfrm>
           <a:prstGeom prst="rect">
             <a:avLst/>
@@ -17192,7 +17182,7 @@
         </p:nvSpPr>
         <p:spPr bwMode="auto">
           <a:xfrm>
-            <a:off x="7955980" y="4307699"/>
+            <a:off x="8697660" y="3820019"/>
             <a:ext cx="1782790" cy="601121"/>
           </a:xfrm>
           <a:prstGeom prst="wedgeRoundRectCallout">
@@ -17787,1345 +17777,6 @@
       </p:grpSpPr>
       <p:sp>
         <p:nvSpPr>
-          <p:cNvPr id="12" name="Rectangle 3">
-            <a:extLst>
-              <a:ext uri="{FF2B5EF4-FFF2-40B4-BE49-F238E27FC236}">
-                <a16:creationId xmlns:a16="http://schemas.microsoft.com/office/drawing/2014/main" id="{E6034EAC-749D-42DD-A3F7-F25E08AFB6FC}"/>
-              </a:ext>
-            </a:extLst>
-          </p:cNvPr>
-          <p:cNvSpPr txBox="1">
-            <a:spLocks noChangeArrowheads="1"/>
-          </p:cNvSpPr>
-          <p:nvPr/>
-        </p:nvSpPr>
-        <p:spPr>
-          <a:xfrm>
-            <a:off x="190451" y="1196126"/>
-            <a:ext cx="11808021" cy="5185625"/>
-          </a:xfrm>
-          <a:prstGeom prst="rect">
-            <a:avLst/>
-          </a:prstGeom>
-        </p:spPr>
-        <p:txBody>
-          <a:bodyPr lIns="91440" tIns="45720" rIns="91440" bIns="45720" anchor="t">
-            <a:normAutofit/>
-          </a:bodyPr>
-          <a:lstStyle>
-            <a:lvl1pPr marL="360363" indent="-360363" algn="l" defTabSz="1218438" rtl="0" eaLnBrk="1" latinLnBrk="0" hangingPunct="1">
-              <a:lnSpc>
-                <a:spcPct val="105000"/>
-              </a:lnSpc>
-              <a:spcBef>
-                <a:spcPts val="600"/>
-              </a:spcBef>
-              <a:spcAft>
-                <a:spcPts val="600"/>
-              </a:spcAft>
-              <a:buFont typeface="Wingdings" panose="05000000000000000000" pitchFamily="2" charset="2"/>
-              <a:buChar char="§"/>
-              <a:defRPr sz="3398" kern="1200">
-                <a:solidFill>
-                  <a:schemeClr val="tx1"/>
-                </a:solidFill>
-                <a:latin typeface="+mn-lt"/>
-                <a:ea typeface="+mn-ea"/>
-                <a:cs typeface="+mn-cs"/>
-              </a:defRPr>
-            </a:lvl1pPr>
-            <a:lvl2pPr marL="803275" indent="-360363" algn="l" defTabSz="1218438" rtl="0" eaLnBrk="1" latinLnBrk="0" hangingPunct="1">
-              <a:lnSpc>
-                <a:spcPct val="105000"/>
-              </a:lnSpc>
-              <a:spcBef>
-                <a:spcPts val="600"/>
-              </a:spcBef>
-              <a:spcAft>
-                <a:spcPts val="600"/>
-              </a:spcAft>
-              <a:buFont typeface="Wingdings" panose="05000000000000000000" pitchFamily="2" charset="2"/>
-              <a:buChar char="§"/>
-              <a:defRPr sz="3198" kern="1200">
-                <a:solidFill>
-                  <a:schemeClr val="tx1"/>
-                </a:solidFill>
-                <a:latin typeface="+mn-lt"/>
-                <a:ea typeface="+mn-ea"/>
-                <a:cs typeface="+mn-cs"/>
-              </a:defRPr>
-            </a:lvl2pPr>
-            <a:lvl3pPr marL="1255713" indent="-360363" algn="l" defTabSz="1218438" rtl="0" eaLnBrk="1" latinLnBrk="0" hangingPunct="1">
-              <a:lnSpc>
-                <a:spcPct val="105000"/>
-              </a:lnSpc>
-              <a:spcBef>
-                <a:spcPts val="600"/>
-              </a:spcBef>
-              <a:spcAft>
-                <a:spcPts val="600"/>
-              </a:spcAft>
-              <a:buFont typeface="Wingdings" panose="05000000000000000000" pitchFamily="2" charset="2"/>
-              <a:buChar char="§"/>
-              <a:defRPr sz="2998" kern="1200">
-                <a:solidFill>
-                  <a:schemeClr val="tx1"/>
-                </a:solidFill>
-                <a:latin typeface="+mn-lt"/>
-                <a:ea typeface="+mn-ea"/>
-                <a:cs typeface="+mn-cs"/>
-              </a:defRPr>
-            </a:lvl3pPr>
-            <a:lvl4pPr marL="1700213" indent="-352425" algn="l" defTabSz="1218438" rtl="0" eaLnBrk="1" latinLnBrk="0" hangingPunct="1">
-              <a:lnSpc>
-                <a:spcPct val="105000"/>
-              </a:lnSpc>
-              <a:spcBef>
-                <a:spcPts val="600"/>
-              </a:spcBef>
-              <a:spcAft>
-                <a:spcPts val="600"/>
-              </a:spcAft>
-              <a:buFont typeface="Wingdings" panose="05000000000000000000" pitchFamily="2" charset="2"/>
-              <a:buChar char="§"/>
-              <a:defRPr sz="2798" kern="1200">
-                <a:solidFill>
-                  <a:schemeClr val="tx1"/>
-                </a:solidFill>
-                <a:latin typeface="+mn-lt"/>
-                <a:ea typeface="+mn-ea"/>
-                <a:cs typeface="+mn-cs"/>
-              </a:defRPr>
-            </a:lvl4pPr>
-            <a:lvl5pPr marL="2058988" indent="-266700" algn="l" defTabSz="1218438" rtl="0" eaLnBrk="1" latinLnBrk="0" hangingPunct="1">
-              <a:lnSpc>
-                <a:spcPct val="105000"/>
-              </a:lnSpc>
-              <a:spcBef>
-                <a:spcPts val="600"/>
-              </a:spcBef>
-              <a:spcAft>
-                <a:spcPts val="600"/>
-              </a:spcAft>
-              <a:buFont typeface="Wingdings" panose="05000000000000000000" pitchFamily="2" charset="2"/>
-              <a:buChar char="§"/>
-              <a:defRPr sz="2598" kern="1200">
-                <a:solidFill>
-                  <a:schemeClr val="tx1"/>
-                </a:solidFill>
-                <a:latin typeface="+mn-lt"/>
-                <a:ea typeface="+mn-ea"/>
-                <a:cs typeface="+mn-cs"/>
-              </a:defRPr>
-            </a:lvl5pPr>
-            <a:lvl6pPr marL="3350704" indent="-304610" algn="l" defTabSz="1218438" rtl="0" eaLnBrk="1" latinLnBrk="1" hangingPunct="1">
-              <a:spcBef>
-                <a:spcPct val="20000"/>
-              </a:spcBef>
-              <a:buFont typeface="Arial" pitchFamily="34" charset="0"/>
-              <a:buChar char="•"/>
-              <a:defRPr sz="2665" kern="1200">
-                <a:solidFill>
-                  <a:schemeClr val="tx1"/>
-                </a:solidFill>
-                <a:latin typeface="+mn-lt"/>
-                <a:ea typeface="+mn-ea"/>
-                <a:cs typeface="+mn-cs"/>
-              </a:defRPr>
-            </a:lvl6pPr>
-            <a:lvl7pPr marL="3959924" indent="-304610" algn="l" defTabSz="1218438" rtl="0" eaLnBrk="1" latinLnBrk="1" hangingPunct="1">
-              <a:spcBef>
-                <a:spcPct val="20000"/>
-              </a:spcBef>
-              <a:buFont typeface="Arial" pitchFamily="34" charset="0"/>
-              <a:buChar char="•"/>
-              <a:defRPr sz="2665" kern="1200">
-                <a:solidFill>
-                  <a:schemeClr val="tx1"/>
-                </a:solidFill>
-                <a:latin typeface="+mn-lt"/>
-                <a:ea typeface="+mn-ea"/>
-                <a:cs typeface="+mn-cs"/>
-              </a:defRPr>
-            </a:lvl7pPr>
-            <a:lvl8pPr marL="4569143" indent="-304610" algn="l" defTabSz="1218438" rtl="0" eaLnBrk="1" latinLnBrk="1" hangingPunct="1">
-              <a:spcBef>
-                <a:spcPct val="20000"/>
-              </a:spcBef>
-              <a:buFont typeface="Arial" pitchFamily="34" charset="0"/>
-              <a:buChar char="•"/>
-              <a:defRPr sz="2665" kern="1200">
-                <a:solidFill>
-                  <a:schemeClr val="tx1"/>
-                </a:solidFill>
-                <a:latin typeface="+mn-lt"/>
-                <a:ea typeface="+mn-ea"/>
-                <a:cs typeface="+mn-cs"/>
-              </a:defRPr>
-            </a:lvl8pPr>
-            <a:lvl9pPr marL="5178362" indent="-304610" algn="l" defTabSz="1218438" rtl="0" eaLnBrk="1" latinLnBrk="1" hangingPunct="1">
-              <a:spcBef>
-                <a:spcPct val="20000"/>
-              </a:spcBef>
-              <a:buFont typeface="Arial" pitchFamily="34" charset="0"/>
-              <a:buChar char="•"/>
-              <a:defRPr sz="2665" kern="1200">
-                <a:solidFill>
-                  <a:schemeClr val="tx1"/>
-                </a:solidFill>
-                <a:latin typeface="+mn-lt"/>
-                <a:ea typeface="+mn-ea"/>
-                <a:cs typeface="+mn-cs"/>
-              </a:defRPr>
-            </a:lvl9pPr>
-          </a:lstStyle>
-          <a:p>
-            <a:pPr marL="457200" indent="-457200">
-              <a:lnSpc>
-                <a:spcPct val="100000"/>
-              </a:lnSpc>
-              <a:spcBef>
-                <a:spcPct val="0"/>
-              </a:spcBef>
-              <a:spcAft>
-                <a:spcPts val="0"/>
-              </a:spcAft>
-            </a:pPr>
-            <a:r>
-              <a:rPr lang="en-US" sz="3600" dirty="0"/>
-              <a:t>Чрез </a:t>
-            </a:r>
-            <a:r>
-              <a:rPr lang="en-US" sz="3600" b="1" dirty="0">
-                <a:solidFill>
-                  <a:schemeClr val="bg1"/>
-                </a:solidFill>
-                <a:latin typeface="Consolas" panose="020B0609020204030204" pitchFamily="49" charset="0"/>
-                <a:cs typeface="Consolas" panose="020B0609020204030204" pitchFamily="49" charset="0"/>
-              </a:rPr>
-              <a:t>for-цикъл</a:t>
-            </a:r>
-            <a:r>
-              <a:rPr lang="en-US" sz="3600" dirty="0"/>
-              <a:t>:</a:t>
-            </a:r>
-          </a:p>
-          <a:p>
-            <a:pPr marL="360045" indent="-360045">
-              <a:lnSpc>
-                <a:spcPct val="100000"/>
-              </a:lnSpc>
-              <a:spcBef>
-                <a:spcPct val="0"/>
-              </a:spcBef>
-              <a:spcAft>
-                <a:spcPts val="0"/>
-              </a:spcAft>
-            </a:pPr>
-            <a:endParaRPr lang="en-US" sz="3600" dirty="0">
-              <a:ea typeface="Calibri"/>
-              <a:cs typeface="Calibri"/>
-            </a:endParaRPr>
-          </a:p>
-          <a:p>
-            <a:pPr marL="360045" indent="-360045">
-              <a:lnSpc>
-                <a:spcPct val="100000"/>
-              </a:lnSpc>
-              <a:spcBef>
-                <a:spcPct val="0"/>
-              </a:spcBef>
-              <a:spcAft>
-                <a:spcPts val="0"/>
-              </a:spcAft>
-            </a:pPr>
-            <a:endParaRPr lang="en-US" sz="3600" dirty="0">
-              <a:ea typeface="Calibri"/>
-              <a:cs typeface="Calibri"/>
-            </a:endParaRPr>
-          </a:p>
-          <a:p>
-            <a:pPr marL="360045" indent="-360045">
-              <a:lnSpc>
-                <a:spcPct val="100000"/>
-              </a:lnSpc>
-              <a:spcBef>
-                <a:spcPct val="0"/>
-              </a:spcBef>
-              <a:spcAft>
-                <a:spcPts val="0"/>
-              </a:spcAft>
-            </a:pPr>
-            <a:endParaRPr lang="en-US" sz="3600" dirty="0">
-              <a:ea typeface="Calibri"/>
-              <a:cs typeface="Calibri"/>
-            </a:endParaRPr>
-          </a:p>
-          <a:p>
-            <a:pPr marL="457200" indent="-457200">
-              <a:lnSpc>
-                <a:spcPct val="100000"/>
-              </a:lnSpc>
-              <a:spcAft>
-                <a:spcPts val="0"/>
-              </a:spcAft>
-            </a:pPr>
-            <a:r>
-              <a:rPr lang="en-US" sz="3600" dirty="0">
-                <a:solidFill>
-                  <a:srgbClr val="234465"/>
-                </a:solidFill>
-                <a:latin typeface="Calibri"/>
-                <a:ea typeface="Calibri"/>
-                <a:cs typeface="Calibri"/>
-              </a:rPr>
-              <a:t>Чрез </a:t>
-            </a:r>
-            <a:r>
-              <a:rPr lang="en-US" sz="3200" b="1" noProof="1">
-                <a:solidFill>
-                  <a:schemeClr val="bg1"/>
-                </a:solidFill>
-                <a:latin typeface="Consolas"/>
-              </a:rPr>
-              <a:t>string</a:t>
-            </a:r>
-            <a:r>
-              <a:rPr lang="en-US" sz="3200" b="1" noProof="1">
-                <a:solidFill>
-                  <a:schemeClr val="bg1"/>
-                </a:solidFill>
-                <a:latin typeface="Consolas"/>
-                <a:cs typeface="Consolas" panose="020B0609020204030204" pitchFamily="49" charset="0"/>
-              </a:rPr>
-              <a:t>.Join(разделител,</a:t>
-            </a:r>
-            <a:r>
-              <a:rPr lang="en-US" sz="3200" b="1" noProof="1">
-                <a:solidFill>
-                  <a:schemeClr val="bg1"/>
-                </a:solidFill>
-                <a:cs typeface="Consolas" panose="020B0609020204030204" pitchFamily="49" charset="0"/>
-              </a:rPr>
-              <a:t> </a:t>
-            </a:r>
-            <a:r>
-              <a:rPr lang="en-US" sz="3200" b="1" noProof="1">
-                <a:solidFill>
-                  <a:schemeClr val="bg1"/>
-                </a:solidFill>
-                <a:latin typeface="Consolas"/>
-                <a:cs typeface="Consolas" panose="020B0609020204030204" pitchFamily="49" charset="0"/>
-              </a:rPr>
-              <a:t>масив)</a:t>
-            </a:r>
-            <a:r>
-              <a:rPr lang="en-US" sz="3200" dirty="0"/>
-              <a:t>:</a:t>
-            </a:r>
-            <a:endParaRPr lang="en-US" sz="3600" dirty="0"/>
-          </a:p>
-        </p:txBody>
-      </p:sp>
-      <p:sp>
-        <p:nvSpPr>
-          <p:cNvPr id="13" name="Rectangle 2">
-            <a:extLst>
-              <a:ext uri="{FF2B5EF4-FFF2-40B4-BE49-F238E27FC236}">
-                <a16:creationId xmlns:a16="http://schemas.microsoft.com/office/drawing/2014/main" id="{235A0379-AB85-4067-AEF8-33669D3FC6CF}"/>
-              </a:ext>
-            </a:extLst>
-          </p:cNvPr>
-          <p:cNvSpPr>
-            <a:spLocks noGrp="1" noChangeArrowheads="1"/>
-          </p:cNvSpPr>
-          <p:nvPr>
-            <p:ph type="title"/>
-          </p:nvPr>
-        </p:nvSpPr>
-        <p:spPr>
-          <a:xfrm>
-            <a:off x="190355" y="100750"/>
-            <a:ext cx="9792489" cy="882654"/>
-          </a:xfrm>
-        </p:spPr>
-        <p:txBody>
-          <a:bodyPr vert="horz" lIns="108000" tIns="36000" rIns="108000" bIns="36000" rtlCol="0" anchor="ctr" anchorCtr="0">
-            <a:noAutofit/>
-          </a:bodyPr>
-          <a:lstStyle/>
-          <a:p>
-            <a:r>
-              <a:rPr lang="bg-BG" sz="4000" dirty="0"/>
-              <a:t>Отпечатване на</a:t>
-            </a:r>
-            <a:r>
-              <a:rPr lang="en-US" sz="4000" dirty="0"/>
-              <a:t> масив</a:t>
-            </a:r>
-            <a:endParaRPr lang="en-US" sz="4000" noProof="1"/>
-          </a:p>
-        </p:txBody>
-      </p:sp>
-      <p:sp>
-        <p:nvSpPr>
-          <p:cNvPr id="14" name="Rectangle 4">
-            <a:extLst>
-              <a:ext uri="{FF2B5EF4-FFF2-40B4-BE49-F238E27FC236}">
-                <a16:creationId xmlns:a16="http://schemas.microsoft.com/office/drawing/2014/main" id="{974AF2BF-FA9D-4084-9DE5-DD16AB687B32}"/>
-              </a:ext>
-            </a:extLst>
-          </p:cNvPr>
-          <p:cNvSpPr>
-            <a:spLocks noChangeArrowheads="1"/>
-          </p:cNvSpPr>
-          <p:nvPr/>
-        </p:nvSpPr>
-        <p:spPr bwMode="auto">
-          <a:xfrm>
-            <a:off x="765820" y="4149080"/>
-            <a:ext cx="10522807" cy="2157102"/>
-          </a:xfrm>
-          <a:prstGeom prst="rect">
-            <a:avLst/>
-          </a:prstGeom>
-          <a:solidFill>
-            <a:schemeClr val="accent6">
-              <a:lumMod val="75000"/>
-              <a:alpha val="15000"/>
-            </a:schemeClr>
-          </a:solidFill>
-          <a:ln w="12700">
-            <a:solidFill>
-              <a:schemeClr val="accent5"/>
-            </a:solidFill>
-          </a:ln>
-        </p:spPr>
-        <p:txBody>
-          <a:bodyPr vert="horz" wrap="square" lIns="144000" tIns="108000" rIns="144000" bIns="108000" rtlCol="0" anchor="t">
-            <a:spAutoFit/>
-          </a:bodyPr>
-          <a:lstStyle/>
-          <a:p>
-            <a:pPr defTabSz="1218804" latinLnBrk="1">
-              <a:spcBef>
-                <a:spcPts val="600"/>
-              </a:spcBef>
-              <a:spcAft>
-                <a:spcPts val="600"/>
-              </a:spcAft>
-            </a:pPr>
-            <a:r>
-              <a:rPr lang="en-US" sz="2350" b="1" noProof="1">
-                <a:latin typeface="Consolas"/>
-              </a:rPr>
-              <a:t>int[] arr = { 1, 2, 3 };</a:t>
-            </a:r>
-          </a:p>
-          <a:p>
-            <a:pPr defTabSz="1218804" latinLnBrk="1">
-              <a:spcBef>
-                <a:spcPts val="600"/>
-              </a:spcBef>
-              <a:spcAft>
-                <a:spcPts val="600"/>
-              </a:spcAft>
-            </a:pPr>
-            <a:r>
-              <a:rPr lang="en-US" sz="2350" b="1" noProof="1">
-                <a:latin typeface="Consolas"/>
-              </a:rPr>
-              <a:t>Console.WriteLine(</a:t>
-            </a:r>
-            <a:r>
-              <a:rPr lang="en-US" sz="2350" b="1" noProof="1">
-                <a:solidFill>
-                  <a:schemeClr val="bg1"/>
-                </a:solidFill>
-                <a:latin typeface="Consolas"/>
-              </a:rPr>
-              <a:t>string.Join(", ", arr)</a:t>
-            </a:r>
-            <a:r>
-              <a:rPr lang="en-US" sz="2350" b="1" noProof="1">
-                <a:latin typeface="Consolas"/>
-              </a:rPr>
-              <a:t>); </a:t>
-            </a:r>
-            <a:r>
-              <a:rPr lang="en-US" sz="2350" b="1" i="1" noProof="1">
-                <a:solidFill>
-                  <a:schemeClr val="accent2"/>
-                </a:solidFill>
-                <a:latin typeface="Consolas"/>
-              </a:rPr>
-              <a:t>// 1, 2, 3</a:t>
-            </a:r>
-          </a:p>
-          <a:p>
-            <a:pPr defTabSz="1218804" latinLnBrk="1">
-              <a:spcBef>
-                <a:spcPts val="600"/>
-              </a:spcBef>
-              <a:spcAft>
-                <a:spcPts val="600"/>
-              </a:spcAft>
-            </a:pPr>
-            <a:r>
-              <a:rPr lang="en-US" sz="2350" b="1" noProof="1">
-                <a:latin typeface="Consolas"/>
-              </a:rPr>
-              <a:t>string[] strings = { "one", "two" };</a:t>
-            </a:r>
-          </a:p>
-          <a:p>
-            <a:pPr defTabSz="1218804" latinLnBrk="1">
-              <a:spcBef>
-                <a:spcPts val="600"/>
-              </a:spcBef>
-              <a:spcAft>
-                <a:spcPts val="600"/>
-              </a:spcAft>
-            </a:pPr>
-            <a:r>
-              <a:rPr lang="en-US" sz="2350" b="1" noProof="1">
-                <a:latin typeface="Consolas"/>
-              </a:rPr>
-              <a:t>Console.WriteLine(</a:t>
-            </a:r>
-            <a:r>
-              <a:rPr lang="en-US" sz="2350" b="1" noProof="1">
-                <a:solidFill>
-                  <a:schemeClr val="bg1"/>
-                </a:solidFill>
-                <a:latin typeface="Consolas"/>
-              </a:rPr>
-              <a:t>string.Join(" - ", strings)</a:t>
-            </a:r>
-            <a:r>
-              <a:rPr lang="en-US" sz="2350" b="1" noProof="1">
-                <a:latin typeface="Consolas"/>
-              </a:rPr>
-              <a:t>); </a:t>
-            </a:r>
-            <a:r>
-              <a:rPr lang="en-US" sz="2350" b="1" i="1" noProof="1">
-                <a:solidFill>
-                  <a:schemeClr val="accent2"/>
-                </a:solidFill>
-                <a:latin typeface="Consolas"/>
-              </a:rPr>
-              <a:t>// едно - две</a:t>
-            </a:r>
-          </a:p>
-        </p:txBody>
-      </p:sp>
-      <p:sp>
-        <p:nvSpPr>
-          <p:cNvPr id="15" name="Rectangle 4">
-            <a:extLst>
-              <a:ext uri="{FF2B5EF4-FFF2-40B4-BE49-F238E27FC236}">
-                <a16:creationId xmlns:a16="http://schemas.microsoft.com/office/drawing/2014/main" id="{12695F77-53AC-4A06-9D5E-63B11C44963A}"/>
-              </a:ext>
-            </a:extLst>
-          </p:cNvPr>
-          <p:cNvSpPr>
-            <a:spLocks noChangeArrowheads="1"/>
-          </p:cNvSpPr>
-          <p:nvPr/>
-        </p:nvSpPr>
-        <p:spPr bwMode="auto">
-          <a:xfrm>
-            <a:off x="765820" y="1844824"/>
-            <a:ext cx="6789007" cy="1633882"/>
-          </a:xfrm>
-          <a:prstGeom prst="rect">
-            <a:avLst/>
-          </a:prstGeom>
-          <a:solidFill>
-            <a:schemeClr val="accent6">
-              <a:lumMod val="75000"/>
-              <a:alpha val="15000"/>
-            </a:schemeClr>
-          </a:solidFill>
-          <a:ln w="12700">
-            <a:solidFill>
-              <a:schemeClr val="accent5"/>
-            </a:solidFill>
-          </a:ln>
-        </p:spPr>
-        <p:txBody>
-          <a:bodyPr vert="horz" wrap="square" lIns="144000" tIns="108000" rIns="144000" bIns="108000" rtlCol="0">
-            <a:spAutoFit/>
-          </a:bodyPr>
-          <a:lstStyle/>
-          <a:p>
-            <a:pPr defTabSz="1218804" latinLnBrk="1">
-              <a:spcBef>
-                <a:spcPts val="600"/>
-              </a:spcBef>
-              <a:spcAft>
-                <a:spcPts val="600"/>
-              </a:spcAft>
-            </a:pPr>
-            <a:r>
-              <a:rPr lang="en-US" sz="2399" b="1" noProof="1">
-                <a:latin typeface="Consolas" pitchFamily="49" charset="0"/>
-              </a:rPr>
-              <a:t>int[] arr = { 10, 20, 30, 40, 50};</a:t>
-            </a:r>
-          </a:p>
-          <a:p>
-            <a:pPr defTabSz="1218804" latinLnBrk="1">
-              <a:spcBef>
-                <a:spcPts val="600"/>
-              </a:spcBef>
-              <a:spcAft>
-                <a:spcPts val="600"/>
-              </a:spcAft>
-            </a:pPr>
-            <a:r>
-              <a:rPr lang="nn-NO" sz="2399" b="1" noProof="1">
-                <a:latin typeface="Consolas" pitchFamily="49" charset="0"/>
-              </a:rPr>
-              <a:t>for (int i = 0; i &lt; arr.Length; i++) {</a:t>
-            </a:r>
-          </a:p>
-          <a:p>
-            <a:pPr defTabSz="1218804" latinLnBrk="1">
-              <a:spcBef>
-                <a:spcPts val="600"/>
-              </a:spcBef>
-              <a:spcAft>
-                <a:spcPts val="600"/>
-              </a:spcAft>
-            </a:pPr>
-            <a:r>
-              <a:rPr lang="bg-BG" sz="2399" b="1" noProof="1">
-                <a:latin typeface="Consolas" pitchFamily="49" charset="0"/>
-              </a:rPr>
-              <a:t>  </a:t>
-            </a:r>
-            <a:r>
-              <a:rPr lang="nn-NO" sz="2399" b="1" noProof="1">
-                <a:latin typeface="Consolas" pitchFamily="49" charset="0"/>
-              </a:rPr>
-              <a:t>Console.WriteLine(arr[i]); }</a:t>
-            </a:r>
-            <a:endParaRPr lang="en-US" sz="2399" b="1" noProof="1">
-              <a:latin typeface="Consolas" pitchFamily="49" charset="0"/>
-            </a:endParaRPr>
-          </a:p>
-        </p:txBody>
-      </p:sp>
-      <p:sp>
-        <p:nvSpPr>
-          <p:cNvPr id="16" name="Slide Number">
-            <a:extLst>
-              <a:ext uri="{FF2B5EF4-FFF2-40B4-BE49-F238E27FC236}">
-                <a16:creationId xmlns:a16="http://schemas.microsoft.com/office/drawing/2014/main" id="{1E3B0E99-BF32-4658-AB84-62AD798C1DDB}"/>
-              </a:ext>
-            </a:extLst>
-          </p:cNvPr>
-          <p:cNvSpPr txBox="1">
-            <a:spLocks/>
-          </p:cNvSpPr>
-          <p:nvPr/>
-        </p:nvSpPr>
-        <p:spPr>
-          <a:xfrm>
-            <a:off x="11753030" y="6507000"/>
-            <a:ext cx="367414" cy="297000"/>
-          </a:xfrm>
-          <a:prstGeom prst="rect">
-            <a:avLst/>
-          </a:prstGeom>
-        </p:spPr>
-        <p:txBody>
-          <a:bodyPr vert="horz" lIns="91440" tIns="45720" rIns="91440" bIns="45720" rtlCol="0" anchor="b"/>
-          <a:lstStyle>
-            <a:defPPr>
-              <a:defRPr lang="en-US"/>
-            </a:defPPr>
-            <a:lvl1pPr marL="0" algn="r" defTabSz="914400" rtl="0" eaLnBrk="1" latinLnBrk="0" hangingPunct="1">
-              <a:defRPr sz="1000" kern="1200">
-                <a:solidFill>
-                  <a:schemeClr val="tx1"/>
-                </a:solidFill>
-                <a:latin typeface="+mn-lt"/>
-                <a:ea typeface="+mn-ea"/>
-                <a:cs typeface="+mn-cs"/>
-              </a:defRPr>
-            </a:lvl1pPr>
-            <a:lvl2pPr marL="457200" algn="l" defTabSz="914400" rtl="0" eaLnBrk="1" latinLnBrk="0" hangingPunct="1">
-              <a:defRPr sz="1800" kern="1200">
-                <a:solidFill>
-                  <a:schemeClr val="tx1"/>
-                </a:solidFill>
-                <a:latin typeface="+mn-lt"/>
-                <a:ea typeface="+mn-ea"/>
-                <a:cs typeface="+mn-cs"/>
-              </a:defRPr>
-            </a:lvl2pPr>
-            <a:lvl3pPr marL="914400" algn="l" defTabSz="914400" rtl="0" eaLnBrk="1" latinLnBrk="0" hangingPunct="1">
-              <a:defRPr sz="1800" kern="1200">
-                <a:solidFill>
-                  <a:schemeClr val="tx1"/>
-                </a:solidFill>
-                <a:latin typeface="+mn-lt"/>
-                <a:ea typeface="+mn-ea"/>
-                <a:cs typeface="+mn-cs"/>
-              </a:defRPr>
-            </a:lvl3pPr>
-            <a:lvl4pPr marL="1371600" algn="l" defTabSz="914400" rtl="0" eaLnBrk="1" latinLnBrk="0" hangingPunct="1">
-              <a:defRPr sz="1800" kern="1200">
-                <a:solidFill>
-                  <a:schemeClr val="tx1"/>
-                </a:solidFill>
-                <a:latin typeface="+mn-lt"/>
-                <a:ea typeface="+mn-ea"/>
-                <a:cs typeface="+mn-cs"/>
-              </a:defRPr>
-            </a:lvl4pPr>
-            <a:lvl5pPr marL="1828800" algn="l" defTabSz="914400" rtl="0" eaLnBrk="1" latinLnBrk="0" hangingPunct="1">
-              <a:defRPr sz="1800" kern="1200">
-                <a:solidFill>
-                  <a:schemeClr val="tx1"/>
-                </a:solidFill>
-                <a:latin typeface="+mn-lt"/>
-                <a:ea typeface="+mn-ea"/>
-                <a:cs typeface="+mn-cs"/>
-              </a:defRPr>
-            </a:lvl5pPr>
-            <a:lvl6pPr marL="2286000" algn="l" defTabSz="914400" rtl="0" eaLnBrk="1" latinLnBrk="0" hangingPunct="1">
-              <a:defRPr sz="1800" kern="1200">
-                <a:solidFill>
-                  <a:schemeClr val="tx1"/>
-                </a:solidFill>
-                <a:latin typeface="+mn-lt"/>
-                <a:ea typeface="+mn-ea"/>
-                <a:cs typeface="+mn-cs"/>
-              </a:defRPr>
-            </a:lvl6pPr>
-            <a:lvl7pPr marL="2743200" algn="l" defTabSz="914400" rtl="0" eaLnBrk="1" latinLnBrk="0" hangingPunct="1">
-              <a:defRPr sz="1800" kern="1200">
-                <a:solidFill>
-                  <a:schemeClr val="tx1"/>
-                </a:solidFill>
-                <a:latin typeface="+mn-lt"/>
-                <a:ea typeface="+mn-ea"/>
-                <a:cs typeface="+mn-cs"/>
-              </a:defRPr>
-            </a:lvl7pPr>
-            <a:lvl8pPr marL="3200400" algn="l" defTabSz="914400" rtl="0" eaLnBrk="1" latinLnBrk="0" hangingPunct="1">
-              <a:defRPr sz="1800" kern="1200">
-                <a:solidFill>
-                  <a:schemeClr val="tx1"/>
-                </a:solidFill>
-                <a:latin typeface="+mn-lt"/>
-                <a:ea typeface="+mn-ea"/>
-                <a:cs typeface="+mn-cs"/>
-              </a:defRPr>
-            </a:lvl8pPr>
-            <a:lvl9pPr marL="3657600" algn="l" defTabSz="914400" rtl="0" eaLnBrk="1" latinLnBrk="0" hangingPunct="1">
-              <a:defRPr sz="1800" kern="1200">
-                <a:solidFill>
-                  <a:schemeClr val="tx1"/>
-                </a:solidFill>
-                <a:latin typeface="+mn-lt"/>
-                <a:ea typeface="+mn-ea"/>
-                <a:cs typeface="+mn-cs"/>
-              </a:defRPr>
-            </a:lvl9pPr>
-          </a:lstStyle>
-          <a:p>
-            <a:fld id="{2BF067CD-8E6B-4360-9AA8-C5DF2A48A6D1}" type="slidenum">
-              <a:rPr lang="en-US" smtClean="0"/>
-              <a:pPr/>
-              <a:t>19</a:t>
-            </a:fld>
-            <a:endParaRPr lang="en-US" dirty="0"/>
-          </a:p>
-        </p:txBody>
-      </p:sp>
-    </p:spTree>
-    <p:extLst>
-      <p:ext uri="{BB962C8B-B14F-4D97-AF65-F5344CB8AC3E}">
-        <p14:creationId xmlns:p14="http://schemas.microsoft.com/office/powerpoint/2010/main" val="2122981807"/>
-      </p:ext>
-    </p:extLst>
-  </p:cSld>
-  <p:clrMapOvr>
-    <a:masterClrMapping/>
-  </p:clrMapOvr>
-  <mc:AlternateContent xmlns:mc="http://schemas.openxmlformats.org/markup-compatibility/2006" xmlns:p14="http://schemas.microsoft.com/office/powerpoint/2010/main">
-    <mc:Choice Requires="p14">
-      <p:transition spd="slow" p14:dur="2000" advClick="0" advTm="5000"/>
-    </mc:Choice>
-    <mc:Fallback xmlns="">
-      <p:transition spd="slow" advClick="0" advTm="5000"/>
-    </mc:Fallback>
-  </mc:AlternateContent>
-  <p:timing>
-    <p:tnLst>
-      <p:par>
-        <p:cTn id="1" dur="indefinite" restart="never" nodeType="tmRoot">
-          <p:childTnLst>
-            <p:seq concurrent="1" nextAc="seek">
-              <p:cTn id="2" dur="indefinite" nodeType="mainSeq">
-                <p:childTnLst>
-                  <p:par>
-                    <p:cTn id="3" fill="hold">
-                      <p:stCondLst>
-                        <p:cond delay="indefinite"/>
-                      </p:stCondLst>
-                      <p:childTnLst>
-                        <p:par>
-                          <p:cTn id="4" fill="hold">
-                            <p:stCondLst>
-                              <p:cond delay="0"/>
-                            </p:stCondLst>
-                            <p:childTnLst>
-                              <p:par>
-                                <p:cTn id="5" presetID="1" presetClass="entr" presetSubtype="0" fill="hold" grpId="0" nodeType="clickEffect">
-                                  <p:stCondLst>
-                                    <p:cond delay="0"/>
-                                  </p:stCondLst>
-                                  <p:childTnLst>
-                                    <p:set>
-                                      <p:cBhvr>
-                                        <p:cTn id="6" dur="1" fill="hold">
-                                          <p:stCondLst>
-                                            <p:cond delay="0"/>
-                                          </p:stCondLst>
-                                        </p:cTn>
-                                        <p:tgtEl>
-                                          <p:spTgt spid="12">
-                                            <p:txEl>
-                                              <p:pRg st="4" end="4"/>
-                                            </p:txEl>
-                                          </p:spTgt>
-                                        </p:tgtEl>
-                                        <p:attrNameLst>
-                                          <p:attrName>style.visibility</p:attrName>
-                                        </p:attrNameLst>
-                                      </p:cBhvr>
-                                      <p:to>
-                                        <p:strVal val="visible"/>
-                                      </p:to>
-                                    </p:set>
-                                  </p:childTnLst>
-                                </p:cTn>
-                              </p:par>
-                              <p:par>
-                                <p:cTn id="7" presetID="1" presetClass="entr" presetSubtype="0" fill="hold" grpId="0" nodeType="withEffect">
-                                  <p:stCondLst>
-                                    <p:cond delay="0"/>
-                                  </p:stCondLst>
-                                  <p:childTnLst>
-                                    <p:set>
-                                      <p:cBhvr>
-                                        <p:cTn id="8" dur="1" fill="hold">
-                                          <p:stCondLst>
-                                            <p:cond delay="0"/>
-                                          </p:stCondLst>
-                                        </p:cTn>
-                                        <p:tgtEl>
-                                          <p:spTgt spid="14"/>
-                                        </p:tgtEl>
-                                        <p:attrNameLst>
-                                          <p:attrName>style.visibility</p:attrName>
-                                        </p:attrNameLst>
-                                      </p:cBhvr>
-                                      <p:to>
-                                        <p:strVal val="visible"/>
-                                      </p:to>
-                                    </p:set>
-                                  </p:childTnLst>
-                                </p:cTn>
-                              </p:par>
-                            </p:childTnLst>
-                          </p:cTn>
-                        </p:par>
-                      </p:childTnLst>
-                    </p:cTn>
-                  </p:par>
-                </p:childTnLst>
-              </p:cTn>
-              <p:prevCondLst>
-                <p:cond evt="onPrev" delay="0">
-                  <p:tgtEl>
-                    <p:sldTgt/>
-                  </p:tgtEl>
-                </p:cond>
-              </p:prevCondLst>
-              <p:nextCondLst>
-                <p:cond evt="onNext" delay="0">
-                  <p:tgtEl>
-                    <p:sldTgt/>
-                  </p:tgtEl>
-                </p:cond>
-              </p:nextCondLst>
-            </p:seq>
-          </p:childTnLst>
-        </p:cTn>
-      </p:par>
-    </p:tnLst>
-    <p:bldLst>
-      <p:bldP spid="12" grpId="0" uiExpand="1" build="p"/>
-      <p:bldP spid="14" grpId="0" animBg="1"/>
-    </p:bldLst>
-  </p:timing>
-</p:sld>
-</file>
-
-<file path=ppt/slides/slide2.xml><?xml version="1.0" encoding="utf-8"?>
-<p:sld xmlns:a="http://schemas.openxmlformats.org/drawingml/2006/main" xmlns:r="http://schemas.openxmlformats.org/officeDocument/2006/relationships" xmlns:p="http://schemas.openxmlformats.org/presentationml/2006/main">
-  <p:cSld>
-    <p:spTree>
-      <p:nvGrpSpPr>
-        <p:cNvPr id="1" name=""/>
-        <p:cNvGrpSpPr/>
-        <p:nvPr/>
-      </p:nvGrpSpPr>
-      <p:grpSpPr>
-        <a:xfrm>
-          <a:off x="0" y="0"/>
-          <a:ext cx="0" cy="0"/>
-          <a:chOff x="0" y="0"/>
-          <a:chExt cx="0" cy="0"/>
-        </a:xfrm>
-      </p:grpSpPr>
-      <p:sp>
-        <p:nvSpPr>
-          <p:cNvPr id="3" name="Content Placeholder 2">
-            <a:extLst>
-              <a:ext uri="{FF2B5EF4-FFF2-40B4-BE49-F238E27FC236}">
-                <a16:creationId xmlns:a16="http://schemas.microsoft.com/office/drawing/2014/main" id="{ACAA566F-0E0E-4BF9-A3B0-6F01080380A3}"/>
-              </a:ext>
-            </a:extLst>
-          </p:cNvPr>
-          <p:cNvSpPr>
-            <a:spLocks noGrp="1"/>
-          </p:cNvSpPr>
-          <p:nvPr>
-            <p:ph type="body" sz="quarter" idx="13"/>
-          </p:nvPr>
-        </p:nvSpPr>
-        <p:spPr/>
-        <p:txBody>
-          <a:bodyPr vert="horz" lIns="108000" tIns="36000" rIns="108000" bIns="36000" rtlCol="0" anchor="t">
-            <a:normAutofit/>
-          </a:bodyPr>
-          <a:lstStyle/>
-          <a:p>
-            <a:pPr marL="513715" indent="-513715">
-              <a:spcBef>
-                <a:spcPts val="1200"/>
-              </a:spcBef>
-              <a:buClr>
-                <a:schemeClr val="tx1"/>
-              </a:buClr>
-            </a:pPr>
-            <a:r>
-              <a:rPr lang="en-GB" dirty="0"/>
-              <a:t>Масиви</a:t>
-            </a:r>
-            <a:endParaRPr lang="bg-BG" dirty="0"/>
-          </a:p>
-          <a:p>
-            <a:pPr marL="513715" indent="-513715">
-              <a:spcBef>
-                <a:spcPts val="1200"/>
-              </a:spcBef>
-              <a:buClr>
-                <a:schemeClr val="tx1"/>
-              </a:buClr>
-            </a:pPr>
-            <a:r>
-              <a:rPr lang="en-US" dirty="0"/>
-              <a:t>Четене</a:t>
-            </a:r>
-            <a:r>
-              <a:rPr lang="en-US" dirty="0">
-                <a:solidFill>
-                  <a:schemeClr val="bg1"/>
-                </a:solidFill>
-              </a:rPr>
-              <a:t> </a:t>
-            </a:r>
-            <a:r>
-              <a:rPr lang="en-US" dirty="0">
-                <a:solidFill>
-                  <a:srgbClr val="234465"/>
-                </a:solidFill>
-              </a:rPr>
-              <a:t>на</a:t>
-            </a:r>
-            <a:r>
-              <a:rPr lang="en-US" dirty="0"/>
-              <a:t> масиви от конзолата</a:t>
-            </a:r>
-            <a:endParaRPr lang="en-US" dirty="0">
-              <a:cs typeface="Calibri"/>
-            </a:endParaRPr>
-          </a:p>
-          <a:p>
-            <a:pPr marL="513715" indent="-513715">
-              <a:spcBef>
-                <a:spcPts val="1200"/>
-              </a:spcBef>
-              <a:buClr>
-                <a:schemeClr val="tx1"/>
-              </a:buClr>
-            </a:pPr>
-            <a:r>
-              <a:rPr lang="en-US" noProof="1"/>
-              <a:t>Foreach</a:t>
-            </a:r>
-            <a:r>
-              <a:rPr lang="en-US" dirty="0"/>
-              <a:t> цикъл</a:t>
-            </a:r>
-            <a:endParaRPr lang="en-GB" dirty="0">
-              <a:cs typeface="Calibri"/>
-            </a:endParaRPr>
-          </a:p>
-          <a:p>
-            <a:pPr marL="513715" indent="-513715"/>
-            <a:endParaRPr lang="en-US" dirty="0">
-              <a:cs typeface="Calibri"/>
-            </a:endParaRPr>
-          </a:p>
-        </p:txBody>
-      </p:sp>
-      <p:sp>
-        <p:nvSpPr>
-          <p:cNvPr id="4" name="Title 3">
-            <a:extLst>
-              <a:ext uri="{FF2B5EF4-FFF2-40B4-BE49-F238E27FC236}">
-                <a16:creationId xmlns:a16="http://schemas.microsoft.com/office/drawing/2014/main" id="{DC603285-689A-4E41-8F77-BD9FEA5C433A}"/>
-              </a:ext>
-            </a:extLst>
-          </p:cNvPr>
-          <p:cNvSpPr>
-            <a:spLocks noGrp="1"/>
-          </p:cNvSpPr>
-          <p:nvPr>
-            <p:ph type="title"/>
-          </p:nvPr>
-        </p:nvSpPr>
-        <p:spPr/>
-        <p:txBody>
-          <a:bodyPr/>
-          <a:lstStyle/>
-          <a:p>
-            <a:r>
-              <a:rPr lang="bg-BG" sz="3950" dirty="0"/>
-              <a:t>Съдържание</a:t>
-            </a:r>
-            <a:endParaRPr lang="bg-BG" dirty="0"/>
-          </a:p>
-        </p:txBody>
-      </p:sp>
-      <p:sp>
-        <p:nvSpPr>
-          <p:cNvPr id="6" name="Slide Number">
-            <a:extLst>
-              <a:ext uri="{FF2B5EF4-FFF2-40B4-BE49-F238E27FC236}">
-                <a16:creationId xmlns:a16="http://schemas.microsoft.com/office/drawing/2014/main" id="{40A4622B-E584-4DF2-8527-C7EC91A30784}"/>
-              </a:ext>
-            </a:extLst>
-          </p:cNvPr>
-          <p:cNvSpPr txBox="1">
-            <a:spLocks/>
-          </p:cNvSpPr>
-          <p:nvPr/>
-        </p:nvSpPr>
-        <p:spPr>
-          <a:xfrm>
-            <a:off x="11753030" y="6507000"/>
-            <a:ext cx="367414" cy="297000"/>
-          </a:xfrm>
-          <a:prstGeom prst="rect">
-            <a:avLst/>
-          </a:prstGeom>
-        </p:spPr>
-        <p:txBody>
-          <a:bodyPr vert="horz" lIns="91440" tIns="45720" rIns="91440" bIns="45720" rtlCol="0" anchor="b"/>
-          <a:lstStyle>
-            <a:defPPr>
-              <a:defRPr lang="en-US"/>
-            </a:defPPr>
-            <a:lvl1pPr marL="0" algn="r" defTabSz="914400" rtl="0" eaLnBrk="1" latinLnBrk="0" hangingPunct="1">
-              <a:defRPr sz="1000" kern="1200">
-                <a:solidFill>
-                  <a:schemeClr val="tx1"/>
-                </a:solidFill>
-                <a:latin typeface="+mn-lt"/>
-                <a:ea typeface="+mn-ea"/>
-                <a:cs typeface="+mn-cs"/>
-              </a:defRPr>
-            </a:lvl1pPr>
-            <a:lvl2pPr marL="457200" algn="l" defTabSz="914400" rtl="0" eaLnBrk="1" latinLnBrk="0" hangingPunct="1">
-              <a:defRPr sz="1800" kern="1200">
-                <a:solidFill>
-                  <a:schemeClr val="tx1"/>
-                </a:solidFill>
-                <a:latin typeface="+mn-lt"/>
-                <a:ea typeface="+mn-ea"/>
-                <a:cs typeface="+mn-cs"/>
-              </a:defRPr>
-            </a:lvl2pPr>
-            <a:lvl3pPr marL="914400" algn="l" defTabSz="914400" rtl="0" eaLnBrk="1" latinLnBrk="0" hangingPunct="1">
-              <a:defRPr sz="1800" kern="1200">
-                <a:solidFill>
-                  <a:schemeClr val="tx1"/>
-                </a:solidFill>
-                <a:latin typeface="+mn-lt"/>
-                <a:ea typeface="+mn-ea"/>
-                <a:cs typeface="+mn-cs"/>
-              </a:defRPr>
-            </a:lvl3pPr>
-            <a:lvl4pPr marL="1371600" algn="l" defTabSz="914400" rtl="0" eaLnBrk="1" latinLnBrk="0" hangingPunct="1">
-              <a:defRPr sz="1800" kern="1200">
-                <a:solidFill>
-                  <a:schemeClr val="tx1"/>
-                </a:solidFill>
-                <a:latin typeface="+mn-lt"/>
-                <a:ea typeface="+mn-ea"/>
-                <a:cs typeface="+mn-cs"/>
-              </a:defRPr>
-            </a:lvl4pPr>
-            <a:lvl5pPr marL="1828800" algn="l" defTabSz="914400" rtl="0" eaLnBrk="1" latinLnBrk="0" hangingPunct="1">
-              <a:defRPr sz="1800" kern="1200">
-                <a:solidFill>
-                  <a:schemeClr val="tx1"/>
-                </a:solidFill>
-                <a:latin typeface="+mn-lt"/>
-                <a:ea typeface="+mn-ea"/>
-                <a:cs typeface="+mn-cs"/>
-              </a:defRPr>
-            </a:lvl5pPr>
-            <a:lvl6pPr marL="2286000" algn="l" defTabSz="914400" rtl="0" eaLnBrk="1" latinLnBrk="0" hangingPunct="1">
-              <a:defRPr sz="1800" kern="1200">
-                <a:solidFill>
-                  <a:schemeClr val="tx1"/>
-                </a:solidFill>
-                <a:latin typeface="+mn-lt"/>
-                <a:ea typeface="+mn-ea"/>
-                <a:cs typeface="+mn-cs"/>
-              </a:defRPr>
-            </a:lvl6pPr>
-            <a:lvl7pPr marL="2743200" algn="l" defTabSz="914400" rtl="0" eaLnBrk="1" latinLnBrk="0" hangingPunct="1">
-              <a:defRPr sz="1800" kern="1200">
-                <a:solidFill>
-                  <a:schemeClr val="tx1"/>
-                </a:solidFill>
-                <a:latin typeface="+mn-lt"/>
-                <a:ea typeface="+mn-ea"/>
-                <a:cs typeface="+mn-cs"/>
-              </a:defRPr>
-            </a:lvl7pPr>
-            <a:lvl8pPr marL="3200400" algn="l" defTabSz="914400" rtl="0" eaLnBrk="1" latinLnBrk="0" hangingPunct="1">
-              <a:defRPr sz="1800" kern="1200">
-                <a:solidFill>
-                  <a:schemeClr val="tx1"/>
-                </a:solidFill>
-                <a:latin typeface="+mn-lt"/>
-                <a:ea typeface="+mn-ea"/>
-                <a:cs typeface="+mn-cs"/>
-              </a:defRPr>
-            </a:lvl8pPr>
-            <a:lvl9pPr marL="3657600" algn="l" defTabSz="914400" rtl="0" eaLnBrk="1" latinLnBrk="0" hangingPunct="1">
-              <a:defRPr sz="1800" kern="1200">
-                <a:solidFill>
-                  <a:schemeClr val="tx1"/>
-                </a:solidFill>
-                <a:latin typeface="+mn-lt"/>
-                <a:ea typeface="+mn-ea"/>
-                <a:cs typeface="+mn-cs"/>
-              </a:defRPr>
-            </a:lvl9pPr>
-          </a:lstStyle>
-          <a:p>
-            <a:fld id="{2BF067CD-8E6B-4360-9AA8-C5DF2A48A6D1}" type="slidenum">
-              <a:rPr lang="en-US" smtClean="0"/>
-              <a:pPr/>
-              <a:t>2</a:t>
-            </a:fld>
-            <a:endParaRPr lang="en-US" dirty="0"/>
-          </a:p>
-        </p:txBody>
-      </p:sp>
-    </p:spTree>
-    <p:extLst>
-      <p:ext uri="{BB962C8B-B14F-4D97-AF65-F5344CB8AC3E}">
-        <p14:creationId xmlns:p14="http://schemas.microsoft.com/office/powerpoint/2010/main" val="4225875527"/>
-      </p:ext>
-    </p:extLst>
-  </p:cSld>
-  <p:clrMapOvr>
-    <a:masterClrMapping/>
-  </p:clrMapOvr>
-  <mc:AlternateContent xmlns:mc="http://schemas.openxmlformats.org/markup-compatibility/2006" xmlns:p14="http://schemas.microsoft.com/office/powerpoint/2010/main">
-    <mc:Choice Requires="p14">
-      <p:transition spd="slow" p14:dur="2000" advClick="0" advTm="5000"/>
-    </mc:Choice>
-    <mc:Fallback xmlns="">
-      <p:transition spd="slow" advClick="0" advTm="5000"/>
-    </mc:Fallback>
-  </mc:AlternateContent>
-  <p:timing>
-    <p:tnLst>
-      <p:par>
-        <p:cTn id="1" dur="indefinite" restart="never" nodeType="tmRoot">
-          <p:childTnLst>
-            <p:seq concurrent="1" nextAc="seek">
-              <p:cTn id="2" dur="indefinite" nodeType="mainSeq">
-                <p:childTnLst>
-                  <p:par>
-                    <p:cTn id="3" fill="hold">
-                      <p:stCondLst>
-                        <p:cond delay="indefinite"/>
-                      </p:stCondLst>
-                      <p:childTnLst>
-                        <p:par>
-                          <p:cTn id="4" fill="hold">
-                            <p:stCondLst>
-                              <p:cond delay="0"/>
-                            </p:stCondLst>
-                            <p:childTnLst>
-                              <p:par>
-                                <p:cTn id="5" presetID="1" presetClass="entr" presetSubtype="0" fill="hold" nodeType="clickEffect">
-                                  <p:stCondLst>
-                                    <p:cond delay="0"/>
-                                  </p:stCondLst>
-                                  <p:childTnLst>
-                                    <p:set>
-                                      <p:cBhvr>
-                                        <p:cTn id="6" dur="1" fill="hold">
-                                          <p:stCondLst>
-                                            <p:cond delay="0"/>
-                                          </p:stCondLst>
-                                        </p:cTn>
-                                        <p:tgtEl>
-                                          <p:spTgt spid="3">
-                                            <p:txEl>
-                                              <p:pRg st="1" end="1"/>
-                                            </p:txEl>
-                                          </p:spTgt>
-                                        </p:tgtEl>
-                                        <p:attrNameLst>
-                                          <p:attrName>style.visibility</p:attrName>
-                                        </p:attrNameLst>
-                                      </p:cBhvr>
-                                      <p:to>
-                                        <p:strVal val="visible"/>
-                                      </p:to>
-                                    </p:set>
-                                  </p:childTnLst>
-                                </p:cTn>
-                              </p:par>
-                            </p:childTnLst>
-                          </p:cTn>
-                        </p:par>
-                      </p:childTnLst>
-                    </p:cTn>
-                  </p:par>
-                  <p:par>
-                    <p:cTn id="7" fill="hold">
-                      <p:stCondLst>
-                        <p:cond delay="indefinite"/>
-                      </p:stCondLst>
-                      <p:childTnLst>
-                        <p:par>
-                          <p:cTn id="8" fill="hold">
-                            <p:stCondLst>
-                              <p:cond delay="0"/>
-                            </p:stCondLst>
-                            <p:childTnLst>
-                              <p:par>
-                                <p:cTn id="9" presetID="1" presetClass="entr" presetSubtype="0" fill="hold" nodeType="clickEffect">
-                                  <p:stCondLst>
-                                    <p:cond delay="0"/>
-                                  </p:stCondLst>
-                                  <p:childTnLst>
-                                    <p:set>
-                                      <p:cBhvr>
-                                        <p:cTn id="10" dur="1" fill="hold">
-                                          <p:stCondLst>
-                                            <p:cond delay="0"/>
-                                          </p:stCondLst>
-                                        </p:cTn>
-                                        <p:tgtEl>
-                                          <p:spTgt spid="3">
-                                            <p:txEl>
-                                              <p:pRg st="2" end="2"/>
-                                            </p:txEl>
-                                          </p:spTgt>
-                                        </p:tgtEl>
-                                        <p:attrNameLst>
-                                          <p:attrName>style.visibility</p:attrName>
-                                        </p:attrNameLst>
-                                      </p:cBhvr>
-                                      <p:to>
-                                        <p:strVal val="visible"/>
-                                      </p:to>
-                                    </p:set>
-                                  </p:childTnLst>
-                                </p:cTn>
-                              </p:par>
-                            </p:childTnLst>
-                          </p:cTn>
-                        </p:par>
-                      </p:childTnLst>
-                    </p:cTn>
-                  </p:par>
-                </p:childTnLst>
-              </p:cTn>
-              <p:prevCondLst>
-                <p:cond evt="onPrev" delay="0">
-                  <p:tgtEl>
-                    <p:sldTgt/>
-                  </p:tgtEl>
-                </p:cond>
-              </p:prevCondLst>
-              <p:nextCondLst>
-                <p:cond evt="onNext" delay="0">
-                  <p:tgtEl>
-                    <p:sldTgt/>
-                  </p:tgtEl>
-                </p:cond>
-              </p:nextCondLst>
-            </p:seq>
-          </p:childTnLst>
-        </p:cTn>
-      </p:par>
-    </p:tnLst>
-  </p:timing>
-</p:sld>
-</file>
-
-<file path=ppt/slides/slide20.xml><?xml version="1.0" encoding="utf-8"?>
-<p:sld xmlns:a="http://schemas.openxmlformats.org/drawingml/2006/main" xmlns:r="http://schemas.openxmlformats.org/officeDocument/2006/relationships" xmlns:p="http://schemas.openxmlformats.org/presentationml/2006/main">
-  <p:cSld>
-    <p:spTree>
-      <p:nvGrpSpPr>
-        <p:cNvPr id="1" name=""/>
-        <p:cNvGrpSpPr/>
-        <p:nvPr/>
-      </p:nvGrpSpPr>
-      <p:grpSpPr>
-        <a:xfrm>
-          <a:off x="0" y="0"/>
-          <a:ext cx="0" cy="0"/>
-          <a:chOff x="0" y="0"/>
-          <a:chExt cx="0" cy="0"/>
-        </a:xfrm>
-      </p:grpSpPr>
-      <p:sp>
-        <p:nvSpPr>
           <p:cNvPr id="3" name="Content Placeholder 2"/>
           <p:cNvSpPr>
             <a:spLocks noGrp="1"/>
@@ -19172,12 +17823,20 @@
               <a:t>разделени с интервал, </a:t>
             </a:r>
             <a:r>
+              <a:rPr lang="bg-BG" sz="3600" b="1" dirty="0">
+                <a:solidFill>
+                  <a:schemeClr val="bg1"/>
+                </a:solidFill>
+              </a:rPr>
+              <a:t>разменете елементите му</a:t>
+            </a:r>
+            <a:r>
               <a:rPr lang="en-US" sz="3600" b="1" dirty="0">
                 <a:solidFill>
                   <a:schemeClr val="bg1"/>
                 </a:solidFill>
               </a:rPr>
-              <a:t>обърнете го </a:t>
+              <a:t> </a:t>
             </a:r>
             <a:r>
               <a:rPr lang="en-US" sz="3600" dirty="0">
@@ -19186,6 +17845,14 @@
                 </a:solidFill>
               </a:rPr>
               <a:t>и</a:t>
+            </a:r>
+            <a:r>
+              <a:rPr lang="bg-BG" sz="3600" dirty="0">
+                <a:solidFill>
+                  <a:srgbClr val="234465"/>
+                </a:solidFill>
+              </a:rPr>
+              <a:t> ги</a:t>
             </a:r>
             <a:r>
               <a:rPr lang="en-US" sz="3600" dirty="0"/>
@@ -19208,7 +17875,7 @@
               <a:t>й</a:t>
             </a:r>
             <a:r>
-              <a:rPr lang="en-US" sz="3600" b="1" dirty="0">
+              <a:rPr lang="en-US" sz="3600" b="1" dirty="0" err="1">
                 <a:solidFill>
                   <a:schemeClr val="bg1"/>
                 </a:solidFill>
@@ -19217,7 +17884,7 @@
             </a:r>
             <a:r>
               <a:rPr lang="en-US" sz="3600" dirty="0"/>
-              <a:t> елементите:</a:t>
+              <a:t>:</a:t>
             </a:r>
             <a:endParaRPr lang="bg-BG" dirty="0"/>
           </a:p>
@@ -19242,8 +17909,12 @@
               </a:spcBef>
             </a:pPr>
             <a:r>
+              <a:rPr lang="bg-BG" sz="3600" dirty="0"/>
+              <a:t>Размяна</a:t>
+            </a:r>
+            <a:r>
               <a:rPr lang="en-US" sz="3600" dirty="0"/>
-              <a:t>Обръщане на елементите на масив:</a:t>
+              <a:t> на елементите на масив:</a:t>
             </a:r>
             <a:endParaRPr lang="en-US" sz="3600" dirty="0">
               <a:ea typeface="Calibri"/>
@@ -20040,8 +18711,8 @@
         </p:nvSpPr>
         <p:spPr>
           <a:xfrm>
-            <a:off x="5319486" y="4288282"/>
-            <a:ext cx="1112805" cy="523220"/>
+            <a:off x="5357672" y="4454342"/>
+            <a:ext cx="1473480" cy="523220"/>
           </a:xfrm>
           <a:prstGeom prst="rect">
             <a:avLst/>
@@ -20055,8 +18726,8 @@
           <a:lstStyle/>
           <a:p>
             <a:r>
-              <a:rPr lang="en-US" sz="2800" dirty="0"/>
-              <a:t>смяна</a:t>
+              <a:rPr lang="bg-BG" sz="2800" dirty="0"/>
+              <a:t>размяна</a:t>
             </a:r>
             <a:endParaRPr lang="en-US" sz="2800" dirty="0">
               <a:ea typeface="Calibri"/>
@@ -20101,7 +18772,7 @@
             <a:fld id="{2BF067CD-8E6B-4360-9AA8-C5DF2A48A6D1}" type="slidenum">
               <a:rPr lang="en-US" noProof="0" smtClean="0"/>
               <a:pPr/>
-              <a:t>20</a:t>
+              <a:t>19</a:t>
             </a:fld>
             <a:endParaRPr lang="en-US" noProof="0" dirty="0"/>
           </a:p>
@@ -20635,7 +19306,440 @@
 </p:sld>
 </file>
 
-<file path=ppt/slides/slide21.xml><?xml version="1.0" encoding="utf-8"?>
+<file path=ppt/slides/slide2.xml><?xml version="1.0" encoding="utf-8"?>
+<p:sld xmlns:a="http://schemas.openxmlformats.org/drawingml/2006/main" xmlns:r="http://schemas.openxmlformats.org/officeDocument/2006/relationships" xmlns:p="http://schemas.openxmlformats.org/presentationml/2006/main">
+  <p:cSld>
+    <p:spTree>
+      <p:nvGrpSpPr>
+        <p:cNvPr id="1" name=""/>
+        <p:cNvGrpSpPr/>
+        <p:nvPr/>
+      </p:nvGrpSpPr>
+      <p:grpSpPr>
+        <a:xfrm>
+          <a:off x="0" y="0"/>
+          <a:ext cx="0" cy="0"/>
+          <a:chOff x="0" y="0"/>
+          <a:chExt cx="0" cy="0"/>
+        </a:xfrm>
+      </p:grpSpPr>
+      <p:sp>
+        <p:nvSpPr>
+          <p:cNvPr id="3" name="Content Placeholder 2">
+            <a:extLst>
+              <a:ext uri="{FF2B5EF4-FFF2-40B4-BE49-F238E27FC236}">
+                <a16:creationId xmlns:a16="http://schemas.microsoft.com/office/drawing/2014/main" id="{ACAA566F-0E0E-4BF9-A3B0-6F01080380A3}"/>
+              </a:ext>
+            </a:extLst>
+          </p:cNvPr>
+          <p:cNvSpPr>
+            <a:spLocks noGrp="1"/>
+          </p:cNvSpPr>
+          <p:nvPr>
+            <p:ph type="body" sz="quarter" idx="13"/>
+          </p:nvPr>
+        </p:nvSpPr>
+        <p:spPr/>
+        <p:txBody>
+          <a:bodyPr vert="horz" lIns="108000" tIns="36000" rIns="108000" bIns="36000" rtlCol="0" anchor="t">
+            <a:normAutofit/>
+          </a:bodyPr>
+          <a:lstStyle/>
+          <a:p>
+            <a:pPr marL="513715" indent="-513715">
+              <a:spcBef>
+                <a:spcPts val="1200"/>
+              </a:spcBef>
+              <a:buClr>
+                <a:schemeClr val="tx1"/>
+              </a:buClr>
+            </a:pPr>
+            <a:r>
+              <a:rPr lang="en-GB" dirty="0"/>
+              <a:t>Масиви</a:t>
+            </a:r>
+            <a:endParaRPr lang="bg-BG" dirty="0"/>
+          </a:p>
+          <a:p>
+            <a:pPr marL="513715" indent="-513715">
+              <a:spcBef>
+                <a:spcPts val="1200"/>
+              </a:spcBef>
+              <a:buClr>
+                <a:schemeClr val="tx1"/>
+              </a:buClr>
+            </a:pPr>
+            <a:r>
+              <a:rPr lang="en-US" dirty="0"/>
+              <a:t>Четене</a:t>
+            </a:r>
+            <a:r>
+              <a:rPr lang="en-US" dirty="0">
+                <a:solidFill>
+                  <a:schemeClr val="bg1"/>
+                </a:solidFill>
+              </a:rPr>
+              <a:t> </a:t>
+            </a:r>
+            <a:r>
+              <a:rPr lang="bg-BG" dirty="0"/>
+              <a:t>и отпечатване </a:t>
+            </a:r>
+            <a:r>
+              <a:rPr lang="en-US" dirty="0">
+                <a:solidFill>
+                  <a:srgbClr val="234465"/>
+                </a:solidFill>
+              </a:rPr>
+              <a:t>на</a:t>
+            </a:r>
+            <a:r>
+              <a:rPr lang="en-US" dirty="0"/>
+              <a:t> масиви</a:t>
+            </a:r>
+            <a:endParaRPr lang="en-US" dirty="0">
+              <a:cs typeface="Calibri"/>
+            </a:endParaRPr>
+          </a:p>
+          <a:p>
+            <a:pPr marL="513715" indent="-513715">
+              <a:spcBef>
+                <a:spcPts val="1200"/>
+              </a:spcBef>
+              <a:buClr>
+                <a:schemeClr val="tx1"/>
+              </a:buClr>
+            </a:pPr>
+            <a:r>
+              <a:rPr lang="en-US" noProof="1"/>
+              <a:t>Foreach</a:t>
+            </a:r>
+            <a:r>
+              <a:rPr lang="en-US" dirty="0"/>
+              <a:t> цикъл</a:t>
+            </a:r>
+            <a:endParaRPr lang="en-GB" dirty="0">
+              <a:cs typeface="Calibri"/>
+            </a:endParaRPr>
+          </a:p>
+          <a:p>
+            <a:pPr marL="513715" indent="-513715"/>
+            <a:endParaRPr lang="en-US" dirty="0">
+              <a:cs typeface="Calibri"/>
+            </a:endParaRPr>
+          </a:p>
+        </p:txBody>
+      </p:sp>
+      <p:sp>
+        <p:nvSpPr>
+          <p:cNvPr id="4" name="Title 3">
+            <a:extLst>
+              <a:ext uri="{FF2B5EF4-FFF2-40B4-BE49-F238E27FC236}">
+                <a16:creationId xmlns:a16="http://schemas.microsoft.com/office/drawing/2014/main" id="{DC603285-689A-4E41-8F77-BD9FEA5C433A}"/>
+              </a:ext>
+            </a:extLst>
+          </p:cNvPr>
+          <p:cNvSpPr>
+            <a:spLocks noGrp="1"/>
+          </p:cNvSpPr>
+          <p:nvPr>
+            <p:ph type="title"/>
+          </p:nvPr>
+        </p:nvSpPr>
+        <p:spPr/>
+        <p:txBody>
+          <a:bodyPr>
+            <a:normAutofit/>
+          </a:bodyPr>
+          <a:lstStyle/>
+          <a:p>
+            <a:r>
+              <a:rPr lang="bg-BG" sz="4000" dirty="0"/>
+              <a:t>Съдържание</a:t>
+            </a:r>
+          </a:p>
+        </p:txBody>
+      </p:sp>
+      <p:sp>
+        <p:nvSpPr>
+          <p:cNvPr id="6" name="Slide Number">
+            <a:extLst>
+              <a:ext uri="{FF2B5EF4-FFF2-40B4-BE49-F238E27FC236}">
+                <a16:creationId xmlns:a16="http://schemas.microsoft.com/office/drawing/2014/main" id="{40A4622B-E584-4DF2-8527-C7EC91A30784}"/>
+              </a:ext>
+            </a:extLst>
+          </p:cNvPr>
+          <p:cNvSpPr txBox="1">
+            <a:spLocks/>
+          </p:cNvSpPr>
+          <p:nvPr/>
+        </p:nvSpPr>
+        <p:spPr>
+          <a:xfrm>
+            <a:off x="11753030" y="6507000"/>
+            <a:ext cx="367414" cy="297000"/>
+          </a:xfrm>
+          <a:prstGeom prst="rect">
+            <a:avLst/>
+          </a:prstGeom>
+        </p:spPr>
+        <p:txBody>
+          <a:bodyPr vert="horz" lIns="91440" tIns="45720" rIns="91440" bIns="45720" rtlCol="0" anchor="b"/>
+          <a:lstStyle>
+            <a:defPPr>
+              <a:defRPr lang="en-US"/>
+            </a:defPPr>
+            <a:lvl1pPr marL="0" algn="r" defTabSz="914400" rtl="0" eaLnBrk="1" latinLnBrk="0" hangingPunct="1">
+              <a:defRPr sz="1000" kern="1200">
+                <a:solidFill>
+                  <a:schemeClr val="tx1"/>
+                </a:solidFill>
+                <a:latin typeface="+mn-lt"/>
+                <a:ea typeface="+mn-ea"/>
+                <a:cs typeface="+mn-cs"/>
+              </a:defRPr>
+            </a:lvl1pPr>
+            <a:lvl2pPr marL="457200" algn="l" defTabSz="914400" rtl="0" eaLnBrk="1" latinLnBrk="0" hangingPunct="1">
+              <a:defRPr sz="1800" kern="1200">
+                <a:solidFill>
+                  <a:schemeClr val="tx1"/>
+                </a:solidFill>
+                <a:latin typeface="+mn-lt"/>
+                <a:ea typeface="+mn-ea"/>
+                <a:cs typeface="+mn-cs"/>
+              </a:defRPr>
+            </a:lvl2pPr>
+            <a:lvl3pPr marL="914400" algn="l" defTabSz="914400" rtl="0" eaLnBrk="1" latinLnBrk="0" hangingPunct="1">
+              <a:defRPr sz="1800" kern="1200">
+                <a:solidFill>
+                  <a:schemeClr val="tx1"/>
+                </a:solidFill>
+                <a:latin typeface="+mn-lt"/>
+                <a:ea typeface="+mn-ea"/>
+                <a:cs typeface="+mn-cs"/>
+              </a:defRPr>
+            </a:lvl3pPr>
+            <a:lvl4pPr marL="1371600" algn="l" defTabSz="914400" rtl="0" eaLnBrk="1" latinLnBrk="0" hangingPunct="1">
+              <a:defRPr sz="1800" kern="1200">
+                <a:solidFill>
+                  <a:schemeClr val="tx1"/>
+                </a:solidFill>
+                <a:latin typeface="+mn-lt"/>
+                <a:ea typeface="+mn-ea"/>
+                <a:cs typeface="+mn-cs"/>
+              </a:defRPr>
+            </a:lvl4pPr>
+            <a:lvl5pPr marL="1828800" algn="l" defTabSz="914400" rtl="0" eaLnBrk="1" latinLnBrk="0" hangingPunct="1">
+              <a:defRPr sz="1800" kern="1200">
+                <a:solidFill>
+                  <a:schemeClr val="tx1"/>
+                </a:solidFill>
+                <a:latin typeface="+mn-lt"/>
+                <a:ea typeface="+mn-ea"/>
+                <a:cs typeface="+mn-cs"/>
+              </a:defRPr>
+            </a:lvl5pPr>
+            <a:lvl6pPr marL="2286000" algn="l" defTabSz="914400" rtl="0" eaLnBrk="1" latinLnBrk="0" hangingPunct="1">
+              <a:defRPr sz="1800" kern="1200">
+                <a:solidFill>
+                  <a:schemeClr val="tx1"/>
+                </a:solidFill>
+                <a:latin typeface="+mn-lt"/>
+                <a:ea typeface="+mn-ea"/>
+                <a:cs typeface="+mn-cs"/>
+              </a:defRPr>
+            </a:lvl6pPr>
+            <a:lvl7pPr marL="2743200" algn="l" defTabSz="914400" rtl="0" eaLnBrk="1" latinLnBrk="0" hangingPunct="1">
+              <a:defRPr sz="1800" kern="1200">
+                <a:solidFill>
+                  <a:schemeClr val="tx1"/>
+                </a:solidFill>
+                <a:latin typeface="+mn-lt"/>
+                <a:ea typeface="+mn-ea"/>
+                <a:cs typeface="+mn-cs"/>
+              </a:defRPr>
+            </a:lvl7pPr>
+            <a:lvl8pPr marL="3200400" algn="l" defTabSz="914400" rtl="0" eaLnBrk="1" latinLnBrk="0" hangingPunct="1">
+              <a:defRPr sz="1800" kern="1200">
+                <a:solidFill>
+                  <a:schemeClr val="tx1"/>
+                </a:solidFill>
+                <a:latin typeface="+mn-lt"/>
+                <a:ea typeface="+mn-ea"/>
+                <a:cs typeface="+mn-cs"/>
+              </a:defRPr>
+            </a:lvl8pPr>
+            <a:lvl9pPr marL="3657600" algn="l" defTabSz="914400" rtl="0" eaLnBrk="1" latinLnBrk="0" hangingPunct="1">
+              <a:defRPr sz="1800" kern="1200">
+                <a:solidFill>
+                  <a:schemeClr val="tx1"/>
+                </a:solidFill>
+                <a:latin typeface="+mn-lt"/>
+                <a:ea typeface="+mn-ea"/>
+                <a:cs typeface="+mn-cs"/>
+              </a:defRPr>
+            </a:lvl9pPr>
+          </a:lstStyle>
+          <a:p>
+            <a:fld id="{2BF067CD-8E6B-4360-9AA8-C5DF2A48A6D1}" type="slidenum">
+              <a:rPr lang="en-US" smtClean="0"/>
+              <a:pPr/>
+              <a:t>2</a:t>
+            </a:fld>
+            <a:endParaRPr lang="en-US" dirty="0"/>
+          </a:p>
+        </p:txBody>
+      </p:sp>
+    </p:spTree>
+    <p:extLst>
+      <p:ext uri="{BB962C8B-B14F-4D97-AF65-F5344CB8AC3E}">
+        <p14:creationId xmlns:p14="http://schemas.microsoft.com/office/powerpoint/2010/main" val="4225875527"/>
+      </p:ext>
+    </p:extLst>
+  </p:cSld>
+  <p:clrMapOvr>
+    <a:masterClrMapping/>
+  </p:clrMapOvr>
+  <mc:AlternateContent xmlns:mc="http://schemas.openxmlformats.org/markup-compatibility/2006" xmlns:p14="http://schemas.microsoft.com/office/powerpoint/2010/main">
+    <mc:Choice Requires="p14">
+      <p:transition spd="slow" p14:dur="2000" advClick="0" advTm="5000"/>
+    </mc:Choice>
+    <mc:Fallback xmlns="">
+      <p:transition spd="slow" advClick="0" advTm="5000"/>
+    </mc:Fallback>
+  </mc:AlternateContent>
+  <p:timing>
+    <p:tnLst>
+      <p:par>
+        <p:cTn id="1" dur="indefinite" restart="never" nodeType="tmRoot">
+          <p:childTnLst>
+            <p:seq concurrent="1" nextAc="seek">
+              <p:cTn id="2" dur="indefinite" nodeType="mainSeq">
+                <p:childTnLst>
+                  <p:par>
+                    <p:cTn id="3" fill="hold">
+                      <p:stCondLst>
+                        <p:cond delay="indefinite"/>
+                      </p:stCondLst>
+                      <p:childTnLst>
+                        <p:par>
+                          <p:cTn id="4" fill="hold">
+                            <p:stCondLst>
+                              <p:cond delay="0"/>
+                            </p:stCondLst>
+                            <p:childTnLst>
+                              <p:par>
+                                <p:cTn id="5" presetID="1" presetClass="entr" presetSubtype="0" fill="hold" nodeType="clickEffect">
+                                  <p:stCondLst>
+                                    <p:cond delay="0"/>
+                                  </p:stCondLst>
+                                  <p:childTnLst>
+                                    <p:set>
+                                      <p:cBhvr>
+                                        <p:cTn id="6" dur="1" fill="hold">
+                                          <p:stCondLst>
+                                            <p:cond delay="0"/>
+                                          </p:stCondLst>
+                                        </p:cTn>
+                                        <p:tgtEl>
+                                          <p:spTgt spid="3">
+                                            <p:txEl>
+                                              <p:pRg st="1" end="1"/>
+                                            </p:txEl>
+                                          </p:spTgt>
+                                        </p:tgtEl>
+                                        <p:attrNameLst>
+                                          <p:attrName>style.visibility</p:attrName>
+                                        </p:attrNameLst>
+                                      </p:cBhvr>
+                                      <p:to>
+                                        <p:strVal val="visible"/>
+                                      </p:to>
+                                    </p:set>
+                                  </p:childTnLst>
+                                </p:cTn>
+                              </p:par>
+                            </p:childTnLst>
+                          </p:cTn>
+                        </p:par>
+                      </p:childTnLst>
+                    </p:cTn>
+                  </p:par>
+                  <p:par>
+                    <p:cTn id="7" fill="hold">
+                      <p:stCondLst>
+                        <p:cond delay="indefinite"/>
+                      </p:stCondLst>
+                      <p:childTnLst>
+                        <p:par>
+                          <p:cTn id="8" fill="hold">
+                            <p:stCondLst>
+                              <p:cond delay="0"/>
+                            </p:stCondLst>
+                            <p:childTnLst>
+                              <p:par>
+                                <p:cTn id="9" presetID="1" presetClass="entr" presetSubtype="0" fill="hold" nodeType="clickEffect">
+                                  <p:stCondLst>
+                                    <p:cond delay="0"/>
+                                  </p:stCondLst>
+                                  <p:childTnLst>
+                                    <p:set>
+                                      <p:cBhvr>
+                                        <p:cTn id="10" dur="1" fill="hold">
+                                          <p:stCondLst>
+                                            <p:cond delay="0"/>
+                                          </p:stCondLst>
+                                        </p:cTn>
+                                        <p:tgtEl>
+                                          <p:spTgt spid="3">
+                                            <p:txEl>
+                                              <p:pRg st="2" end="2"/>
+                                            </p:txEl>
+                                          </p:spTgt>
+                                        </p:tgtEl>
+                                        <p:attrNameLst>
+                                          <p:attrName>style.visibility</p:attrName>
+                                        </p:attrNameLst>
+                                      </p:cBhvr>
+                                      <p:to>
+                                        <p:strVal val="visible"/>
+                                      </p:to>
+                                    </p:set>
+                                  </p:childTnLst>
+                                </p:cTn>
+                              </p:par>
+                            </p:childTnLst>
+                          </p:cTn>
+                        </p:par>
+                      </p:childTnLst>
+                    </p:cTn>
+                  </p:par>
+                </p:childTnLst>
+              </p:cTn>
+              <p:prevCondLst>
+                <p:cond evt="onPrev" delay="0">
+                  <p:tgtEl>
+                    <p:sldTgt/>
+                  </p:tgtEl>
+                </p:cond>
+              </p:prevCondLst>
+              <p:nextCondLst>
+                <p:cond evt="onNext" delay="0">
+                  <p:tgtEl>
+                    <p:sldTgt/>
+                  </p:tgtEl>
+                </p:cond>
+              </p:nextCondLst>
+            </p:seq>
+          </p:childTnLst>
+        </p:cTn>
+      </p:par>
+    </p:tnLst>
+  </p:timing>
+</p:sld>
+</file>
+
+<file path=ppt/slides/slide20.xml><?xml version="1.0" encoding="utf-8"?>
 <p:sld xmlns:a="http://schemas.openxmlformats.org/drawingml/2006/main" xmlns:r="http://schemas.openxmlformats.org/officeDocument/2006/relationships" xmlns:p="http://schemas.openxmlformats.org/presentationml/2006/main">
   <p:cSld>
     <p:spTree>
@@ -20980,7 +20084,7 @@
             <a:fld id="{2BF067CD-8E6B-4360-9AA8-C5DF2A48A6D1}" type="slidenum">
               <a:rPr lang="en-US" smtClean="0"/>
               <a:pPr/>
-              <a:t>21</a:t>
+              <a:t>20</a:t>
             </a:fld>
             <a:endParaRPr lang="en-US" dirty="0"/>
           </a:p>
@@ -21344,7 +20448,7 @@
 </p:sld>
 </file>
 
-<file path=ppt/slides/slide22.xml><?xml version="1.0" encoding="utf-8"?>
+<file path=ppt/slides/slide21.xml><?xml version="1.0" encoding="utf-8"?>
 <p:sld xmlns:a="http://schemas.openxmlformats.org/drawingml/2006/main" xmlns:r="http://schemas.openxmlformats.org/officeDocument/2006/relationships" xmlns:p="http://schemas.openxmlformats.org/presentationml/2006/main">
   <p:cSld>
     <p:spTree>
@@ -21491,7 +20595,7 @@
 </p:sld>
 </file>
 
-<file path=ppt/slides/slide23.xml><?xml version="1.0" encoding="utf-8"?>
+<file path=ppt/slides/slide22.xml><?xml version="1.0" encoding="utf-8"?>
 <p:sld xmlns:a="http://schemas.openxmlformats.org/drawingml/2006/main" xmlns:r="http://schemas.openxmlformats.org/officeDocument/2006/relationships" xmlns:p="http://schemas.openxmlformats.org/presentationml/2006/main">
   <p:cSld>
     <p:spTree>
@@ -21527,7 +20631,7 @@
         <p:spPr>
           <a:xfrm>
             <a:off x="2062766" y="1108911"/>
-            <a:ext cx="10129234" cy="5546589"/>
+            <a:ext cx="10057678" cy="5546589"/>
           </a:xfrm>
         </p:spPr>
         <p:txBody>
@@ -21538,14 +20642,14 @@
           <a:p>
             <a:pPr marL="360045" indent="-360045"/>
             <a:r>
-              <a:rPr lang="en-GB" sz="3600" dirty="0">
+              <a:rPr lang="en-GB" sz="3500" dirty="0">
                 <a:ea typeface="+mn-lt"/>
                 <a:cs typeface="+mn-lt"/>
               </a:rPr>
               <a:t>Преминава през </a:t>
             </a:r>
             <a:r>
-              <a:rPr lang="en-GB" sz="3600" b="1" dirty="0">
+              <a:rPr lang="en-GB" sz="3500" b="1" dirty="0">
                 <a:solidFill>
                   <a:schemeClr val="bg1"/>
                 </a:solidFill>
@@ -21555,13 +20659,13 @@
               <a:t>всички елементи</a:t>
             </a:r>
             <a:r>
-              <a:rPr lang="en-GB" sz="3600" dirty="0">
+              <a:rPr lang="en-GB" sz="3500" dirty="0">
                 <a:ea typeface="+mn-lt"/>
                 <a:cs typeface="+mn-lt"/>
               </a:rPr>
               <a:t> в колекцията</a:t>
             </a:r>
-            <a:endParaRPr lang="bg-BG" sz="3600" dirty="0">
+            <a:endParaRPr lang="bg-BG" sz="3500" dirty="0">
               <a:cs typeface="Calibri"/>
             </a:endParaRPr>
           </a:p>
@@ -21572,7 +20676,7 @@
               </a:buClr>
             </a:pPr>
             <a:r>
-              <a:rPr lang="en-GB" sz="3600" b="1" dirty="0">
+              <a:rPr lang="en-GB" sz="3500" b="1" dirty="0">
                 <a:solidFill>
                   <a:schemeClr val="bg1"/>
                 </a:solidFill>
@@ -21580,10 +20684,18 @@
               <a:t>Няма </a:t>
             </a:r>
             <a:r>
-              <a:rPr lang="en-GB" sz="3600" dirty="0"/>
-              <a:t>достъп до сегашния индекс</a:t>
-            </a:r>
-            <a:endParaRPr lang="en-GB" sz="3600" dirty="0">
+              <a:rPr lang="en-GB" sz="3500" dirty="0"/>
+              <a:t>достъп до </a:t>
+            </a:r>
+            <a:r>
+              <a:rPr lang="bg-BG" sz="3500" dirty="0"/>
+              <a:t>текущия </a:t>
+            </a:r>
+            <a:r>
+              <a:rPr lang="en-GB" sz="3500" dirty="0"/>
+              <a:t>индекс</a:t>
+            </a:r>
+            <a:endParaRPr lang="en-GB" sz="3500" dirty="0">
               <a:ea typeface="Calibri"/>
               <a:cs typeface="Calibri"/>
             </a:endParaRPr>
@@ -21595,17 +20707,26 @@
               </a:buClr>
             </a:pPr>
             <a:r>
-              <a:rPr lang="en-GB" sz="3600" b="1" dirty="0">
+              <a:rPr lang="en-GB" sz="3500" b="1" dirty="0">
                 <a:solidFill>
                   <a:schemeClr val="bg1"/>
                 </a:solidFill>
               </a:rPr>
               <a:t>Read-only</a:t>
             </a:r>
-            <a:endParaRPr lang="en-GB" sz="3600" b="1" dirty="0">
-              <a:solidFill>
-                <a:schemeClr val="bg1"/>
-              </a:solidFill>
+            <a:r>
+              <a:rPr lang="bg-BG" sz="3500" b="1" dirty="0">
+                <a:solidFill>
+                  <a:schemeClr val="bg1"/>
+                </a:solidFill>
+              </a:rPr>
+              <a:t> </a:t>
+            </a:r>
+            <a:r>
+              <a:rPr lang="bg-BG" sz="3500" dirty="0"/>
+              <a:t>(не може да се променят елементите)</a:t>
+            </a:r>
+            <a:endParaRPr lang="en-GB" sz="3500" b="1" dirty="0">
               <a:ea typeface="Calibri"/>
               <a:cs typeface="Calibri"/>
             </a:endParaRPr>
@@ -21754,28 +20875,32 @@
             </a:pPr>
             <a:r>
               <a:rPr lang="en-GB" sz="2800" b="1" dirty="0">
-                <a:solidFill>
-                  <a:schemeClr val="tx1">
-                    <a:lumMod val="75000"/>
-                  </a:schemeClr>
-                </a:solidFill>
                 <a:latin typeface="Consolas"/>
               </a:rPr>
               <a:t>    </a:t>
             </a:r>
             <a:r>
               <a:rPr lang="en-GB" sz="2800" b="1" i="1" dirty="0">
-                <a:solidFill>
-                  <a:schemeClr val="accent2"/>
-                </a:solidFill>
                 <a:latin typeface="Consolas"/>
               </a:rPr>
-              <a:t>// Използване на стойността тук</a:t>
+              <a:t>Console.WriteLine(</a:t>
+            </a:r>
+            <a:r>
+              <a:rPr lang="en-GB" sz="2800" b="1" i="1" dirty="0">
+                <a:solidFill>
+                  <a:schemeClr val="accent1"/>
+                </a:solidFill>
+                <a:latin typeface="Consolas"/>
+              </a:rPr>
+              <a:t>item</a:t>
+            </a:r>
+            <a:r>
+              <a:rPr lang="en-GB" sz="2800" b="1" i="1" dirty="0">
+                <a:latin typeface="Consolas"/>
+              </a:rPr>
+              <a:t>);</a:t>
             </a:r>
             <a:endParaRPr lang="en-GB" sz="2800" b="1" i="1" dirty="0">
-              <a:solidFill>
-                <a:schemeClr val="accent2"/>
-              </a:solidFill>
               <a:latin typeface="Consolas" pitchFamily="49" charset="0"/>
             </a:endParaRPr>
           </a:p>
@@ -21816,7 +20941,7 @@
         </p:nvGrpSpPr>
         <p:grpSpPr>
           <a:xfrm>
-            <a:off x="8991600" y="2320973"/>
+            <a:off x="9656359" y="3688580"/>
             <a:ext cx="2464085" cy="2464085"/>
             <a:chOff x="8599852" y="3338140"/>
             <a:chExt cx="2819400" cy="2819400"/>
@@ -22065,7 +21190,7 @@
             <a:fld id="{2BF067CD-8E6B-4360-9AA8-C5DF2A48A6D1}" type="slidenum">
               <a:rPr lang="en-US" smtClean="0"/>
               <a:pPr/>
-              <a:t>23</a:t>
+              <a:t>22</a:t>
             </a:fld>
             <a:endParaRPr lang="en-US" dirty="0"/>
           </a:p>
@@ -22392,7 +21517,7 @@
 </p:sld>
 </file>
 
-<file path=ppt/slides/slide24.xml><?xml version="1.0" encoding="utf-8"?>
+<file path=ppt/slides/slide23.xml><?xml version="1.0" encoding="utf-8"?>
 <p:sld xmlns:a="http://schemas.openxmlformats.org/drawingml/2006/main" xmlns:r="http://schemas.openxmlformats.org/officeDocument/2006/relationships" xmlns:p="http://schemas.openxmlformats.org/presentationml/2006/main">
   <p:cSld>
     <p:spTree>
@@ -22427,8 +21552,8 @@
         </p:nvSpPr>
         <p:spPr>
           <a:xfrm>
-            <a:off x="674683" y="2034000"/>
-            <a:ext cx="10836275" cy="2610000"/>
+            <a:off x="674683" y="1952720"/>
+            <a:ext cx="10836275" cy="3172764"/>
           </a:xfrm>
         </p:spPr>
         <p:txBody>
@@ -22452,6 +21577,14 @@
               <a:rPr lang="en-US" sz="3200" dirty="0"/>
               <a:t> numbers = { 1, 2, 3, 4, 5 };</a:t>
             </a:r>
+          </a:p>
+          <a:p>
+            <a:pPr>
+              <a:lnSpc>
+                <a:spcPct val="100000"/>
+              </a:lnSpc>
+            </a:pPr>
+            <a:endParaRPr lang="en-US" sz="3200" dirty="0"/>
           </a:p>
           <a:p>
             <a:pPr>
@@ -22545,8 +21678,12 @@
           <a:lstStyle/>
           <a:p>
             <a:r>
+              <a:rPr lang="bg-BG" sz="3950" dirty="0"/>
+              <a:t>Отпечатване</a:t>
+            </a:r>
+            <a:r>
               <a:rPr lang="en-US" sz="3950" dirty="0"/>
-              <a:t>Принтиране на масив чрез Foreach</a:t>
+              <a:t> на масив чрез Foreach</a:t>
             </a:r>
           </a:p>
         </p:txBody>
@@ -22839,7 +21976,7 @@
             <a:fld id="{2BF067CD-8E6B-4360-9AA8-C5DF2A48A6D1}" type="slidenum">
               <a:rPr lang="en-US" smtClean="0"/>
               <a:pPr/>
-              <a:t>24</a:t>
+              <a:t>23</a:t>
             </a:fld>
             <a:endParaRPr lang="en-US" dirty="0"/>
           </a:p>
@@ -22899,7 +22036,7 @@
                                         <p:tgtEl>
                                           <p:spTgt spid="7">
                                             <p:txEl>
-                                              <p:pRg st="1" end="1"/>
+                                              <p:pRg st="2" end="2"/>
                                             </p:txEl>
                                           </p:spTgt>
                                         </p:tgtEl>
@@ -22930,7 +22067,7 @@
                                         <p:tgtEl>
                                           <p:spTgt spid="7">
                                             <p:txEl>
-                                              <p:pRg st="2" end="2"/>
+                                              <p:pRg st="3" end="3"/>
                                             </p:txEl>
                                           </p:spTgt>
                                         </p:tgtEl>
@@ -22961,7 +22098,7 @@
                                         <p:tgtEl>
                                           <p:spTgt spid="7">
                                             <p:txEl>
-                                              <p:pRg st="4" end="4"/>
+                                              <p:pRg st="5" end="5"/>
                                             </p:txEl>
                                           </p:spTgt>
                                         </p:tgtEl>
@@ -23010,7 +22147,7 @@
                                         <p:tgtEl>
                                           <p:spTgt spid="7">
                                             <p:txEl>
-                                              <p:pRg st="3" end="3"/>
+                                              <p:pRg st="4" end="4"/>
                                             </p:txEl>
                                           </p:spTgt>
                                         </p:tgtEl>
@@ -23132,7 +22269,7 @@
 </p:sld>
 </file>
 
-<file path=ppt/slides/slide25.xml><?xml version="1.0" encoding="utf-8"?>
+<file path=ppt/slides/slide24.xml><?xml version="1.0" encoding="utf-8"?>
 <p:sld xmlns:a="http://schemas.openxmlformats.org/drawingml/2006/main" xmlns:r="http://schemas.openxmlformats.org/officeDocument/2006/relationships" xmlns:p="http://schemas.openxmlformats.org/presentationml/2006/main">
   <p:cSld>
     <p:spTree>
@@ -23684,7 +22821,27 @@
                 <a:ea typeface="Calibri"/>
                 <a:cs typeface="Calibri"/>
               </a:rPr>
-              <a:t>Масивите представляват </a:t>
+              <a:t>Масив</a:t>
+            </a:r>
+            <a:r>
+              <a:rPr lang="bg-BG" sz="3800" dirty="0">
+                <a:solidFill>
+                  <a:schemeClr val="bg2"/>
+                </a:solidFill>
+                <a:ea typeface="Calibri"/>
+                <a:cs typeface="Calibri"/>
+              </a:rPr>
+              <a:t> ==</a:t>
+            </a:r>
+            <a:r>
+              <a:rPr lang="en-US" sz="3800" dirty="0">
+                <a:solidFill>
+                  <a:schemeClr val="bg2"/>
+                </a:solidFill>
+                <a:ea typeface="Calibri"/>
+                <a:cs typeface="Calibri"/>
+              </a:rPr>
+              <a:t> </a:t>
             </a:r>
             <a:r>
               <a:rPr lang="en-US" sz="3800" b="1" dirty="0">
@@ -23781,7 +22938,7 @@
                 <a:ea typeface="+mn-lt"/>
                 <a:cs typeface="+mn-lt"/>
               </a:rPr>
-              <a:t>та</a:t>
+              <a:t>та </a:t>
             </a:r>
             <a:r>
               <a:rPr lang="en-US" sz="3600" b="1" dirty="0">
@@ -23794,7 +22951,33 @@
                 <a:ea typeface="+mn-lt"/>
                 <a:cs typeface="+mn-lt"/>
               </a:rPr>
-              <a:t>-1</a:t>
+              <a:t>-</a:t>
+            </a:r>
+            <a:r>
+              <a:rPr lang="bg-BG" sz="3600" b="1" dirty="0">
+                <a:solidFill>
+                  <a:schemeClr val="bg1">
+                    <a:lumMod val="60000"/>
+                    <a:lumOff val="40000"/>
+                  </a:schemeClr>
+                </a:solidFill>
+                <a:ea typeface="+mn-lt"/>
+                <a:cs typeface="+mn-lt"/>
+              </a:rPr>
+              <a:t> </a:t>
+            </a:r>
+            <a:r>
+              <a:rPr lang="en-US" sz="3600" b="1" dirty="0">
+                <a:solidFill>
+                  <a:schemeClr val="bg1">
+                    <a:lumMod val="60000"/>
+                    <a:lumOff val="40000"/>
+                  </a:schemeClr>
+                </a:solidFill>
+                <a:ea typeface="+mn-lt"/>
+                <a:cs typeface="+mn-lt"/>
+              </a:rPr>
+              <a:t>1</a:t>
             </a:r>
           </a:p>
           <a:p>
@@ -23849,12 +23032,36 @@
               </a:spcBef>
             </a:pPr>
             <a:r>
+              <a:rPr lang="bg-BG" sz="3800" dirty="0">
+                <a:solidFill>
+                  <a:schemeClr val="bg2"/>
+                </a:solidFill>
+              </a:rPr>
+              <a:t>Д</a:t>
+            </a:r>
+            <a:r>
               <a:rPr lang="en-US" sz="3800" dirty="0">
                 <a:solidFill>
                   <a:schemeClr val="bg2"/>
                 </a:solidFill>
               </a:rPr>
-              <a:t>Достъп до елементите чрез </a:t>
+              <a:t>остъп</a:t>
+            </a:r>
+            <a:r>
+              <a:rPr lang="bg-BG" sz="3800" dirty="0">
+                <a:solidFill>
+                  <a:schemeClr val="bg2"/>
+                </a:solidFill>
+              </a:rPr>
+              <a:t>ваме </a:t>
+            </a:r>
+            <a:r>
+              <a:rPr lang="en-US" sz="3800" dirty="0">
+                <a:solidFill>
+                  <a:schemeClr val="bg2"/>
+                </a:solidFill>
+              </a:rPr>
+              <a:t>елементите чрез </a:t>
             </a:r>
             <a:r>
               <a:rPr lang="en-US" sz="3800" b="1" dirty="0">
@@ -23909,7 +23116,15 @@
                   <a:schemeClr val="bg2"/>
                 </a:solidFill>
               </a:rPr>
-              <a:t>чатване на елементите: </a:t>
+              <a:t>чатване на елементите</a:t>
+            </a:r>
+            <a:r>
+              <a:rPr lang="bg-BG" sz="3800" dirty="0">
+                <a:solidFill>
+                  <a:schemeClr val="bg2"/>
+                </a:solidFill>
+              </a:rPr>
+              <a:t> – </a:t>
             </a:r>
             <a:r>
               <a:rPr lang="en-US" sz="3800" b="1" dirty="0">
@@ -23919,10 +23134,100 @@
                     <a:lumOff val="40000"/>
                   </a:schemeClr>
                 </a:solidFill>
-                <a:latin typeface="Consolas"/>
+                <a:latin typeface="Consolas" panose="020B0609020204030204" pitchFamily="49" charset="0"/>
+                <a:cs typeface="Consolas" panose="020B0609020204030204" pitchFamily="49" charset="0"/>
+              </a:rPr>
+              <a:t>for-</a:t>
+            </a:r>
+            <a:r>
+              <a:rPr lang="bg-BG" sz="3800" b="1" dirty="0">
+                <a:solidFill>
+                  <a:schemeClr val="bg1">
+                    <a:lumMod val="60000"/>
+                    <a:lumOff val="40000"/>
+                  </a:schemeClr>
+                </a:solidFill>
+                <a:latin typeface="Calibri" panose="020F0502020204030204" pitchFamily="34" charset="0"/>
+                <a:cs typeface="Calibri" panose="020F0502020204030204" pitchFamily="34" charset="0"/>
+              </a:rPr>
+              <a:t>цикъл</a:t>
+            </a:r>
+            <a:r>
+              <a:rPr lang="bg-BG" sz="3800" dirty="0">
+                <a:solidFill>
+                  <a:schemeClr val="bg2"/>
+                </a:solidFill>
+                <a:latin typeface="Calibri" panose="020F0502020204030204" pitchFamily="34" charset="0"/>
+                <a:cs typeface="Calibri" panose="020F0502020204030204" pitchFamily="34" charset="0"/>
+              </a:rPr>
+              <a:t>,</a:t>
+            </a:r>
+            <a:r>
+              <a:rPr lang="en-US" sz="3800" dirty="0">
+                <a:solidFill>
+                  <a:schemeClr val="bg2"/>
+                </a:solidFill>
+                <a:latin typeface="Calibri" panose="020F0502020204030204" pitchFamily="34" charset="0"/>
+                <a:cs typeface="Calibri" panose="020F0502020204030204" pitchFamily="34" charset="0"/>
+              </a:rPr>
+              <a:t> </a:t>
+            </a:r>
+            <a:r>
+              <a:rPr lang="en-US" sz="3800" b="1" dirty="0">
+                <a:solidFill>
+                  <a:schemeClr val="bg1">
+                    <a:lumMod val="60000"/>
+                    <a:lumOff val="40000"/>
+                  </a:schemeClr>
+                </a:solidFill>
+                <a:latin typeface="Consolas" panose="020B0609020204030204" pitchFamily="49" charset="0"/>
+                <a:cs typeface="Consolas" panose="020B0609020204030204" pitchFamily="49" charset="0"/>
+              </a:rPr>
+              <a:t>foreach</a:t>
+            </a:r>
+            <a:r>
+              <a:rPr lang="en-US" sz="3800" dirty="0">
+                <a:solidFill>
+                  <a:schemeClr val="bg2"/>
+                </a:solidFill>
+                <a:latin typeface="Calibri" panose="020F0502020204030204" pitchFamily="34" charset="0"/>
+                <a:cs typeface="Calibri" panose="020F0502020204030204" pitchFamily="34" charset="0"/>
+              </a:rPr>
+              <a:t>,</a:t>
+            </a:r>
+            <a:r>
+              <a:rPr lang="bg-BG" sz="3800" dirty="0">
+                <a:solidFill>
+                  <a:schemeClr val="bg2"/>
+                </a:solidFill>
+                <a:latin typeface="Calibri" panose="020F0502020204030204" pitchFamily="34" charset="0"/>
+                <a:cs typeface="Calibri" panose="020F0502020204030204" pitchFamily="34" charset="0"/>
+              </a:rPr>
+              <a:t> </a:t>
+            </a:r>
+            <a:r>
+              <a:rPr lang="en-US" sz="3800" b="1" noProof="1">
+                <a:solidFill>
+                  <a:schemeClr val="bg1">
+                    <a:lumMod val="60000"/>
+                    <a:lumOff val="40000"/>
+                  </a:schemeClr>
+                </a:solidFill>
+                <a:latin typeface="Consolas" panose="020B0609020204030204" pitchFamily="49" charset="0"/>
+                <a:cs typeface="Consolas" panose="020B0609020204030204" pitchFamily="49" charset="0"/>
               </a:rPr>
               <a:t>string.Join()</a:t>
             </a:r>
+            <a:endParaRPr lang="en-US" sz="3800" b="1" dirty="0">
+              <a:solidFill>
+                <a:schemeClr val="bg1">
+                  <a:lumMod val="60000"/>
+                  <a:lumOff val="40000"/>
+                </a:schemeClr>
+              </a:solidFill>
+              <a:latin typeface="Consolas" panose="020B0609020204030204" pitchFamily="49" charset="0"/>
+              <a:cs typeface="Consolas" panose="020B0609020204030204" pitchFamily="49" charset="0"/>
+            </a:endParaRPr>
           </a:p>
         </p:txBody>
       </p:sp>
@@ -23962,7 +23267,7 @@
             <a:fld id="{2BF067CD-8E6B-4360-9AA8-C5DF2A48A6D1}" type="slidenum">
               <a:rPr lang="en-US" noProof="0" smtClean="0"/>
               <a:pPr/>
-              <a:t>25</a:t>
+              <a:t>24</a:t>
             </a:fld>
             <a:endParaRPr lang="en-US" noProof="0" dirty="0"/>
           </a:p>
@@ -24215,7 +23520,7 @@
 </p:sld>
 </file>
 
-<file path=ppt/slides/slide26.xml><?xml version="1.0" encoding="utf-8"?>
+<file path=ppt/slides/slide25.xml><?xml version="1.0" encoding="utf-8"?>
 <p:sld xmlns:a="http://schemas.openxmlformats.org/drawingml/2006/main" xmlns:r="http://schemas.openxmlformats.org/officeDocument/2006/relationships" xmlns:p="http://schemas.openxmlformats.org/presentationml/2006/main">
   <p:cSld>
     <p:spTree>
@@ -24286,7 +23591,7 @@
 </p:sld>
 </file>
 
-<file path=ppt/slides/slide27.xml><?xml version="1.0" encoding="utf-8"?>
+<file path=ppt/slides/slide26.xml><?xml version="1.0" encoding="utf-8"?>
 <p:sld xmlns:a="http://schemas.openxmlformats.org/drawingml/2006/main" xmlns:r="http://schemas.openxmlformats.org/officeDocument/2006/relationships" xmlns:p="http://schemas.openxmlformats.org/presentationml/2006/main">
   <p:cSld>
     <p:spTree>
@@ -24550,7 +23855,7 @@
             <a:fld id="{2BF067CD-8E6B-4360-9AA8-C5DF2A48A6D1}" type="slidenum">
               <a:rPr lang="en-US" noProof="0" smtClean="0"/>
               <a:pPr/>
-              <a:t>27</a:t>
+              <a:t>26</a:t>
             </a:fld>
             <a:endParaRPr lang="en-US" noProof="0" dirty="0"/>
           </a:p>
@@ -24624,7 +23929,7 @@
               <a:rPr lang="bg-BG" dirty="0"/>
               <a:t>Създаване и манипулация на масиви</a:t>
             </a:r>
-            <a:endParaRPr lang="en-BG"/>
+            <a:endParaRPr lang="en-BG" dirty="0"/>
           </a:p>
         </p:txBody>
       </p:sp>
@@ -24749,12 +24054,12 @@
         <p:spPr>
           <a:xfrm>
             <a:off x="1864243" y="1124744"/>
-            <a:ext cx="10378169" cy="5276048"/>
+            <a:ext cx="10601797" cy="5632506"/>
           </a:xfrm>
         </p:spPr>
         <p:txBody>
           <a:bodyPr vert="horz" lIns="108000" tIns="36000" rIns="108000" bIns="36000" rtlCol="0" anchor="t">
-            <a:normAutofit fontScale="92500"/>
+            <a:normAutofit lnSpcReduction="10000"/>
           </a:bodyPr>
           <a:lstStyle/>
           <a:p>
@@ -24900,11 +24205,11 @@
                   <a:schemeClr val="bg1"/>
                 </a:solidFill>
               </a:rPr>
-              <a:t>един и същ тип данни </a:t>
+              <a:t>един и същ тип данни </a:t>
             </a:r>
             <a:r>
               <a:rPr lang="bg-BG" sz="3150" dirty="0"/>
-              <a:t>(например числа)</a:t>
+              <a:t>(например цели числа)</a:t>
             </a:r>
             <a:endParaRPr lang="bg-BG" sz="3150" dirty="0">
               <a:cs typeface="Calibri"/>
@@ -24950,9 +24255,20 @@
             </a:r>
             <a:r>
               <a:rPr lang="bg-BG" sz="3150" dirty="0"/>
-              <a:t>), която не може да се променя</a:t>
-            </a:r>
-            <a:endParaRPr lang="bg-BG" sz="3150" dirty="0">
+              <a:t>), която </a:t>
+            </a:r>
+            <a:r>
+              <a:rPr lang="bg-BG" sz="3150" b="1" dirty="0">
+                <a:solidFill>
+                  <a:schemeClr val="bg1"/>
+                </a:solidFill>
+              </a:rPr>
+              <a:t>не може да се променя</a:t>
+            </a:r>
+            <a:endParaRPr lang="bg-BG" sz="3150" b="1" dirty="0">
+              <a:solidFill>
+                <a:schemeClr val="bg1"/>
+              </a:solidFill>
               <a:cs typeface="Calibri"/>
             </a:endParaRPr>
           </a:p>
@@ -24974,8 +24290,12 @@
           <a:lstStyle/>
           <a:p>
             <a:r>
+              <a:rPr lang="bg-BG" sz="4000" dirty="0"/>
+              <a:t>Какво</a:t>
+            </a:r>
+            <a:r>
               <a:rPr lang="bg-BG" sz="3950" dirty="0"/>
-              <a:t>Какво означава масив?</a:t>
+              <a:t> означава масив?</a:t>
             </a:r>
           </a:p>
         </p:txBody>
@@ -26309,11 +25629,19 @@
               </a:lnSpc>
             </a:pPr>
             <a:r>
-              <a:rPr lang="en-US" sz="3350" dirty="0"/>
-              <a:t>Изполвайте ключовата</a:t>
-            </a:r>
-            <a:r>
-              <a:rPr lang="en-US" sz="3350" dirty="0">
+              <a:rPr lang="en-US" sz="3600" dirty="0"/>
+              <a:t>Изполва</a:t>
+            </a:r>
+            <a:r>
+              <a:rPr lang="bg-BG" sz="3600" dirty="0"/>
+              <a:t>ме</a:t>
+            </a:r>
+            <a:r>
+              <a:rPr lang="en-US" sz="3600" dirty="0"/>
+              <a:t> ключовата</a:t>
+            </a:r>
+            <a:r>
+              <a:rPr lang="en-US" sz="3600" dirty="0">
                 <a:solidFill>
                   <a:srgbClr val="234465"/>
                 </a:solidFill>
@@ -26321,7 +25649,7 @@
               <a:t> дума </a:t>
             </a:r>
             <a:r>
-              <a:rPr lang="en-US" sz="3350" b="1" dirty="0">
+              <a:rPr lang="en-US" sz="3600" b="1" dirty="0">
                 <a:solidFill>
                   <a:schemeClr val="bg1"/>
                 </a:solidFill>
@@ -26330,67 +25658,63 @@
               </a:rPr>
               <a:t>new</a:t>
             </a:r>
-            <a:r>
-              <a:rPr lang="en-US" sz="3350" dirty="0">
-                <a:latin typeface="Calibri" panose="020F0502020204030204" pitchFamily="34" charset="0"/>
-                <a:cs typeface="Calibri" panose="020F0502020204030204" pitchFamily="34" charset="0"/>
-              </a:rPr>
-              <a:t>:</a:t>
-            </a:r>
-          </a:p>
-          <a:p>
-            <a:pPr lvl="1" indent="-360045">
+            <a:endParaRPr lang="en-US" sz="3600" dirty="0">
+              <a:latin typeface="Calibri" panose="020F0502020204030204" pitchFamily="34" charset="0"/>
+              <a:cs typeface="Calibri" panose="020F0502020204030204" pitchFamily="34" charset="0"/>
+            </a:endParaRPr>
+          </a:p>
+          <a:p>
+            <a:pPr marL="360045" indent="-360045">
               <a:lnSpc>
                 <a:spcPct val="100000"/>
               </a:lnSpc>
+              <a:spcBef>
+                <a:spcPts val="2000"/>
+              </a:spcBef>
             </a:pPr>
             <a:r>
-              <a:rPr lang="bg-BG" sz="3150" dirty="0">
+              <a:rPr lang="en-US" sz="3600" dirty="0">
                 <a:cs typeface="Calibri"/>
               </a:rPr>
-              <a:t>С</a:t>
-            </a:r>
-            <a:r>
-              <a:rPr lang="en-US" sz="3150" dirty="0">
-                <a:cs typeface="Calibri"/>
-              </a:rPr>
-              <a:t>ъздаване на масива</a:t>
-            </a:r>
-            <a:endParaRPr lang="bg-BG" sz="3150" dirty="0">
-              <a:cs typeface="Calibri"/>
-            </a:endParaRPr>
-          </a:p>
-          <a:p>
-            <a:pPr lvl="1" indent="-360045">
-              <a:lnSpc>
-                <a:spcPct val="100000"/>
-              </a:lnSpc>
-            </a:pPr>
-            <a:r>
-              <a:rPr lang="bg-BG" sz="3150" dirty="0">
-                <a:cs typeface="Calibri"/>
-              </a:rPr>
-              <a:t>И</a:t>
-            </a:r>
-            <a:r>
-              <a:rPr lang="en-US" sz="3150" dirty="0">
-                <a:cs typeface="Calibri"/>
-              </a:rPr>
-              <a:t>нициализиране на елементите </a:t>
-            </a:r>
-            <a:r>
-              <a:rPr lang="bg-BG" sz="3150" dirty="0">
-                <a:cs typeface="Calibri"/>
-              </a:rPr>
-              <a:t>и</a:t>
-            </a:r>
-            <a:r>
-              <a:rPr lang="en-US" sz="3150" dirty="0">
-                <a:cs typeface="Calibri"/>
-              </a:rPr>
-              <a:t> тяхната стойност</a:t>
-            </a:r>
-            <a:endParaRPr lang="en-US" sz="3150" dirty="0"/>
+              <a:t>Създаване на</a:t>
+            </a:r>
+            <a:r>
+              <a:rPr lang="en-US" sz="3600" dirty="0"/>
+              <a:t> масив </a:t>
+            </a:r>
+            <a:r>
+              <a:rPr lang="bg-BG" sz="3600" dirty="0"/>
+              <a:t>с</a:t>
+            </a:r>
+            <a:r>
+              <a:rPr lang="en-US" sz="3600" dirty="0"/>
+              <a:t> </a:t>
+            </a:r>
+            <a:r>
+              <a:rPr lang="en-US" sz="3600" b="1" dirty="0">
+                <a:solidFill>
+                  <a:schemeClr val="bg1"/>
+                </a:solidFill>
+              </a:rPr>
+              <a:t>10</a:t>
+            </a:r>
+            <a:r>
+              <a:rPr lang="en-US" sz="3600" dirty="0"/>
+              <a:t> </a:t>
+            </a:r>
+            <a:r>
+              <a:rPr lang="bg-BG" sz="3600" b="1" dirty="0">
+                <a:solidFill>
+                  <a:schemeClr val="bg1"/>
+                </a:solidFill>
+              </a:rPr>
+              <a:t>цели числа</a:t>
+            </a:r>
+            <a:r>
+              <a:rPr lang="en-US" sz="3600" dirty="0"/>
+              <a:t>:</a:t>
+            </a:r>
+            <a:endParaRPr lang="bg-BG" sz="3600" dirty="0"/>
           </a:p>
           <a:p>
             <a:pPr marL="360045" indent="-360045">
@@ -26398,49 +25722,7 @@
                 <a:spcPct val="100000"/>
               </a:lnSpc>
             </a:pPr>
-            <a:r>
-              <a:rPr lang="en-US" sz="3350" dirty="0">
-                <a:cs typeface="Calibri"/>
-              </a:rPr>
-              <a:t>Създаване на</a:t>
-            </a:r>
-            <a:r>
-              <a:rPr lang="en-US" sz="3350" dirty="0"/>
-              <a:t> </a:t>
-            </a:r>
-            <a:r>
-              <a:rPr lang="en-US" sz="3350" b="1" dirty="0">
-                <a:solidFill>
-                  <a:schemeClr val="bg1"/>
-                </a:solidFill>
-              </a:rPr>
-              <a:t>масив</a:t>
-            </a:r>
-            <a:r>
-              <a:rPr lang="en-US" sz="3350" dirty="0"/>
-              <a:t> от 10 </a:t>
-            </a:r>
-            <a:r>
-              <a:rPr lang="en-US" sz="3350" b="1" dirty="0">
-                <a:solidFill>
-                  <a:schemeClr val="bg1"/>
-                </a:solidFill>
-              </a:rPr>
-              <a:t>числа</a:t>
-            </a:r>
-            <a:r>
-              <a:rPr lang="en-US" sz="3350" dirty="0"/>
-              <a:t>:</a:t>
-            </a:r>
-            <a:endParaRPr lang="bg-BG" sz="3350" dirty="0"/>
-          </a:p>
-          <a:p>
-            <a:pPr marL="360045" indent="-360045">
-              <a:lnSpc>
-                <a:spcPct val="100000"/>
-              </a:lnSpc>
-            </a:pPr>
-            <a:endParaRPr lang="en-US" dirty="0">
+            <a:endParaRPr lang="en-US" sz="3600" dirty="0">
               <a:cs typeface="Calibri"/>
             </a:endParaRPr>
           </a:p>
@@ -26450,36 +25732,60 @@
                 <a:spcPct val="100000"/>
               </a:lnSpc>
               <a:spcBef>
-                <a:spcPts val="3000"/>
+                <a:spcPts val="5000"/>
               </a:spcBef>
             </a:pPr>
             <a:r>
-              <a:rPr lang="bg-BG" sz="3350" dirty="0"/>
+              <a:rPr lang="bg-BG" sz="3600" dirty="0"/>
               <a:t>Създаване на </a:t>
             </a:r>
             <a:r>
-              <a:rPr lang="en-US" sz="3350" dirty="0"/>
-              <a:t>масив от </a:t>
-            </a:r>
-            <a:r>
-              <a:rPr lang="en-US" sz="3350" b="1" dirty="0">
+              <a:rPr lang="en-US" sz="3600" dirty="0"/>
+              <a:t>масив </a:t>
+            </a:r>
+            <a:r>
+              <a:rPr lang="bg-BG" sz="3600" dirty="0"/>
+              <a:t>с </a:t>
+            </a:r>
+            <a:r>
+              <a:rPr lang="bg-BG" sz="3600" b="1" dirty="0">
                 <a:solidFill>
                   <a:schemeClr val="bg1"/>
                 </a:solidFill>
               </a:rPr>
-              <a:t>низове</a:t>
-            </a:r>
-            <a:r>
-              <a:rPr lang="en-US" sz="3350" dirty="0"/>
+              <a:t>10</a:t>
+            </a:r>
+            <a:r>
+              <a:rPr lang="en-US" sz="3600" dirty="0"/>
+              <a:t> </a:t>
+            </a:r>
+            <a:r>
+              <a:rPr lang="en-US" sz="3600" b="1" dirty="0">
+                <a:solidFill>
+                  <a:schemeClr val="bg1"/>
+                </a:solidFill>
+              </a:rPr>
+              <a:t>низ</a:t>
+            </a:r>
+            <a:r>
+              <a:rPr lang="bg-BG" sz="3600" b="1" dirty="0">
+                <a:solidFill>
+                  <a:schemeClr val="bg1"/>
+                </a:solidFill>
+              </a:rPr>
+              <a:t>а</a:t>
+            </a:r>
+            <a:r>
+              <a:rPr lang="en-US" sz="3600" dirty="0"/>
               <a:t>:</a:t>
             </a:r>
-            <a:endParaRPr lang="en-US" sz="3350" dirty="0">
+            <a:endParaRPr lang="en-US" sz="3600" dirty="0">
               <a:cs typeface="Calibri"/>
             </a:endParaRPr>
           </a:p>
           <a:p>
             <a:pPr marL="360045" indent="-360045"/>
-            <a:endParaRPr lang="en-US" dirty="0">
+            <a:endParaRPr lang="en-US" sz="3600" dirty="0">
               <a:cs typeface="Calibri"/>
             </a:endParaRPr>
           </a:p>
@@ -26487,13 +25793,7 @@
             <a:pPr marL="443230" lvl="1" indent="0">
               <a:buNone/>
             </a:pPr>
-            <a:endParaRPr lang="en-US" dirty="0">
-              <a:cs typeface="Calibri"/>
-            </a:endParaRPr>
-          </a:p>
-          <a:p>
-            <a:pPr lvl="1" indent="-360045"/>
-            <a:endParaRPr lang="bg-BG" dirty="0">
+            <a:endParaRPr lang="en-US" sz="3600" dirty="0">
               <a:cs typeface="Calibri"/>
             </a:endParaRPr>
           </a:p>
@@ -26517,14 +25817,16 @@
         </p:nvSpPr>
         <p:spPr/>
         <p:txBody>
-          <a:bodyPr/>
+          <a:bodyPr>
+            <a:normAutofit/>
+          </a:bodyPr>
           <a:lstStyle/>
           <a:p>
             <a:r>
-              <a:rPr lang="en-US" sz="3950" dirty="0"/>
+              <a:rPr lang="en-US" sz="4000" dirty="0"/>
               <a:t>Създаване на масив</a:t>
             </a:r>
-            <a:endParaRPr lang="bg-BG" dirty="0"/>
+            <a:endParaRPr lang="bg-BG" sz="4000" dirty="0"/>
           </a:p>
         </p:txBody>
       </p:sp>
@@ -26544,8 +25846,8 @@
         </p:nvSpPr>
         <p:spPr>
           <a:xfrm>
-            <a:off x="2431909" y="3766119"/>
-            <a:ext cx="5771212" cy="587121"/>
+            <a:off x="653442" y="2841879"/>
+            <a:ext cx="6631278" cy="648997"/>
           </a:xfrm>
           <a:prstGeom prst="rect">
             <a:avLst/>
@@ -26683,7 +25985,7 @@
           </a:lstStyle>
           <a:p>
             <a:r>
-              <a:rPr lang="en-US" dirty="0">
+              <a:rPr lang="en-US" sz="2800" dirty="0">
                 <a:solidFill>
                   <a:schemeClr val="bg1"/>
                 </a:solidFill>
@@ -26691,11 +25993,11 @@
               <a:t>int[]</a:t>
             </a:r>
             <a:r>
-              <a:rPr lang="en-US" dirty="0"/>
+              <a:rPr lang="en-US" sz="2800" dirty="0"/>
               <a:t> </a:t>
             </a:r>
             <a:r>
-              <a:rPr lang="en-US" dirty="0">
+              <a:rPr lang="en-US" sz="2800" dirty="0">
                 <a:solidFill>
                   <a:schemeClr val="tx1"/>
                 </a:solidFill>
@@ -26703,11 +26005,11 @@
               <a:t>numbers</a:t>
             </a:r>
             <a:r>
-              <a:rPr lang="en-US" dirty="0"/>
+              <a:rPr lang="en-US" sz="2800" dirty="0"/>
               <a:t> = </a:t>
             </a:r>
             <a:r>
-              <a:rPr lang="en-US" dirty="0">
+              <a:rPr lang="en-US" sz="2800" dirty="0">
                 <a:solidFill>
                   <a:schemeClr val="bg1"/>
                 </a:solidFill>
@@ -26733,13 +26035,13 @@
         </p:nvSpPr>
         <p:spPr bwMode="auto">
           <a:xfrm>
-            <a:off x="8769030" y="3269380"/>
-            <a:ext cx="3018098" cy="993478"/>
+            <a:off x="7973025" y="2693439"/>
+            <a:ext cx="3865949" cy="945875"/>
           </a:xfrm>
           <a:prstGeom prst="wedgeRoundRectCallout">
             <a:avLst>
-              <a:gd name="adj1" fmla="val -98665"/>
-              <a:gd name="adj2" fmla="val 28555"/>
+              <a:gd name="adj1" fmla="val -86464"/>
+              <a:gd name="adj2" fmla="val 7093"/>
               <a:gd name="adj3" fmla="val 16667"/>
             </a:avLst>
           </a:prstGeom>
@@ -26785,41 +26087,34 @@
           <a:p>
             <a:pPr algn="ctr"/>
             <a:r>
-              <a:rPr lang="en-US" sz="2400" b="1" noProof="1">
+              <a:rPr lang="bg-BG" sz="2800" b="1" noProof="1">
                 <a:solidFill>
                   <a:schemeClr val="bg2"/>
                 </a:solidFill>
                 <a:ea typeface="+mn-lt"/>
                 <a:cs typeface="+mn-lt"/>
               </a:rPr>
-              <a:t>Всички елементи</a:t>
-            </a:r>
-            <a:br>
-              <a:rPr lang="en-US" sz="2400" b="1" noProof="1">
+              <a:t>Елементите</a:t>
+            </a:r>
+            <a:r>
+              <a:rPr lang="bg-BG" sz="2800" b="1" noProof="1">
                 <a:ea typeface="+mn-lt"/>
                 <a:cs typeface="+mn-lt"/>
               </a:rPr>
-            </a:br>
-            <a:r>
-              <a:rPr lang="en-US" sz="2400" b="1" noProof="1">
+              <a:t> </a:t>
+            </a:r>
+            <a:r>
+              <a:rPr lang="bg-BG" sz="2800" b="1" noProof="1">
                 <a:solidFill>
                   <a:schemeClr val="bg2"/>
                 </a:solidFill>
                 <a:ea typeface="+mn-lt"/>
                 <a:cs typeface="+mn-lt"/>
               </a:rPr>
-              <a:t>  първоначално са</a:t>
-            </a:r>
-            <a:r>
-              <a:rPr lang="en-US" sz="2400" b="1" noProof="1">
-                <a:solidFill>
-                  <a:schemeClr val="bg2"/>
-                </a:solidFill>
-              </a:rPr>
-              <a:t> </a:t>
-            </a:r>
-            <a:r>
-              <a:rPr lang="en-US" sz="2400" b="1" noProof="1">
+              <a:t>имат начална стойност </a:t>
+            </a:r>
+            <a:r>
+              <a:rPr lang="en-US" sz="2800" b="1" noProof="1">
                 <a:solidFill>
                   <a:schemeClr val="bg1">
                     <a:lumMod val="60000"/>
@@ -26848,8 +26143,8 @@
         </p:nvSpPr>
         <p:spPr>
           <a:xfrm>
-            <a:off x="2431909" y="5406049"/>
-            <a:ext cx="5771213" cy="587121"/>
+            <a:off x="653442" y="4682910"/>
+            <a:ext cx="6631278" cy="648997"/>
           </a:xfrm>
           <a:prstGeom prst="rect">
             <a:avLst/>
@@ -26987,7 +26282,7 @@
           </a:lstStyle>
           <a:p>
             <a:r>
-              <a:rPr lang="en-US" dirty="0">
+              <a:rPr lang="en-US" sz="2800" dirty="0">
                 <a:solidFill>
                   <a:schemeClr val="bg1"/>
                 </a:solidFill>
@@ -26995,11 +26290,11 @@
               <a:t>string[]</a:t>
             </a:r>
             <a:r>
-              <a:rPr lang="en-US" dirty="0"/>
+              <a:rPr lang="en-US" sz="2800" dirty="0"/>
               <a:t> </a:t>
             </a:r>
             <a:r>
-              <a:rPr lang="en-US" dirty="0">
+              <a:rPr lang="en-US" sz="2800" dirty="0">
                 <a:solidFill>
                   <a:schemeClr val="tx1"/>
                 </a:solidFill>
@@ -27007,11 +26302,11 @@
               <a:t>names</a:t>
             </a:r>
             <a:r>
-              <a:rPr lang="en-US" dirty="0"/>
+              <a:rPr lang="en-US" sz="2800" dirty="0"/>
               <a:t> = </a:t>
             </a:r>
             <a:r>
-              <a:rPr lang="en-US" dirty="0">
+              <a:rPr lang="en-US" sz="2800" dirty="0">
                 <a:solidFill>
                   <a:schemeClr val="bg1"/>
                 </a:solidFill>
@@ -27037,13 +26332,13 @@
         </p:nvSpPr>
         <p:spPr bwMode="auto">
           <a:xfrm>
-            <a:off x="8695678" y="4847037"/>
-            <a:ext cx="3239946" cy="993478"/>
+            <a:off x="7973025" y="4534470"/>
+            <a:ext cx="3930810" cy="945875"/>
           </a:xfrm>
           <a:prstGeom prst="wedgeRoundRectCallout">
             <a:avLst>
-              <a:gd name="adj1" fmla="val -73130"/>
-              <a:gd name="adj2" fmla="val 42786"/>
+              <a:gd name="adj1" fmla="val -72018"/>
+              <a:gd name="adj2" fmla="val 6098"/>
               <a:gd name="adj3" fmla="val 16667"/>
             </a:avLst>
           </a:prstGeom>
@@ -27089,26 +26384,23 @@
           <a:p>
             <a:pPr algn="ctr"/>
             <a:r>
-              <a:rPr lang="en-US" sz="2400" b="1" noProof="1">
+              <a:rPr lang="bg-BG" sz="2800" b="1" noProof="1">
                 <a:solidFill>
                   <a:schemeClr val="bg2"/>
                 </a:solidFill>
               </a:rPr>
-              <a:t>Всички елементи</a:t>
-            </a:r>
-            <a:br>
-              <a:rPr lang="en-US" sz="2400" b="1" noProof="1"/>
-            </a:br>
-            <a:r>
-              <a:rPr lang="en-US" sz="2400" b="1" noProof="1">
+              <a:t>Елементите имат начална стойност</a:t>
+            </a:r>
+            <a:r>
+              <a:rPr lang="en-US" sz="2800" b="1" noProof="1">
                 <a:solidFill>
                   <a:schemeClr val="bg2"/>
                 </a:solidFill>
               </a:rPr>
-              <a:t>  първоначално са </a:t>
-            </a:r>
-            <a:r>
-              <a:rPr lang="en-US" sz="2400" b="1" noProof="1">
+              <a:t> </a:t>
+            </a:r>
+            <a:r>
+              <a:rPr lang="en-US" sz="2800" b="1" noProof="1">
                 <a:solidFill>
                   <a:schemeClr val="bg1">
                     <a:lumMod val="60000"/>
@@ -27118,7 +26410,7 @@
               </a:rPr>
               <a:t>null</a:t>
             </a:r>
-            <a:endParaRPr lang="bg-BG" dirty="0">
+            <a:endParaRPr lang="bg-BG" sz="2800" dirty="0">
               <a:solidFill>
                 <a:schemeClr val="bg1">
                   <a:lumMod val="60000"/>
@@ -27313,9 +26605,36 @@
                                         <p:tgtEl>
                                           <p:spTgt spid="2">
                                             <p:txEl>
-                                              <p:pRg st="2" end="2"/>
+                                              <p:pRg st="1" end="1"/>
                                             </p:txEl>
                                           </p:spTgt>
+                                        </p:tgtEl>
+                                        <p:attrNameLst>
+                                          <p:attrName>style.visibility</p:attrName>
+                                        </p:attrNameLst>
+                                      </p:cBhvr>
+                                      <p:to>
+                                        <p:strVal val="visible"/>
+                                      </p:to>
+                                    </p:set>
+                                  </p:childTnLst>
+                                </p:cTn>
+                              </p:par>
+                              <p:par>
+                                <p:cTn id="7" presetID="1" presetClass="entr" presetSubtype="0" fill="hold" grpId="0" nodeType="withEffect">
+                                  <p:stCondLst>
+                                    <p:cond delay="0"/>
+                                  </p:stCondLst>
+                                  <p:childTnLst>
+                                    <p:set>
+                                      <p:cBhvr>
+                                        <p:cTn id="8" dur="1" fill="hold">
+                                          <p:stCondLst>
+                                            <p:cond delay="0"/>
+                                          </p:stCondLst>
+                                        </p:cTn>
+                                        <p:tgtEl>
+                                          <p:spTgt spid="5"/>
                                         </p:tgtEl>
                                         <p:attrNameLst>
                                           <p:attrName>style.visibility</p:attrName>
@@ -27335,50 +26654,19 @@
                     </p:cTn>
                   </p:par>
                   <p:par>
-                    <p:cTn id="7" fill="hold">
+                    <p:cTn id="9" fill="hold">
                       <p:stCondLst>
                         <p:cond delay="indefinite"/>
                       </p:stCondLst>
                       <p:childTnLst>
                         <p:par>
-                          <p:cTn id="8" fill="hold">
+                          <p:cTn id="10" fill="hold">
                             <p:stCondLst>
                               <p:cond delay="0"/>
                             </p:stCondLst>
                             <p:childTnLst>
                               <p:par>
-                                <p:cTn id="9" presetID="1" presetClass="entr" presetSubtype="0" fill="hold" nodeType="clickEffect">
-                                  <p:stCondLst>
-                                    <p:cond delay="0"/>
-                                  </p:stCondLst>
-                                  <p:childTnLst>
-                                    <p:set>
-                                      <p:cBhvr>
-                                        <p:cTn id="10" dur="1" fill="hold">
-                                          <p:stCondLst>
-                                            <p:cond delay="0"/>
-                                          </p:stCondLst>
-                                        </p:cTn>
-                                        <p:tgtEl>
-                                          <p:spTgt spid="2">
-                                            <p:txEl>
-                                              <p:pRg st="3" end="3"/>
-                                            </p:txEl>
-                                          </p:spTgt>
-                                        </p:tgtEl>
-                                        <p:attrNameLst>
-                                          <p:attrName>style.visibility</p:attrName>
-                                        </p:attrNameLst>
-                                      </p:cBhvr>
-                                      <p:to>
-                                        <p:strVal val="visible"/>
-                                      </p:to>
-                                    </p:set>
-                                  </p:childTnLst>
-                                </p:cTn>
-                              </p:par>
-                              <p:par>
-                                <p:cTn id="11" presetID="1" presetClass="entr" presetSubtype="0" fill="hold" grpId="0" nodeType="withEffect">
+                                <p:cTn id="11" presetID="1" presetClass="entr" presetSubtype="0" fill="hold" grpId="0" nodeType="clickEffect">
                                   <p:stCondLst>
                                     <p:cond delay="0"/>
                                   </p:stCondLst>
@@ -27391,7 +26679,7 @@
                                           </p:stCondLst>
                                         </p:cTn>
                                         <p:tgtEl>
-                                          <p:spTgt spid="5"/>
+                                          <p:spTgt spid="6"/>
                                         </p:tgtEl>
                                         <p:attrNameLst>
                                           <p:attrName>style.visibility</p:attrName>
@@ -27423,7 +26711,7 @@
                             </p:stCondLst>
                             <p:childTnLst>
                               <p:par>
-                                <p:cTn id="15" presetID="1" presetClass="entr" presetSubtype="0" fill="hold" grpId="0" nodeType="clickEffect">
+                                <p:cTn id="15" presetID="1" presetClass="entr" presetSubtype="0" fill="hold" nodeType="clickEffect">
                                   <p:stCondLst>
                                     <p:cond delay="0"/>
                                   </p:stCondLst>
@@ -27436,54 +26724,9 @@
                                           </p:stCondLst>
                                         </p:cTn>
                                         <p:tgtEl>
-                                          <p:spTgt spid="6"/>
-                                        </p:tgtEl>
-                                        <p:attrNameLst>
-                                          <p:attrName>style.visibility</p:attrName>
-                                        </p:attrNameLst>
-                                      </p:cBhvr>
-                                      <p:to>
-                                        <p:strVal val="visible"/>
-                                      </p:to>
-                                    </p:set>
-                                  </p:childTnLst>
-                                </p:cTn>
-                              </p:par>
-                            </p:childTnLst>
-                          </p:cTn>
-                        </p:par>
-                      </p:childTnLst>
-                    </p:cTn>
-                  </p:par>
-                  <p:par>
-                    <p:cTn id="17" fill="hold">
-                      <p:stCondLst>
-                        <p:cond delay="indefinite"/>
-                      </p:stCondLst>
-                      <p:childTnLst>
-                        <p:par>
-                          <p:cTn id="18" fill="hold">
-                            <p:stCondLst>
-                              <p:cond delay="0"/>
-                            </p:stCondLst>
-                            <p:childTnLst>
-                              <p:par>
-                                <p:cTn id="19" presetID="1" presetClass="entr" presetSubtype="0" fill="hold" nodeType="clickEffect">
-                                  <p:stCondLst>
-                                    <p:cond delay="0"/>
-                                  </p:stCondLst>
-                                  <p:childTnLst>
-                                    <p:set>
-                                      <p:cBhvr>
-                                        <p:cTn id="20" dur="1" fill="hold">
-                                          <p:stCondLst>
-                                            <p:cond delay="0"/>
-                                          </p:stCondLst>
-                                        </p:cTn>
-                                        <p:tgtEl>
                                           <p:spTgt spid="2">
                                             <p:txEl>
-                                              <p:pRg st="5" end="5"/>
+                                              <p:pRg st="3" end="3"/>
                                             </p:txEl>
                                           </p:spTgt>
                                         </p:tgtEl>
@@ -27499,14 +26742,14 @@
                                 </p:cTn>
                               </p:par>
                               <p:par>
-                                <p:cTn id="21" presetID="1" presetClass="entr" presetSubtype="0" fill="hold" grpId="0" nodeType="withEffect">
+                                <p:cTn id="17" presetID="1" presetClass="entr" presetSubtype="0" fill="hold" grpId="0" nodeType="withEffect">
                                   <p:stCondLst>
                                     <p:cond delay="0"/>
                                   </p:stCondLst>
                                   <p:childTnLst>
                                     <p:set>
                                       <p:cBhvr>
-                                        <p:cTn id="22" dur="1" fill="hold">
+                                        <p:cTn id="18" dur="1" fill="hold">
                                           <p:stCondLst>
                                             <p:cond delay="0"/>
                                           </p:stCondLst>
@@ -27532,26 +26775,26 @@
                     </p:cTn>
                   </p:par>
                   <p:par>
-                    <p:cTn id="23" fill="hold">
+                    <p:cTn id="19" fill="hold">
                       <p:stCondLst>
                         <p:cond delay="indefinite"/>
                       </p:stCondLst>
                       <p:childTnLst>
                         <p:par>
-                          <p:cTn id="24" fill="hold">
+                          <p:cTn id="20" fill="hold">
                             <p:stCondLst>
                               <p:cond delay="0"/>
                             </p:stCondLst>
                             <p:childTnLst>
                               <p:par>
-                                <p:cTn id="25" presetID="1" presetClass="entr" presetSubtype="0" fill="hold" grpId="0" nodeType="clickEffect">
+                                <p:cTn id="21" presetID="1" presetClass="entr" presetSubtype="0" fill="hold" grpId="0" nodeType="clickEffect">
                                   <p:stCondLst>
                                     <p:cond delay="0"/>
                                   </p:stCondLst>
                                   <p:childTnLst>
                                     <p:set>
                                       <p:cBhvr>
-                                        <p:cTn id="26" dur="1" fill="hold">
+                                        <p:cTn id="22" dur="1" fill="hold">
                                           <p:stCondLst>
                                             <p:cond delay="0"/>
                                           </p:stCondLst>
@@ -27846,7 +27089,15 @@
             </a:r>
             <a:r>
               <a:rPr lang="en-US" sz="3600" noProof="1"/>
-              <a:t>представлява броя на елементите в масива</a:t>
+              <a:t>представлява броя</a:t>
+            </a:r>
+            <a:r>
+              <a:rPr lang="bg-BG" sz="3600" noProof="1"/>
+              <a:t>т</a:t>
+            </a:r>
+            <a:r>
+              <a:rPr lang="en-US" sz="3600" noProof="1"/>
+              <a:t> на елементите в масива</a:t>
             </a:r>
             <a:endParaRPr lang="en-US" sz="3600" noProof="1">
               <a:ea typeface="Calibri"/>
@@ -27977,14 +27228,16 @@
           </a:xfrm>
         </p:spPr>
         <p:txBody>
-          <a:bodyPr/>
+          <a:bodyPr>
+            <a:normAutofit/>
+          </a:bodyPr>
           <a:lstStyle/>
           <a:p>
             <a:r>
-              <a:rPr lang="en-US" sz="3950" dirty="0"/>
+              <a:rPr lang="en-US" sz="4000" dirty="0"/>
               <a:t>Работа с масиви</a:t>
             </a:r>
-            <a:endParaRPr lang="bg-BG" dirty="0"/>
+            <a:endParaRPr lang="bg-BG" sz="4000" dirty="0"/>
           </a:p>
         </p:txBody>
       </p:sp>
@@ -28175,16 +27428,13 @@
                   <a:schemeClr val="tx1"/>
                 </a:solidFill>
               </a:rPr>
-              <a:t>) </a:t>
-            </a:r>
-            <a:r>
-              <a:rPr lang="en-US" dirty="0">
-                <a:solidFill>
-                  <a:schemeClr val="accent2"/>
-                </a:solidFill>
-              </a:rPr>
-              <a:t>// 10</a:t>
-            </a:r>
+              <a:t>);</a:t>
+            </a:r>
+            <a:endParaRPr lang="en-US" dirty="0">
+              <a:solidFill>
+                <a:schemeClr val="accent2"/>
+              </a:solidFill>
+            </a:endParaRPr>
           </a:p>
         </p:txBody>
       </p:sp>
@@ -28359,7 +27609,7 @@
                   <a:schemeClr val="tx1"/>
                 </a:solidFill>
               </a:rPr>
-              <a:t>numbers</a:t>
+              <a:t>Console.WriteLine(numbers</a:t>
             </a:r>
             <a:r>
               <a:rPr lang="en-US" dirty="0">
@@ -28375,7 +27625,7 @@
                   <a:schemeClr val="tx1"/>
                 </a:solidFill>
               </a:rPr>
-              <a:t>5</a:t>
+              <a:t>2</a:t>
             </a:r>
             <a:r>
               <a:rPr lang="en-US" dirty="0">
@@ -28386,85 +27636,18 @@
               <a:t>]</a:t>
             </a:r>
             <a:r>
-              <a:rPr lang="en-US" dirty="0"/>
-              <a:t> </a:t>
-            </a:r>
-            <a:r>
               <a:rPr lang="en-US" dirty="0">
                 <a:solidFill>
                   <a:schemeClr val="tx1"/>
                 </a:solidFill>
               </a:rPr>
-              <a:t>= numbers</a:t>
-            </a:r>
-            <a:r>
-              <a:rPr lang="en-US" dirty="0">
-                <a:solidFill>
-                  <a:schemeClr val="bg1"/>
-                </a:solidFill>
-              </a:rPr>
-              <a:t>[</a:t>
-            </a:r>
-            <a:r>
-              <a:rPr lang="en-US" dirty="0">
-                <a:solidFill>
-                  <a:schemeClr val="tx1"/>
-                </a:solidFill>
-              </a:rPr>
-              <a:t>2</a:t>
-            </a:r>
-            <a:r>
-              <a:rPr lang="en-US" dirty="0">
-                <a:solidFill>
-                  <a:schemeClr val="bg1"/>
-                </a:solidFill>
-              </a:rPr>
-              <a:t>]</a:t>
-            </a:r>
-            <a:r>
-              <a:rPr lang="en-US" dirty="0"/>
-              <a:t> </a:t>
-            </a:r>
-            <a:r>
-              <a:rPr lang="en-US" dirty="0">
-                <a:solidFill>
-                  <a:schemeClr val="tx1"/>
-                </a:solidFill>
-              </a:rPr>
-              <a:t>+ numbers</a:t>
-            </a:r>
-            <a:r>
-              <a:rPr lang="en-US" dirty="0">
-                <a:solidFill>
-                  <a:schemeClr val="bg1"/>
-                </a:solidFill>
-              </a:rPr>
-              <a:t>[</a:t>
-            </a:r>
-            <a:r>
-              <a:rPr lang="en-US" dirty="0">
-                <a:solidFill>
-                  <a:schemeClr val="tx1"/>
-                </a:solidFill>
-              </a:rPr>
-              <a:t>7</a:t>
-            </a:r>
-            <a:r>
-              <a:rPr lang="en-US" dirty="0">
-                <a:solidFill>
-                  <a:schemeClr val="bg1"/>
-                </a:solidFill>
-              </a:rPr>
-              <a:t>]</a:t>
-            </a:r>
-            <a:r>
-              <a:rPr lang="en-US" dirty="0">
-                <a:solidFill>
-                  <a:schemeClr val="tx1"/>
-                </a:solidFill>
-              </a:rPr>
-              <a:t>;</a:t>
-            </a:r>
+              <a:t>);</a:t>
+            </a:r>
+            <a:endParaRPr lang="en-US" dirty="0">
+              <a:solidFill>
+                <a:schemeClr val="accent2"/>
+              </a:solidFill>
+            </a:endParaRPr>
           </a:p>
           <a:p>
             <a:pPr>
@@ -28523,22 +27706,11 @@
               <a:rPr lang="en-US" dirty="0"/>
               <a:t> </a:t>
             </a:r>
-            <a:r>
-              <a:rPr lang="en-US" dirty="0">
-                <a:solidFill>
-                  <a:schemeClr val="accent2"/>
-                </a:solidFill>
-              </a:rPr>
-              <a:t>// </a:t>
-            </a:r>
-            <a:r>
-              <a:rPr lang="en-US" i="1" dirty="0">
-                <a:solidFill>
-                  <a:schemeClr val="accent2"/>
-                </a:solidFill>
-              </a:rPr>
-              <a:t>IndexOutOfRangeException</a:t>
-            </a:r>
+            <a:endParaRPr lang="en-US" i="1" dirty="0">
+              <a:solidFill>
+                <a:schemeClr val="accent2"/>
+              </a:solidFill>
+            </a:endParaRPr>
           </a:p>
         </p:txBody>
       </p:sp>
@@ -28877,7 +28049,23 @@
                   <a:schemeClr val="tx1"/>
                 </a:solidFill>
               </a:rPr>
-              <a:t>  numbers</a:t>
+              <a:t>  </a:t>
+            </a:r>
+            <a:r>
+              <a:rPr lang="bg-BG" dirty="0">
+                <a:solidFill>
+                  <a:schemeClr val="tx1"/>
+                </a:solidFill>
+              </a:rPr>
+              <a:t>  </a:t>
+            </a:r>
+            <a:r>
+              <a:rPr lang="en-US" dirty="0">
+                <a:solidFill>
+                  <a:schemeClr val="tx1"/>
+                </a:solidFill>
+              </a:rPr>
+              <a:t>numbers</a:t>
             </a:r>
             <a:r>
               <a:rPr lang="en-US" dirty="0">
@@ -28915,6 +28103,373 @@
               </a:rPr>
               <a:t>= 1; </a:t>
             </a:r>
+          </a:p>
+        </p:txBody>
+      </p:sp>
+      <p:sp>
+        <p:nvSpPr>
+          <p:cNvPr id="3" name="Rounded Rectangular Callout 2">
+            <a:extLst>
+              <a:ext uri="{FF2B5EF4-FFF2-40B4-BE49-F238E27FC236}">
+                <a16:creationId xmlns:a16="http://schemas.microsoft.com/office/drawing/2014/main" id="{FFE7233B-1ADC-6D62-BC37-D0FF80CD3BBD}"/>
+              </a:ext>
+            </a:extLst>
+          </p:cNvPr>
+          <p:cNvSpPr/>
+          <p:nvPr/>
+        </p:nvSpPr>
+        <p:spPr bwMode="auto">
+          <a:xfrm>
+            <a:off x="7977929" y="3640822"/>
+            <a:ext cx="4023717" cy="984111"/>
+          </a:xfrm>
+          <a:prstGeom prst="wedgeRoundRectCallout">
+            <a:avLst>
+              <a:gd name="adj1" fmla="val -137360"/>
+              <a:gd name="adj2" fmla="val 17860"/>
+              <a:gd name="adj3" fmla="val 16667"/>
+            </a:avLst>
+          </a:prstGeom>
+          <a:solidFill>
+            <a:schemeClr val="dk2">
+              <a:alpha val="80000"/>
+            </a:schemeClr>
+          </a:solidFill>
+          <a:ln w="19050">
+            <a:solidFill>
+              <a:schemeClr val="tx1">
+                <a:lumMod val="75000"/>
+                <a:alpha val="80000"/>
+              </a:schemeClr>
+            </a:solidFill>
+          </a:ln>
+          <a:effectLst/>
+        </p:spPr>
+        <p:style>
+          <a:lnRef idx="2">
+            <a:schemeClr val="accent1">
+              <a:shade val="50000"/>
+            </a:schemeClr>
+          </a:lnRef>
+          <a:fillRef idx="1001">
+            <a:schemeClr val="dk2"/>
+          </a:fillRef>
+          <a:effectRef idx="0">
+            <a:schemeClr val="accent1"/>
+          </a:effectRef>
+          <a:fontRef idx="minor">
+            <a:schemeClr val="lt1"/>
+          </a:fontRef>
+        </p:style>
+        <p:txBody>
+          <a:bodyPr rot="0" spcFirstLastPara="0" vertOverflow="overflow" horzOverflow="overflow" vert="horz" wrap="square" lIns="91440" tIns="45720" rIns="91440" bIns="45720" numCol="1" spcCol="0" rtlCol="0" fromWordArt="0" anchor="ctr" anchorCtr="0" forceAA="0" compatLnSpc="1">
+            <a:prstTxWarp prst="textNoShape">
+              <a:avLst/>
+            </a:prstTxWarp>
+            <a:noAutofit/>
+          </a:bodyPr>
+          <a:lstStyle/>
+          <a:p>
+            <a:pPr algn="ctr"/>
+            <a:r>
+              <a:rPr lang="bg-BG" sz="2800" b="1" dirty="0">
+                <a:solidFill>
+                  <a:srgbClr val="FFFFFF"/>
+                </a:solidFill>
+                <a:effectLst>
+                  <a:outerShdw blurRad="38100" dist="38100" dir="2700000" algn="tl">
+                    <a:srgbClr val="000000">
+                      <a:alpha val="43137"/>
+                    </a:srgbClr>
+                  </a:outerShdw>
+                </a:effectLst>
+              </a:rPr>
+              <a:t>Елементът на </a:t>
+            </a:r>
+            <a:r>
+              <a:rPr lang="bg-BG" sz="2800" b="1" dirty="0">
+                <a:solidFill>
+                  <a:schemeClr val="bg1">
+                    <a:lumMod val="60000"/>
+                    <a:lumOff val="40000"/>
+                  </a:schemeClr>
+                </a:solidFill>
+                <a:effectLst>
+                  <a:outerShdw blurRad="38100" dist="38100" dir="2700000" algn="tl">
+                    <a:srgbClr val="000000">
+                      <a:alpha val="43137"/>
+                    </a:srgbClr>
+                  </a:outerShdw>
+                </a:effectLst>
+              </a:rPr>
+              <a:t>индекс </a:t>
+            </a:r>
+            <a:r>
+              <a:rPr lang="en-US" sz="2800" b="1" dirty="0">
+                <a:solidFill>
+                  <a:schemeClr val="bg1">
+                    <a:lumMod val="60000"/>
+                    <a:lumOff val="40000"/>
+                  </a:schemeClr>
+                </a:solidFill>
+                <a:effectLst>
+                  <a:outerShdw blurRad="38100" dist="38100" dir="2700000" algn="tl">
+                    <a:srgbClr val="000000">
+                      <a:alpha val="43137"/>
+                    </a:srgbClr>
+                  </a:outerShdw>
+                </a:effectLst>
+                <a:latin typeface="Consolas" panose="020B0609020204030204" pitchFamily="49" charset="0"/>
+                <a:cs typeface="Consolas" panose="020B0609020204030204" pitchFamily="49" charset="0"/>
+              </a:rPr>
+              <a:t>i</a:t>
+            </a:r>
+            <a:r>
+              <a:rPr lang="en-US" sz="2800" b="1" dirty="0">
+                <a:solidFill>
+                  <a:schemeClr val="bg1">
+                    <a:lumMod val="60000"/>
+                    <a:lumOff val="40000"/>
+                  </a:schemeClr>
+                </a:solidFill>
+                <a:effectLst>
+                  <a:outerShdw blurRad="38100" dist="38100" dir="2700000" algn="tl">
+                    <a:srgbClr val="000000">
+                      <a:alpha val="43137"/>
+                    </a:srgbClr>
+                  </a:outerShdw>
+                </a:effectLst>
+              </a:rPr>
+              <a:t> </a:t>
+            </a:r>
+            <a:r>
+              <a:rPr lang="bg-BG" sz="2800" b="1" dirty="0">
+                <a:solidFill>
+                  <a:srgbClr val="FFFFFF"/>
+                </a:solidFill>
+                <a:effectLst>
+                  <a:outerShdw blurRad="38100" dist="38100" dir="2700000" algn="tl">
+                    <a:srgbClr val="000000">
+                      <a:alpha val="43137"/>
+                    </a:srgbClr>
+                  </a:outerShdw>
+                </a:effectLst>
+              </a:rPr>
+              <a:t>става равен на </a:t>
+            </a:r>
+            <a:r>
+              <a:rPr lang="bg-BG" sz="2800" b="1" dirty="0">
+                <a:solidFill>
+                  <a:schemeClr val="bg1">
+                    <a:lumMod val="60000"/>
+                    <a:lumOff val="40000"/>
+                  </a:schemeClr>
+                </a:solidFill>
+                <a:effectLst>
+                  <a:outerShdw blurRad="38100" dist="38100" dir="2700000" algn="tl">
+                    <a:srgbClr val="000000">
+                      <a:alpha val="43137"/>
+                    </a:srgbClr>
+                  </a:outerShdw>
+                </a:effectLst>
+              </a:rPr>
+              <a:t>1</a:t>
+            </a:r>
+            <a:endParaRPr lang="en-BG" sz="2800" b="1" dirty="0">
+              <a:solidFill>
+                <a:schemeClr val="bg1">
+                  <a:lumMod val="60000"/>
+                  <a:lumOff val="40000"/>
+                </a:schemeClr>
+              </a:solidFill>
+              <a:effectLst>
+                <a:outerShdw blurRad="38100" dist="38100" dir="2700000" algn="tl">
+                  <a:srgbClr val="000000">
+                    <a:alpha val="43137"/>
+                  </a:srgbClr>
+                </a:outerShdw>
+              </a:effectLst>
+            </a:endParaRPr>
+          </a:p>
+        </p:txBody>
+      </p:sp>
+      <p:sp>
+        <p:nvSpPr>
+          <p:cNvPr id="4" name="TextBox 3">
+            <a:extLst>
+              <a:ext uri="{FF2B5EF4-FFF2-40B4-BE49-F238E27FC236}">
+                <a16:creationId xmlns:a16="http://schemas.microsoft.com/office/drawing/2014/main" id="{B858DD3A-A086-DBE2-2D0D-15E952685574}"/>
+              </a:ext>
+            </a:extLst>
+          </p:cNvPr>
+          <p:cNvSpPr txBox="1"/>
+          <p:nvPr/>
+        </p:nvSpPr>
+        <p:spPr>
+          <a:xfrm>
+            <a:off x="6664960" y="1975540"/>
+            <a:ext cx="1409924" cy="601997"/>
+          </a:xfrm>
+          <a:prstGeom prst="rect">
+            <a:avLst/>
+          </a:prstGeom>
+          <a:noFill/>
+          <a:ln w="12700">
+            <a:noFill/>
+          </a:ln>
+        </p:spPr>
+        <p:txBody>
+          <a:bodyPr vert="horz" wrap="square" lIns="144000" tIns="108000" rIns="144000" bIns="108000" rtlCol="0">
+            <a:spAutoFit/>
+          </a:bodyPr>
+          <a:lstStyle/>
+          <a:p>
+            <a:pPr algn="l" eaLnBrk="0" hangingPunct="0">
+              <a:lnSpc>
+                <a:spcPct val="110000"/>
+              </a:lnSpc>
+              <a:buClr>
+                <a:schemeClr val="accent5">
+                  <a:lumMod val="40000"/>
+                  <a:lumOff val="60000"/>
+                </a:schemeClr>
+              </a:buClr>
+              <a:buSzPct val="70000"/>
+            </a:pPr>
+            <a:r>
+              <a:rPr lang="en-US" sz="2400" b="1" dirty="0">
+                <a:solidFill>
+                  <a:schemeClr val="accent2"/>
+                </a:solidFill>
+                <a:latin typeface="Consolas" panose="020B0609020204030204" pitchFamily="49" charset="0"/>
+                <a:cs typeface="Consolas" panose="020B0609020204030204" pitchFamily="49" charset="0"/>
+              </a:rPr>
+              <a:t>// 10</a:t>
+            </a:r>
+            <a:endParaRPr lang="en-BG" sz="2400" b="1" dirty="0">
+              <a:latin typeface="Consolas" panose="020B0609020204030204" pitchFamily="49" charset="0"/>
+              <a:cs typeface="Consolas" panose="020B0609020204030204" pitchFamily="49" charset="0"/>
+            </a:endParaRPr>
+          </a:p>
+        </p:txBody>
+      </p:sp>
+      <p:sp>
+        <p:nvSpPr>
+          <p:cNvPr id="5" name="TextBox 4">
+            <a:extLst>
+              <a:ext uri="{FF2B5EF4-FFF2-40B4-BE49-F238E27FC236}">
+                <a16:creationId xmlns:a16="http://schemas.microsoft.com/office/drawing/2014/main" id="{DFC8A863-F3FC-047E-4976-12A120233707}"/>
+              </a:ext>
+            </a:extLst>
+          </p:cNvPr>
+          <p:cNvSpPr txBox="1"/>
+          <p:nvPr/>
+        </p:nvSpPr>
+        <p:spPr>
+          <a:xfrm>
+            <a:off x="5862320" y="5489448"/>
+            <a:ext cx="1409924" cy="601997"/>
+          </a:xfrm>
+          <a:prstGeom prst="rect">
+            <a:avLst/>
+          </a:prstGeom>
+          <a:noFill/>
+          <a:ln w="12700">
+            <a:noFill/>
+          </a:ln>
+        </p:spPr>
+        <p:txBody>
+          <a:bodyPr vert="horz" wrap="square" lIns="144000" tIns="108000" rIns="144000" bIns="108000" rtlCol="0">
+            <a:spAutoFit/>
+          </a:bodyPr>
+          <a:lstStyle/>
+          <a:p>
+            <a:pPr algn="l" eaLnBrk="0" hangingPunct="0">
+              <a:lnSpc>
+                <a:spcPct val="110000"/>
+              </a:lnSpc>
+              <a:buClr>
+                <a:schemeClr val="accent5">
+                  <a:lumMod val="40000"/>
+                  <a:lumOff val="60000"/>
+                </a:schemeClr>
+              </a:buClr>
+              <a:buSzPct val="70000"/>
+            </a:pPr>
+            <a:r>
+              <a:rPr lang="en-US" sz="2400" b="1" dirty="0">
+                <a:solidFill>
+                  <a:schemeClr val="accent2"/>
+                </a:solidFill>
+                <a:latin typeface="Consolas" panose="020B0609020204030204" pitchFamily="49" charset="0"/>
+                <a:cs typeface="Consolas" panose="020B0609020204030204" pitchFamily="49" charset="0"/>
+              </a:rPr>
+              <a:t>// 1</a:t>
+            </a:r>
+            <a:endParaRPr lang="en-BG" sz="2400" b="1" dirty="0">
+              <a:latin typeface="Consolas" panose="020B0609020204030204" pitchFamily="49" charset="0"/>
+              <a:cs typeface="Consolas" panose="020B0609020204030204" pitchFamily="49" charset="0"/>
+            </a:endParaRPr>
+          </a:p>
+        </p:txBody>
+      </p:sp>
+      <p:sp>
+        <p:nvSpPr>
+          <p:cNvPr id="6" name="TextBox 5">
+            <a:extLst>
+              <a:ext uri="{FF2B5EF4-FFF2-40B4-BE49-F238E27FC236}">
+                <a16:creationId xmlns:a16="http://schemas.microsoft.com/office/drawing/2014/main" id="{8A1BD3F7-8D00-2314-80F8-59031D0F171B}"/>
+              </a:ext>
+            </a:extLst>
+          </p:cNvPr>
+          <p:cNvSpPr txBox="1"/>
+          <p:nvPr/>
+        </p:nvSpPr>
+        <p:spPr>
+          <a:xfrm>
+            <a:off x="3596640" y="5928101"/>
+            <a:ext cx="4937760" cy="601997"/>
+          </a:xfrm>
+          <a:prstGeom prst="rect">
+            <a:avLst/>
+          </a:prstGeom>
+          <a:noFill/>
+          <a:ln w="12700">
+            <a:noFill/>
+          </a:ln>
+        </p:spPr>
+        <p:txBody>
+          <a:bodyPr vert="horz" wrap="square" lIns="144000" tIns="108000" rIns="144000" bIns="108000" rtlCol="0">
+            <a:spAutoFit/>
+          </a:bodyPr>
+          <a:lstStyle/>
+          <a:p>
+            <a:pPr eaLnBrk="0" hangingPunct="0">
+              <a:lnSpc>
+                <a:spcPct val="110000"/>
+              </a:lnSpc>
+              <a:buClr>
+                <a:schemeClr val="accent5">
+                  <a:lumMod val="40000"/>
+                  <a:lumOff val="60000"/>
+                </a:schemeClr>
+              </a:buClr>
+              <a:buSzPct val="70000"/>
+            </a:pPr>
+            <a:r>
+              <a:rPr lang="en-US" sz="2400" b="1" i="1" dirty="0">
+                <a:solidFill>
+                  <a:schemeClr val="accent2"/>
+                </a:solidFill>
+                <a:latin typeface="Consolas" panose="020B0609020204030204" pitchFamily="49" charset="0"/>
+                <a:cs typeface="Consolas" panose="020B0609020204030204" pitchFamily="49" charset="0"/>
+              </a:rPr>
+              <a:t>// IndexOutOfRangeException</a:t>
+            </a:r>
+            <a:endParaRPr lang="en-BG" sz="2400" b="1" dirty="0">
+              <a:latin typeface="Consolas" panose="020B0609020204030204" pitchFamily="49" charset="0"/>
+              <a:cs typeface="Consolas" panose="020B0609020204030204" pitchFamily="49" charset="0"/>
+            </a:endParaRPr>
           </a:p>
         </p:txBody>
       </p:sp>
@@ -28957,7 +28512,7 @@
                             </p:stCondLst>
                             <p:childTnLst>
                               <p:par>
-                                <p:cTn id="5" presetID="1" presetClass="entr" presetSubtype="0" fill="hold" nodeType="clickEffect">
+                                <p:cTn id="5" presetID="1" presetClass="entr" presetSubtype="0" fill="hold" grpId="0" nodeType="clickEffect">
                                   <p:stCondLst>
                                     <p:cond delay="0"/>
                                   </p:stCondLst>
@@ -28965,6 +28520,51 @@
                                     <p:set>
                                       <p:cBhvr>
                                         <p:cTn id="6" dur="1" fill="hold">
+                                          <p:stCondLst>
+                                            <p:cond delay="0"/>
+                                          </p:stCondLst>
+                                        </p:cTn>
+                                        <p:tgtEl>
+                                          <p:spTgt spid="4"/>
+                                        </p:tgtEl>
+                                        <p:attrNameLst>
+                                          <p:attrName>style.visibility</p:attrName>
+                                        </p:attrNameLst>
+                                      </p:cBhvr>
+                                      <p:to>
+                                        <p:strVal val="visible"/>
+                                      </p:to>
+                                    </p:set>
+                                  </p:childTnLst>
+                                </p:cTn>
+                              </p:par>
+                            </p:childTnLst>
+                          </p:cTn>
+                        </p:par>
+                      </p:childTnLst>
+                    </p:cTn>
+                  </p:par>
+                  <p:par>
+                    <p:cTn id="7" fill="hold">
+                      <p:stCondLst>
+                        <p:cond delay="indefinite"/>
+                      </p:stCondLst>
+                      <p:childTnLst>
+                        <p:par>
+                          <p:cTn id="8" fill="hold">
+                            <p:stCondLst>
+                              <p:cond delay="0"/>
+                            </p:stCondLst>
+                            <p:childTnLst>
+                              <p:par>
+                                <p:cTn id="9" presetID="1" presetClass="entr" presetSubtype="0" fill="hold" nodeType="clickEffect">
+                                  <p:stCondLst>
+                                    <p:cond delay="0"/>
+                                  </p:stCondLst>
+                                  <p:childTnLst>
+                                    <p:set>
+                                      <p:cBhvr>
+                                        <p:cTn id="10" dur="1" fill="hold">
                                           <p:stCondLst>
                                             <p:cond delay="0"/>
                                           </p:stCondLst>
@@ -28988,14 +28588,14 @@
                                 </p:cTn>
                               </p:par>
                               <p:par>
-                                <p:cTn id="7" presetID="1" presetClass="entr" presetSubtype="0" fill="hold" grpId="0" nodeType="withEffect">
+                                <p:cTn id="11" presetID="1" presetClass="entr" presetSubtype="0" fill="hold" grpId="0" nodeType="withEffect">
                                   <p:stCondLst>
                                     <p:cond delay="0"/>
                                   </p:stCondLst>
                                   <p:childTnLst>
                                     <p:set>
                                       <p:cBhvr>
-                                        <p:cTn id="8" dur="1" fill="hold">
+                                        <p:cTn id="12" dur="1" fill="hold">
                                           <p:stCondLst>
                                             <p:cond delay="0"/>
                                           </p:stCondLst>
@@ -29021,26 +28621,71 @@
                     </p:cTn>
                   </p:par>
                   <p:par>
-                    <p:cTn id="9" fill="hold">
+                    <p:cTn id="13" fill="hold">
                       <p:stCondLst>
                         <p:cond delay="indefinite"/>
                       </p:stCondLst>
                       <p:childTnLst>
                         <p:par>
-                          <p:cTn id="10" fill="hold">
+                          <p:cTn id="14" fill="hold">
                             <p:stCondLst>
                               <p:cond delay="0"/>
                             </p:stCondLst>
                             <p:childTnLst>
                               <p:par>
-                                <p:cTn id="11" presetID="1" presetClass="entr" presetSubtype="0" fill="hold" grpId="0" nodeType="clickEffect">
+                                <p:cTn id="15" presetID="1" presetClass="entr" presetSubtype="0" fill="hold" grpId="0" nodeType="clickEffect">
                                   <p:stCondLst>
                                     <p:cond delay="0"/>
                                   </p:stCondLst>
                                   <p:childTnLst>
                                     <p:set>
                                       <p:cBhvr>
-                                        <p:cTn id="12" dur="1" fill="hold">
+                                        <p:cTn id="16" dur="1" fill="hold">
+                                          <p:stCondLst>
+                                            <p:cond delay="0"/>
+                                          </p:stCondLst>
+                                        </p:cTn>
+                                        <p:tgtEl>
+                                          <p:spTgt spid="3"/>
+                                        </p:tgtEl>
+                                        <p:attrNameLst>
+                                          <p:attrName>style.visibility</p:attrName>
+                                        </p:attrNameLst>
+                                      </p:cBhvr>
+                                      <p:to>
+                                        <p:strVal val="visible"/>
+                                      </p:to>
+                                    </p:set>
+                                  </p:childTnLst>
+                                </p:cTn>
+                              </p:par>
+                            </p:childTnLst>
+                          </p:cTn>
+                        </p:par>
+                      </p:childTnLst>
+                    </p:cTn>
+                  </p:par>
+                  <p:par>
+                    <p:cTn id="17" fill="hold">
+                      <p:stCondLst>
+                        <p:cond delay="indefinite"/>
+                      </p:stCondLst>
+                      <p:childTnLst>
+                        <p:par>
+                          <p:cTn id="18" fill="hold">
+                            <p:stCondLst>
+                              <p:cond delay="0"/>
+                            </p:stCondLst>
+                            <p:childTnLst>
+                              <p:par>
+                                <p:cTn id="19" presetID="1" presetClass="entr" presetSubtype="0" fill="hold" grpId="0" nodeType="clickEffect">
+                                  <p:stCondLst>
+                                    <p:cond delay="0"/>
+                                  </p:stCondLst>
+                                  <p:childTnLst>
+                                    <p:set>
+                                      <p:cBhvr>
+                                        <p:cTn id="20" dur="1" fill="hold">
                                           <p:stCondLst>
                                             <p:cond delay="0"/>
                                           </p:stCondLst>
@@ -29064,20 +28709,192 @@
                                 </p:cTn>
                               </p:par>
                               <p:par>
-                                <p:cTn id="13" presetID="1" presetClass="entr" presetSubtype="0" fill="hold" grpId="0" nodeType="withEffect">
+                                <p:cTn id="21" presetID="1" presetClass="entr" presetSubtype="0" fill="hold" grpId="0" nodeType="withEffect">
                                   <p:stCondLst>
                                     <p:cond delay="0"/>
                                   </p:stCondLst>
                                   <p:childTnLst>
                                     <p:set>
                                       <p:cBhvr>
-                                        <p:cTn id="14" dur="1" fill="hold">
+                                        <p:cTn id="22" dur="1" fill="hold">
                                           <p:stCondLst>
                                             <p:cond delay="0"/>
                                           </p:stCondLst>
                                         </p:cTn>
                                         <p:tgtEl>
-                                          <p:spTgt spid="20"/>
+                                          <p:spTgt spid="20">
+                                            <p:bg/>
+                                          </p:spTgt>
+                                        </p:tgtEl>
+                                        <p:attrNameLst>
+                                          <p:attrName>style.visibility</p:attrName>
+                                        </p:attrNameLst>
+                                      </p:cBhvr>
+                                      <p:to>
+                                        <p:strVal val="visible"/>
+                                      </p:to>
+                                    </p:set>
+                                  </p:childTnLst>
+                                </p:cTn>
+                              </p:par>
+                              <p:par>
+                                <p:cTn id="23" presetID="1" presetClass="entr" presetSubtype="0" fill="hold" nodeType="withEffect">
+                                  <p:stCondLst>
+                                    <p:cond delay="0"/>
+                                  </p:stCondLst>
+                                  <p:childTnLst>
+                                    <p:set>
+                                      <p:cBhvr>
+                                        <p:cTn id="24" dur="1" fill="hold">
+                                          <p:stCondLst>
+                                            <p:cond delay="0"/>
+                                          </p:stCondLst>
+                                        </p:cTn>
+                                        <p:tgtEl>
+                                          <p:spTgt spid="20">
+                                            <p:txEl>
+                                              <p:pRg st="0" end="0"/>
+                                            </p:txEl>
+                                          </p:spTgt>
+                                        </p:tgtEl>
+                                        <p:attrNameLst>
+                                          <p:attrName>style.visibility</p:attrName>
+                                        </p:attrNameLst>
+                                      </p:cBhvr>
+                                      <p:to>
+                                        <p:strVal val="visible"/>
+                                      </p:to>
+                                    </p:set>
+                                  </p:childTnLst>
+                                </p:cTn>
+                              </p:par>
+                            </p:childTnLst>
+                          </p:cTn>
+                        </p:par>
+                      </p:childTnLst>
+                    </p:cTn>
+                  </p:par>
+                  <p:par>
+                    <p:cTn id="25" fill="hold">
+                      <p:stCondLst>
+                        <p:cond delay="indefinite"/>
+                      </p:stCondLst>
+                      <p:childTnLst>
+                        <p:par>
+                          <p:cTn id="26" fill="hold">
+                            <p:stCondLst>
+                              <p:cond delay="0"/>
+                            </p:stCondLst>
+                            <p:childTnLst>
+                              <p:par>
+                                <p:cTn id="27" presetID="1" presetClass="entr" presetSubtype="0" fill="hold" grpId="0" nodeType="clickEffect">
+                                  <p:stCondLst>
+                                    <p:cond delay="0"/>
+                                  </p:stCondLst>
+                                  <p:childTnLst>
+                                    <p:set>
+                                      <p:cBhvr>
+                                        <p:cTn id="28" dur="1" fill="hold">
+                                          <p:stCondLst>
+                                            <p:cond delay="0"/>
+                                          </p:stCondLst>
+                                        </p:cTn>
+                                        <p:tgtEl>
+                                          <p:spTgt spid="5"/>
+                                        </p:tgtEl>
+                                        <p:attrNameLst>
+                                          <p:attrName>style.visibility</p:attrName>
+                                        </p:attrNameLst>
+                                      </p:cBhvr>
+                                      <p:to>
+                                        <p:strVal val="visible"/>
+                                      </p:to>
+                                    </p:set>
+                                  </p:childTnLst>
+                                </p:cTn>
+                              </p:par>
+                            </p:childTnLst>
+                          </p:cTn>
+                        </p:par>
+                      </p:childTnLst>
+                    </p:cTn>
+                  </p:par>
+                  <p:par>
+                    <p:cTn id="29" fill="hold">
+                      <p:stCondLst>
+                        <p:cond delay="indefinite"/>
+                      </p:stCondLst>
+                      <p:childTnLst>
+                        <p:par>
+                          <p:cTn id="30" fill="hold">
+                            <p:stCondLst>
+                              <p:cond delay="0"/>
+                            </p:stCondLst>
+                            <p:childTnLst>
+                              <p:par>
+                                <p:cTn id="31" presetID="1" presetClass="entr" presetSubtype="0" fill="hold" nodeType="clickEffect">
+                                  <p:stCondLst>
+                                    <p:cond delay="0"/>
+                                  </p:stCondLst>
+                                  <p:childTnLst>
+                                    <p:set>
+                                      <p:cBhvr>
+                                        <p:cTn id="32" dur="1" fill="hold">
+                                          <p:stCondLst>
+                                            <p:cond delay="0"/>
+                                          </p:stCondLst>
+                                        </p:cTn>
+                                        <p:tgtEl>
+                                          <p:spTgt spid="20">
+                                            <p:txEl>
+                                              <p:pRg st="1" end="1"/>
+                                            </p:txEl>
+                                          </p:spTgt>
+                                        </p:tgtEl>
+                                        <p:attrNameLst>
+                                          <p:attrName>style.visibility</p:attrName>
+                                        </p:attrNameLst>
+                                      </p:cBhvr>
+                                      <p:to>
+                                        <p:strVal val="visible"/>
+                                      </p:to>
+                                    </p:set>
+                                  </p:childTnLst>
+                                </p:cTn>
+                              </p:par>
+                            </p:childTnLst>
+                          </p:cTn>
+                        </p:par>
+                      </p:childTnLst>
+                    </p:cTn>
+                  </p:par>
+                  <p:par>
+                    <p:cTn id="33" fill="hold">
+                      <p:stCondLst>
+                        <p:cond delay="indefinite"/>
+                      </p:stCondLst>
+                      <p:childTnLst>
+                        <p:par>
+                          <p:cTn id="34" fill="hold">
+                            <p:stCondLst>
+                              <p:cond delay="0"/>
+                            </p:stCondLst>
+                            <p:childTnLst>
+                              <p:par>
+                                <p:cTn id="35" presetID="1" presetClass="entr" presetSubtype="0" fill="hold" grpId="0" nodeType="clickEffect">
+                                  <p:stCondLst>
+                                    <p:cond delay="0"/>
+                                  </p:stCondLst>
+                                  <p:childTnLst>
+                                    <p:set>
+                                      <p:cBhvr>
+                                        <p:cTn id="36" dur="1" fill="hold">
+                                          <p:stCondLst>
+                                            <p:cond delay="0"/>
+                                          </p:stCondLst>
+                                        </p:cTn>
+                                        <p:tgtEl>
+                                          <p:spTgt spid="6"/>
                                         </p:tgtEl>
                                         <p:attrNameLst>
                                           <p:attrName>style.visibility</p:attrName>
@@ -29119,8 +28936,12 @@
     </p:tnLst>
     <p:bldLst>
       <p:bldP spid="17" grpId="0" uiExpand="1" build="p"/>
-      <p:bldP spid="20" grpId="0" animBg="1"/>
+      <p:bldP spid="20" grpId="0" uiExpand="1" build="allAtOnce" animBg="1"/>
       <p:bldP spid="2" grpId="0" animBg="1"/>
+      <p:bldP spid="3" grpId="0" animBg="1"/>
+      <p:bldP spid="4" grpId="0"/>
+      <p:bldP spid="5" grpId="0"/>
+      <p:bldP spid="6" grpId="0"/>
     </p:bldLst>
   </p:timing>
 </p:sld>
@@ -29418,43 +29239,45 @@
           </a:xfrm>
         </p:spPr>
         <p:txBody>
-          <a:bodyPr/>
+          <a:bodyPr>
+            <a:normAutofit/>
+          </a:bodyPr>
           <a:lstStyle/>
           <a:p>
             <a:r>
-              <a:rPr lang="en-US" sz="3950" dirty="0">
+              <a:rPr lang="en-US" sz="4000" dirty="0">
                 <a:ea typeface="+mj-lt"/>
                 <a:cs typeface="+mj-lt"/>
               </a:rPr>
               <a:t>Ден от </a:t>
             </a:r>
             <a:r>
-              <a:rPr lang="bg-BG" sz="3950" dirty="0">
+              <a:rPr lang="bg-BG" sz="4000" dirty="0">
                 <a:ea typeface="+mj-lt"/>
                 <a:cs typeface="+mj-lt"/>
               </a:rPr>
               <a:t>с</a:t>
             </a:r>
             <a:r>
-              <a:rPr lang="en-US" sz="3950" dirty="0">
+              <a:rPr lang="en-US" sz="4000" dirty="0">
                 <a:ea typeface="+mj-lt"/>
                 <a:cs typeface="+mj-lt"/>
               </a:rPr>
               <a:t>едмицата</a:t>
             </a:r>
             <a:r>
-              <a:rPr lang="en-US" sz="3950" dirty="0"/>
+              <a:rPr lang="en-US" sz="4000" dirty="0"/>
               <a:t> – </a:t>
             </a:r>
             <a:r>
-              <a:rPr lang="bg-BG" sz="3950" dirty="0"/>
+              <a:rPr lang="bg-BG" sz="4000" dirty="0"/>
               <a:t>П</a:t>
             </a:r>
             <a:r>
-              <a:rPr lang="en-US" sz="3950" dirty="0"/>
+              <a:rPr lang="en-US" sz="4000" dirty="0"/>
               <a:t>ример</a:t>
             </a:r>
-            <a:endParaRPr lang="en-US" sz="3950" dirty="0">
+            <a:endParaRPr lang="en-US" sz="4000" dirty="0">
               <a:cs typeface="Calibri"/>
             </a:endParaRPr>
           </a:p>
@@ -31959,11 +31782,13 @@
         </p:nvSpPr>
         <p:spPr/>
         <p:txBody>
-          <a:bodyPr/>
+          <a:bodyPr>
+            <a:normAutofit/>
+          </a:bodyPr>
           <a:lstStyle/>
           <a:p>
             <a:r>
-              <a:rPr lang="en-US" sz="3950" dirty="0"/>
+              <a:rPr lang="en-US" sz="4000" dirty="0"/>
               <a:t>Задача: Ден от седмицата</a:t>
             </a:r>
           </a:p>
@@ -32102,21 +31927,23 @@
         </p:nvSpPr>
         <p:spPr/>
         <p:txBody>
-          <a:bodyPr/>
+          <a:bodyPr>
+            <a:normAutofit/>
+          </a:bodyPr>
           <a:lstStyle/>
           <a:p>
             <a:r>
-              <a:rPr lang="en-US" sz="3950" dirty="0"/>
+              <a:rPr lang="en-US" sz="4000" dirty="0"/>
               <a:t>Решение: </a:t>
             </a:r>
             <a:r>
-              <a:rPr lang="en-US" sz="3950" dirty="0">
+              <a:rPr lang="en-US" sz="4000" dirty="0">
                 <a:ea typeface="+mj-lt"/>
                 <a:cs typeface="+mj-lt"/>
               </a:rPr>
               <a:t>Ден от седмицата</a:t>
             </a:r>
-            <a:endParaRPr lang="en-US" dirty="0"/>
+            <a:endParaRPr lang="en-US" sz="4000" dirty="0"/>
           </a:p>
         </p:txBody>
       </p:sp>
@@ -32313,9 +32140,16 @@
               <a:rPr lang="en-US" sz="2600" dirty="0"/>
               <a:t>int day = int.Parse(Console.ReadLine());</a:t>
             </a:r>
-            <a:endParaRPr lang="bg-BG" sz="2600" dirty="0"/>
-          </a:p>
-          <a:p>
+          </a:p>
+          <a:p>
+            <a:pPr>
+              <a:spcBef>
+                <a:spcPts val="0"/>
+              </a:spcBef>
+              <a:spcAft>
+                <a:spcPts val="0"/>
+              </a:spcAft>
+            </a:pPr>
             <a:endParaRPr lang="en-US" sz="2600" dirty="0"/>
           </a:p>
           <a:p>
@@ -32389,8 +32223,8 @@
           </a:xfrm>
           <a:prstGeom prst="wedgeRoundRectCallout">
             <a:avLst>
-              <a:gd name="adj1" fmla="val -65781"/>
-              <a:gd name="adj2" fmla="val 36398"/>
+              <a:gd name="adj1" fmla="val -63512"/>
+              <a:gd name="adj2" fmla="val 34347"/>
               <a:gd name="adj3" fmla="val 16667"/>
             </a:avLst>
           </a:prstGeom>
@@ -32466,7 +32300,7 @@
                 <a:ea typeface="+mn-lt"/>
                 <a:cs typeface="+mn-lt"/>
               </a:rPr>
-              <a:t>, не на 1.</a:t>
+              <a:t>, не на 1</a:t>
             </a:r>
             <a:endParaRPr lang="bg-BG" b="1" dirty="0">
               <a:solidFill>

--- a/Courses/Software-Sciences/Module-2-DS-and-Algo/01.1-Arrays-Basics/01.1-Arrays-Basics.pptx
+++ b/Courses/Software-Sciences/Module-2-DS-and-Algo/01.1-Arrays-Basics/01.1-Arrays-Basics.pptx
@@ -301,7 +301,7 @@
           <a:p>
             <a:fld id="{4E087215-0C8F-4762-A664-737A353EC9A4}" type="datetimeFigureOut">
               <a:rPr lang="bg-BG" smtClean="0"/>
-              <a:t>17.9.2023 г.</a:t>
+              <a:t>25.06.24 г.</a:t>
             </a:fld>
             <a:endParaRPr lang="bg-BG"/>
           </a:p>
@@ -497,7 +497,7 @@
           <a:p>
             <a:fld id="{72D84649-876A-46C9-8472-14CB09C070D8}" type="datetimeFigureOut">
               <a:rPr lang="en-US" smtClean="0"/>
-              <a:t>9/17/2023</a:t>
+              <a:t>6/25/24</a:t>
             </a:fld>
             <a:endParaRPr lang="en-US"/>
           </a:p>
@@ -21814,7 +21814,7 @@
 </file>
 
 <file path=ppt/slides/slide26.xml><?xml version="1.0" encoding="utf-8"?>
-<p:sld xmlns:a="http://schemas.openxmlformats.org/drawingml/2006/main" xmlns:r="http://schemas.openxmlformats.org/officeDocument/2006/relationships" xmlns:p="http://schemas.openxmlformats.org/presentationml/2006/main">
+<p:sld xmlns:a="http://schemas.openxmlformats.org/drawingml/2006/main" xmlns:r="http://schemas.openxmlformats.org/officeDocument/2006/relationships" xmlns:p="http://schemas.openxmlformats.org/presentationml/2006/main" show="0">
   <p:cSld>
     <p:spTree>
       <p:nvGrpSpPr>
@@ -22185,11 +22185,11 @@
   <p:clrMapOvr>
     <a:masterClrMapping/>
   </p:clrMapOvr>
-  <mc:AlternateContent xmlns:mc="http://schemas.openxmlformats.org/markup-compatibility/2006" xmlns:p14="http://schemas.microsoft.com/office/powerpoint/2010/main">
-    <mc:Choice Requires="p14">
+  <mc:AlternateContent xmlns:mc="http://schemas.openxmlformats.org/markup-compatibility/2006">
+    <mc:Choice xmlns:p14="http://schemas.microsoft.com/office/powerpoint/2010/main" Requires="p14">
       <p:transition spd="slow" p14:dur="2000" advClick="0" advTm="5000"/>
     </mc:Choice>
-    <mc:Fallback xmlns="">
+    <mc:Fallback>
       <p:transition spd="slow" advClick="0" advTm="5000"/>
     </mc:Fallback>
   </mc:AlternateContent>

--- a/Courses/Software-Sciences/Module-2-DS-and-Algo/01.1-Arrays-Basics/01.1-Arrays-Basics.pptx
+++ b/Courses/Software-Sciences/Module-2-DS-and-Algo/01.1-Arrays-Basics/01.1-Arrays-Basics.pptx
@@ -301,7 +301,7 @@
           <a:p>
             <a:fld id="{4E087215-0C8F-4762-A664-737A353EC9A4}" type="datetimeFigureOut">
               <a:rPr lang="bg-BG" smtClean="0"/>
-              <a:t>25.06.24 г.</a:t>
+              <a:t>29.06.24 г.</a:t>
             </a:fld>
             <a:endParaRPr lang="bg-BG"/>
           </a:p>
@@ -497,7 +497,7 @@
           <a:p>
             <a:fld id="{72D84649-876A-46C9-8472-14CB09C070D8}" type="datetimeFigureOut">
               <a:rPr lang="en-US" smtClean="0"/>
-              <a:t>6/25/24</a:t>
+              <a:t>6/29/24</a:t>
             </a:fld>
             <a:endParaRPr lang="en-US"/>
           </a:p>
@@ -11315,7 +11315,7 @@
                 <a:latin typeface="Consolas" panose="020B0609020204030204" pitchFamily="49" charset="0"/>
                 <a:cs typeface="Consolas" panose="020B0609020204030204" pitchFamily="49" charset="0"/>
               </a:rPr>
-              <a:t>for-цикъл</a:t>
+              <a:t>foreach-цикъл</a:t>
             </a:r>
             <a:r>
               <a:rPr lang="en-US" sz="3600" dirty="0"/>
@@ -11655,7 +11655,7 @@
         <p:spPr bwMode="auto">
           <a:xfrm>
             <a:off x="765820" y="1844824"/>
-            <a:ext cx="6789007" cy="1633882"/>
+            <a:ext cx="6789007" cy="1633497"/>
           </a:xfrm>
           <a:prstGeom prst="rect">
             <a:avLst/>
@@ -11706,7 +11706,7 @@
               <a:rPr lang="nn-NO" sz="2399" b="1" noProof="1">
                 <a:latin typeface="Consolas" pitchFamily="49" charset="0"/>
               </a:rPr>
-              <a:t>for (int i = 0; i &lt; arr.Length; i++) {</a:t>
+              <a:t>foreach (int num in arr) {</a:t>
             </a:r>
           </a:p>
           <a:p>
@@ -11728,7 +11728,7 @@
               <a:rPr lang="nn-NO" sz="2399" b="1" noProof="1">
                 <a:latin typeface="Consolas" pitchFamily="49" charset="0"/>
               </a:rPr>
-              <a:t>Console.WriteLine(arr[i]); }</a:t>
+              <a:t>Console.WriteLine(num); }</a:t>
             </a:r>
             <a:endParaRPr lang="en-US" sz="2399" b="1" noProof="1">
               <a:latin typeface="Consolas" pitchFamily="49" charset="0"/>
@@ -22185,11 +22185,11 @@
   <p:clrMapOvr>
     <a:masterClrMapping/>
   </p:clrMapOvr>
-  <mc:AlternateContent xmlns:mc="http://schemas.openxmlformats.org/markup-compatibility/2006">
-    <mc:Choice xmlns:p14="http://schemas.microsoft.com/office/powerpoint/2010/main" Requires="p14">
+  <mc:AlternateContent xmlns:mc="http://schemas.openxmlformats.org/markup-compatibility/2006" xmlns:p14="http://schemas.microsoft.com/office/powerpoint/2010/main">
+    <mc:Choice Requires="p14">
       <p:transition spd="slow" p14:dur="2000" advClick="0" advTm="5000"/>
     </mc:Choice>
-    <mc:Fallback>
+    <mc:Fallback xmlns="">
       <p:transition spd="slow" advClick="0" advTm="5000"/>
     </mc:Fallback>
   </mc:AlternateContent>

--- a/Courses/Software-Sciences/Module-2-DS-and-Algo/01.1-Arrays-Basics/01.1-Arrays-Basics.pptx
+++ b/Courses/Software-Sciences/Module-2-DS-and-Algo/01.1-Arrays-Basics/01.1-Arrays-Basics.pptx
@@ -301,7 +301,7 @@
           <a:p>
             <a:fld id="{4E087215-0C8F-4762-A664-737A353EC9A4}" type="datetimeFigureOut">
               <a:rPr lang="bg-BG" smtClean="0"/>
-              <a:t>29.06.24 г.</a:t>
+              <a:t>1.07.24 г.</a:t>
             </a:fld>
             <a:endParaRPr lang="bg-BG"/>
           </a:p>
@@ -497,7 +497,7 @@
           <a:p>
             <a:fld id="{72D84649-876A-46C9-8472-14CB09C070D8}" type="datetimeFigureOut">
               <a:rPr lang="en-US" smtClean="0"/>
-              <a:t>6/29/24</a:t>
+              <a:t>7/1/24</a:t>
             </a:fld>
             <a:endParaRPr lang="en-US"/>
           </a:p>

--- a/Courses/Software-Sciences/Module-2-DS-and-Algo/01.1-Arrays-Basics/01.1-Arrays-Basics.pptx
+++ b/Courses/Software-Sciences/Module-2-DS-and-Algo/01.1-Arrays-Basics/01.1-Arrays-Basics.pptx
@@ -301,7 +301,7 @@
           <a:p>
             <a:fld id="{4E087215-0C8F-4762-A664-737A353EC9A4}" type="datetimeFigureOut">
               <a:rPr lang="bg-BG" smtClean="0"/>
-              <a:t>1.07.24 г.</a:t>
+              <a:t>2.07.24 г.</a:t>
             </a:fld>
             <a:endParaRPr lang="bg-BG"/>
           </a:p>
@@ -497,7 +497,7 @@
           <a:p>
             <a:fld id="{72D84649-876A-46C9-8472-14CB09C070D8}" type="datetimeFigureOut">
               <a:rPr lang="en-US" smtClean="0"/>
-              <a:t>7/1/24</a:t>
+              <a:t>7/2/24</a:t>
             </a:fld>
             <a:endParaRPr lang="en-US"/>
           </a:p>
@@ -10620,7 +10620,7 @@
               <a:rPr lang="en-US" sz="2800" b="1" noProof="1">
                 <a:latin typeface="Consolas" pitchFamily="49" charset="0"/>
               </a:rPr>
-              <a:t>var input = Console.ReadLine()</a:t>
+              <a:t>string input = Console.ReadLine()</a:t>
             </a:r>
             <a:r>
               <a:rPr lang="bg-BG" sz="2800" b="1" noProof="1">
@@ -10657,7 +10657,7 @@
               <a:rPr lang="en-US" sz="2800" b="1" noProof="1">
                 <a:latin typeface="Consolas" pitchFamily="49" charset="0"/>
               </a:rPr>
-              <a:t>input.Split('</a:t>
+              <a:t>input.Split("</a:t>
             </a:r>
             <a:r>
               <a:rPr lang="bg-BG" sz="2800" b="1" noProof="1">
@@ -10669,7 +10669,7 @@
               <a:rPr lang="en-US" sz="2800" b="1" noProof="1">
                 <a:latin typeface="Consolas" pitchFamily="49" charset="0"/>
               </a:rPr>
-              <a:t> ');</a:t>
+              <a:t> ");</a:t>
             </a:r>
           </a:p>
           <a:p>
